--- a/dl_neural_anatomy.pptx
+++ b/dl_neural_anatomy.pptx
@@ -5,7 +5,7 @@
     <p:sldMasterId id="2147483648" r:id="rId1"/>
   </p:sldMasterIdLst>
   <p:notesMasterIdLst>
-    <p:notesMasterId r:id="rId17"/>
+    <p:notesMasterId r:id="rId18"/>
   </p:notesMasterIdLst>
   <p:sldIdLst>
     <p:sldId id="322" r:id="rId2"/>
@@ -13,16 +13,17 @@
     <p:sldId id="310" r:id="rId4"/>
     <p:sldId id="299" r:id="rId5"/>
     <p:sldId id="298" r:id="rId6"/>
-    <p:sldId id="300" r:id="rId7"/>
-    <p:sldId id="268" r:id="rId8"/>
-    <p:sldId id="302" r:id="rId9"/>
-    <p:sldId id="258" r:id="rId10"/>
-    <p:sldId id="308" r:id="rId11"/>
-    <p:sldId id="269" r:id="rId12"/>
+    <p:sldId id="324" r:id="rId7"/>
+    <p:sldId id="325" r:id="rId8"/>
+    <p:sldId id="326" r:id="rId9"/>
+    <p:sldId id="327" r:id="rId10"/>
+    <p:sldId id="304" r:id="rId11"/>
+    <p:sldId id="302" r:id="rId12"/>
     <p:sldId id="309" r:id="rId13"/>
     <p:sldId id="305" r:id="rId14"/>
     <p:sldId id="307" r:id="rId15"/>
-    <p:sldId id="267" r:id="rId16"/>
+    <p:sldId id="306" r:id="rId16"/>
+    <p:sldId id="268" r:id="rId17"/>
   </p:sldIdLst>
   <p:sldSz cx="12192000" cy="6858000"/>
   <p:notesSz cx="6858000" cy="9144000"/>
@@ -222,7 +223,7 @@
           <a:p>
             <a:fld id="{FD93C9B2-20F6-4DB1-B471-224337D0AC79}" type="datetimeFigureOut">
               <a:rPr lang="en-US" smtClean="0"/>
-              <a:t>9/27/2021</a:t>
+              <a:t>10/26/2021</a:t>
             </a:fld>
             <a:endParaRPr lang="en-US"/>
           </a:p>
@@ -625,9 +626,572 @@
           <a:lstStyle/>
           <a:p>
             <a:r>
-              <a:rPr lang="en-US" dirty="0"/>
-              <a:t>Here’s another visualization of the training process.  I like this process diagram because it clearly shows the role of the optimizer in the weight update process.</a:t>
-            </a:r>
+              <a:rPr lang="en-US" b="0" i="0" u="none" dirty="0">
+                <a:solidFill>
+                  <a:srgbClr val="3C3C3B"/>
+                </a:solidFill>
+                <a:effectLst/>
+                <a:latin typeface="+mn-lt"/>
+              </a:rPr>
+              <a:t>Alright – let’s put everything we’ve discussed so far into a single image / example.  </a:t>
+            </a:r>
+          </a:p>
+          <a:p>
+            <a:endParaRPr lang="en-US" b="0" i="0" u="none" dirty="0">
+              <a:solidFill>
+                <a:srgbClr val="3C3C3B"/>
+              </a:solidFill>
+              <a:effectLst/>
+              <a:latin typeface="+mn-lt"/>
+            </a:endParaRPr>
+          </a:p>
+          <a:p>
+            <a:pPr marL="228600" marR="0" lvl="0" indent="-228600" algn="l" defTabSz="914400" rtl="0" eaLnBrk="1" fontAlgn="auto" latinLnBrk="0" hangingPunct="1">
+              <a:lnSpc>
+                <a:spcPct val="100000"/>
+              </a:lnSpc>
+              <a:spcBef>
+                <a:spcPts val="0"/>
+              </a:spcBef>
+              <a:spcAft>
+                <a:spcPts val="0"/>
+              </a:spcAft>
+              <a:buClrTx/>
+              <a:buSzTx/>
+              <a:buFontTx/>
+              <a:buAutoNum type="arabicPeriod"/>
+              <a:tabLst/>
+              <a:defRPr/>
+            </a:pPr>
+            <a:r>
+              <a:rPr lang="en-US" b="0" i="0" u="none" dirty="0">
+                <a:solidFill>
+                  <a:srgbClr val="3C3C3B"/>
+                </a:solidFill>
+                <a:effectLst/>
+                <a:latin typeface="+mn-lt"/>
+              </a:rPr>
+              <a:t>Pictured here is a complete, albeit small, neural network.  As such, it consists of an </a:t>
+            </a:r>
+            <a:r>
+              <a:rPr lang="en-US" b="1" i="0" u="none" dirty="0">
+                <a:solidFill>
+                  <a:srgbClr val="3C3C3B"/>
+                </a:solidFill>
+                <a:effectLst/>
+                <a:latin typeface="+mn-lt"/>
+              </a:rPr>
+              <a:t>input layer</a:t>
+            </a:r>
+            <a:r>
+              <a:rPr lang="en-US" b="0" i="0" u="none" dirty="0">
+                <a:solidFill>
+                  <a:srgbClr val="3C3C3B"/>
+                </a:solidFill>
+                <a:effectLst/>
+                <a:latin typeface="+mn-lt"/>
+              </a:rPr>
+              <a:t>, a single </a:t>
+            </a:r>
+            <a:r>
+              <a:rPr lang="en-US" b="1" i="0" u="none" dirty="0">
+                <a:solidFill>
+                  <a:srgbClr val="3C3C3B"/>
+                </a:solidFill>
+                <a:effectLst/>
+                <a:latin typeface="+mn-lt"/>
+              </a:rPr>
+              <a:t>hidden layer</a:t>
+            </a:r>
+            <a:r>
+              <a:rPr lang="en-US" b="0" i="0" u="none" dirty="0">
+                <a:solidFill>
+                  <a:srgbClr val="3C3C3B"/>
+                </a:solidFill>
+                <a:effectLst/>
+                <a:latin typeface="+mn-lt"/>
+              </a:rPr>
+              <a:t>, and an </a:t>
+            </a:r>
+            <a:r>
+              <a:rPr lang="en-US" b="1" i="0" u="none" dirty="0">
+                <a:solidFill>
+                  <a:srgbClr val="3C3C3B"/>
+                </a:solidFill>
+                <a:effectLst/>
+                <a:latin typeface="+mn-lt"/>
+              </a:rPr>
+              <a:t>output layer</a:t>
+            </a:r>
+            <a:r>
+              <a:rPr lang="en-US" b="0" i="0" u="none" dirty="0">
+                <a:solidFill>
+                  <a:srgbClr val="3C3C3B"/>
+                </a:solidFill>
+                <a:effectLst/>
+                <a:latin typeface="+mn-lt"/>
+              </a:rPr>
+              <a:t>.  </a:t>
+            </a:r>
+          </a:p>
+          <a:p>
+            <a:pPr marL="228600" marR="0" lvl="0" indent="-228600" algn="l" defTabSz="914400" rtl="0" eaLnBrk="1" fontAlgn="auto" latinLnBrk="0" hangingPunct="1">
+              <a:lnSpc>
+                <a:spcPct val="100000"/>
+              </a:lnSpc>
+              <a:spcBef>
+                <a:spcPts val="0"/>
+              </a:spcBef>
+              <a:spcAft>
+                <a:spcPts val="0"/>
+              </a:spcAft>
+              <a:buClrTx/>
+              <a:buSzTx/>
+              <a:buFontTx/>
+              <a:buAutoNum type="arabicPeriod"/>
+              <a:tabLst/>
+              <a:defRPr/>
+            </a:pPr>
+            <a:r>
+              <a:rPr lang="en-US" b="0" i="0" dirty="0">
+                <a:solidFill>
+                  <a:srgbClr val="3C3C3B"/>
+                </a:solidFill>
+                <a:effectLst/>
+                <a:latin typeface="+mn-lt"/>
+              </a:rPr>
+              <a:t>Input </a:t>
+            </a:r>
+            <a:r>
+              <a:rPr lang="en-US" b="1" i="0" u="none" dirty="0">
+                <a:solidFill>
+                  <a:srgbClr val="3C3C3B"/>
+                </a:solidFill>
+                <a:effectLst/>
+                <a:latin typeface="+mn-lt"/>
+              </a:rPr>
+              <a:t>features</a:t>
+            </a:r>
+            <a:r>
+              <a:rPr lang="en-US" b="0" i="0" u="none" dirty="0">
+                <a:solidFill>
+                  <a:srgbClr val="3C3C3B"/>
+                </a:solidFill>
+                <a:effectLst/>
+                <a:latin typeface="+mn-lt"/>
+              </a:rPr>
+              <a:t> are fed to the input layer, one feature per node.  </a:t>
+            </a:r>
+            <a:r>
+              <a:rPr lang="en-US" b="0" i="0" dirty="0">
+                <a:solidFill>
+                  <a:srgbClr val="3C3C3B"/>
+                </a:solidFill>
+                <a:effectLst/>
+                <a:latin typeface="+mn-lt"/>
+              </a:rPr>
+              <a:t>And depending on the size of the input example, the number of input nodes varies. The input data can be structured data (such as a CSV file) or unstructured data, such as an image.  Feature engineering, as it’s called, is an important component of any deep learning project.  </a:t>
+            </a:r>
+          </a:p>
+          <a:p>
+            <a:pPr marL="228600" marR="0" lvl="0" indent="-228600" algn="l" defTabSz="914400" rtl="0" eaLnBrk="1" fontAlgn="auto" latinLnBrk="0" hangingPunct="1">
+              <a:lnSpc>
+                <a:spcPct val="100000"/>
+              </a:lnSpc>
+              <a:spcBef>
+                <a:spcPts val="0"/>
+              </a:spcBef>
+              <a:spcAft>
+                <a:spcPts val="0"/>
+              </a:spcAft>
+              <a:buClrTx/>
+              <a:buSzTx/>
+              <a:buFontTx/>
+              <a:buAutoNum type="arabicPeriod"/>
+              <a:tabLst/>
+              <a:defRPr/>
+            </a:pPr>
+            <a:r>
+              <a:rPr lang="en-US" b="0" i="0" dirty="0">
+                <a:solidFill>
+                  <a:srgbClr val="3C3C3B"/>
+                </a:solidFill>
+                <a:effectLst/>
+                <a:latin typeface="+mn-lt"/>
+              </a:rPr>
+              <a:t>During </a:t>
+            </a:r>
+            <a:r>
+              <a:rPr lang="en-US" b="1" i="0" dirty="0">
+                <a:solidFill>
+                  <a:srgbClr val="3C3C3B"/>
+                </a:solidFill>
+                <a:effectLst/>
+                <a:latin typeface="+mn-lt"/>
+              </a:rPr>
+              <a:t>forward propagation</a:t>
+            </a:r>
+            <a:r>
+              <a:rPr lang="en-US" b="0" i="0" dirty="0">
+                <a:solidFill>
+                  <a:srgbClr val="3C3C3B"/>
+                </a:solidFill>
+                <a:effectLst/>
+                <a:latin typeface="+mn-lt"/>
+              </a:rPr>
+              <a:t>, the flow of numbers is from left to right.  That flow is reversed in </a:t>
+            </a:r>
+            <a:r>
+              <a:rPr lang="en-US" b="1" i="0" dirty="0">
+                <a:solidFill>
+                  <a:srgbClr val="3C3C3B"/>
+                </a:solidFill>
+                <a:effectLst/>
+                <a:latin typeface="+mn-lt"/>
+              </a:rPr>
+              <a:t>back propagation</a:t>
+            </a:r>
+            <a:r>
+              <a:rPr lang="en-US" b="0" i="0" dirty="0">
+                <a:solidFill>
+                  <a:srgbClr val="3C3C3B"/>
+                </a:solidFill>
+                <a:effectLst/>
+                <a:latin typeface="+mn-lt"/>
+              </a:rPr>
+              <a:t>, to be discussed in our next presentation.</a:t>
+            </a:r>
+          </a:p>
+          <a:p>
+            <a:pPr marL="228600" marR="0" lvl="0" indent="-228600" algn="l" defTabSz="914400" rtl="0" eaLnBrk="1" fontAlgn="auto" latinLnBrk="0" hangingPunct="1">
+              <a:lnSpc>
+                <a:spcPct val="100000"/>
+              </a:lnSpc>
+              <a:spcBef>
+                <a:spcPts val="0"/>
+              </a:spcBef>
+              <a:spcAft>
+                <a:spcPts val="0"/>
+              </a:spcAft>
+              <a:buClrTx/>
+              <a:buSzTx/>
+              <a:buFontTx/>
+              <a:buAutoNum type="arabicPeriod"/>
+              <a:tabLst/>
+              <a:defRPr/>
+            </a:pPr>
+            <a:r>
+              <a:rPr lang="en-US" b="0" i="0" dirty="0">
+                <a:solidFill>
+                  <a:srgbClr val="3C3C3B"/>
+                </a:solidFill>
+                <a:effectLst/>
+                <a:latin typeface="+mn-lt"/>
+              </a:rPr>
+              <a:t>We now label each of our weights.  During forward propagation, the output from each node is multiplied by its corresponding weight before becoming input to the downstream node.  So, for example, the output from (G) is multiplied by weight Wgf1 before becoming input to node (F).  </a:t>
+            </a:r>
+          </a:p>
+          <a:p>
+            <a:pPr marL="228600" marR="0" lvl="0" indent="-228600" algn="l" defTabSz="914400" rtl="0" eaLnBrk="1" fontAlgn="auto" latinLnBrk="0" hangingPunct="1">
+              <a:lnSpc>
+                <a:spcPct val="100000"/>
+              </a:lnSpc>
+              <a:spcBef>
+                <a:spcPts val="0"/>
+              </a:spcBef>
+              <a:spcAft>
+                <a:spcPts val="0"/>
+              </a:spcAft>
+              <a:buClrTx/>
+              <a:buSzTx/>
+              <a:buFontTx/>
+              <a:buAutoNum type="arabicPeriod"/>
+              <a:tabLst/>
+              <a:defRPr/>
+            </a:pPr>
+            <a:r>
+              <a:rPr lang="en-US" b="0" i="0" dirty="0">
+                <a:solidFill>
+                  <a:srgbClr val="3C3C3B"/>
+                </a:solidFill>
+                <a:effectLst/>
+                <a:latin typeface="+mn-lt"/>
+              </a:rPr>
+              <a:t>A </a:t>
+            </a:r>
+            <a:r>
+              <a:rPr lang="en-US" b="1" i="0" dirty="0">
+                <a:solidFill>
+                  <a:srgbClr val="3C3C3B"/>
+                </a:solidFill>
+                <a:effectLst/>
+                <a:latin typeface="+mn-lt"/>
+              </a:rPr>
+              <a:t>bias node </a:t>
+            </a:r>
+            <a:r>
+              <a:rPr lang="en-US" b="0" i="0" dirty="0">
+                <a:solidFill>
+                  <a:srgbClr val="3C3C3B"/>
+                </a:solidFill>
+                <a:effectLst/>
+                <a:latin typeface="+mn-lt"/>
+              </a:rPr>
+              <a:t>is typically associated with each layer – the function of bias nodes will be discussed in just a few minutes.</a:t>
+            </a:r>
+          </a:p>
+          <a:p>
+            <a:pPr marL="228600" marR="0" lvl="0" indent="-228600" algn="l" defTabSz="914400" rtl="0" eaLnBrk="1" fontAlgn="auto" latinLnBrk="0" hangingPunct="1">
+              <a:lnSpc>
+                <a:spcPct val="100000"/>
+              </a:lnSpc>
+              <a:spcBef>
+                <a:spcPts val="0"/>
+              </a:spcBef>
+              <a:spcAft>
+                <a:spcPts val="0"/>
+              </a:spcAft>
+              <a:buClrTx/>
+              <a:buSzTx/>
+              <a:buFontTx/>
+              <a:buAutoNum type="arabicPeriod"/>
+              <a:tabLst/>
+              <a:defRPr/>
+            </a:pPr>
+            <a:r>
+              <a:rPr lang="en-US" b="0" i="0" dirty="0">
+                <a:solidFill>
+                  <a:srgbClr val="3C3C3B"/>
+                </a:solidFill>
+                <a:effectLst/>
+                <a:latin typeface="+mn-lt"/>
+              </a:rPr>
+              <a:t>In this example, the network’s output is passed from node (F) to an error function which calculates the network’s </a:t>
+            </a:r>
+            <a:r>
+              <a:rPr lang="en-US" b="1" i="0" dirty="0">
+                <a:solidFill>
+                  <a:srgbClr val="3C3C3B"/>
+                </a:solidFill>
+                <a:effectLst/>
+                <a:latin typeface="+mn-lt"/>
+              </a:rPr>
+              <a:t>total error</a:t>
+            </a:r>
+            <a:r>
+              <a:rPr lang="en-US" b="0" i="0" dirty="0">
+                <a:solidFill>
+                  <a:srgbClr val="3C3C3B"/>
+                </a:solidFill>
+                <a:effectLst/>
+                <a:latin typeface="+mn-lt"/>
+              </a:rPr>
+              <a:t>, the difference between </a:t>
+            </a:r>
+            <a:r>
+              <a:rPr lang="en-US" b="1" i="0" dirty="0">
+                <a:solidFill>
+                  <a:srgbClr val="3C3C3B"/>
+                </a:solidFill>
+                <a:effectLst/>
+                <a:latin typeface="+mn-lt"/>
+              </a:rPr>
+              <a:t>ground truth </a:t>
+            </a:r>
+            <a:r>
+              <a:rPr lang="en-US" b="0" i="0" dirty="0">
+                <a:solidFill>
+                  <a:srgbClr val="3C3C3B"/>
+                </a:solidFill>
+                <a:effectLst/>
+                <a:latin typeface="+mn-lt"/>
+              </a:rPr>
+              <a:t>(labelled y) and the output.  A more complete explanation of the error function will be discussed in our next presentation when we explain the </a:t>
+            </a:r>
+            <a:r>
+              <a:rPr lang="en-US" b="1" i="0" dirty="0">
+                <a:solidFill>
+                  <a:srgbClr val="3C3C3B"/>
+                </a:solidFill>
+                <a:effectLst/>
+                <a:latin typeface="+mn-lt"/>
+              </a:rPr>
+              <a:t>back propagation </a:t>
+            </a:r>
+            <a:r>
+              <a:rPr lang="en-US" b="0" i="0" dirty="0">
+                <a:solidFill>
+                  <a:srgbClr val="3C3C3B"/>
+                </a:solidFill>
+                <a:effectLst/>
+                <a:latin typeface="+mn-lt"/>
+              </a:rPr>
+              <a:t>process.</a:t>
+            </a:r>
+            <a:endParaRPr lang="en-US" b="1" i="0" dirty="0">
+              <a:solidFill>
+                <a:srgbClr val="3C3C3B"/>
+              </a:solidFill>
+              <a:effectLst/>
+              <a:latin typeface="+mn-lt"/>
+            </a:endParaRPr>
+          </a:p>
+          <a:p>
+            <a:pPr marL="228600" marR="0" lvl="0" indent="-228600" algn="l" defTabSz="914400" rtl="0" eaLnBrk="1" fontAlgn="auto" latinLnBrk="0" hangingPunct="1">
+              <a:lnSpc>
+                <a:spcPct val="100000"/>
+              </a:lnSpc>
+              <a:spcBef>
+                <a:spcPts val="0"/>
+              </a:spcBef>
+              <a:spcAft>
+                <a:spcPts val="0"/>
+              </a:spcAft>
+              <a:buClrTx/>
+              <a:buSzTx/>
+              <a:buFontTx/>
+              <a:buAutoNum type="arabicPeriod"/>
+              <a:tabLst/>
+              <a:defRPr/>
+            </a:pPr>
+            <a:endParaRPr lang="en-US" b="1" i="0" dirty="0">
+              <a:solidFill>
+                <a:srgbClr val="3C3C3B"/>
+              </a:solidFill>
+              <a:effectLst/>
+              <a:latin typeface="+mn-lt"/>
+            </a:endParaRPr>
+          </a:p>
+          <a:p>
+            <a:pPr marL="228600" marR="0" lvl="0" indent="-228600" algn="l" defTabSz="914400" rtl="0" eaLnBrk="1" fontAlgn="auto" latinLnBrk="0" hangingPunct="1">
+              <a:lnSpc>
+                <a:spcPct val="100000"/>
+              </a:lnSpc>
+              <a:spcBef>
+                <a:spcPts val="0"/>
+              </a:spcBef>
+              <a:spcAft>
+                <a:spcPts val="0"/>
+              </a:spcAft>
+              <a:buClrTx/>
+              <a:buSzTx/>
+              <a:buFontTx/>
+              <a:buAutoNum type="arabicPeriod"/>
+              <a:tabLst/>
+              <a:defRPr/>
+            </a:pPr>
+            <a:endParaRPr lang="en-US" b="0" i="0" dirty="0">
+              <a:solidFill>
+                <a:srgbClr val="3C3C3B"/>
+              </a:solidFill>
+              <a:effectLst/>
+              <a:latin typeface="+mn-lt"/>
+            </a:endParaRPr>
+          </a:p>
+          <a:p>
+            <a:pPr marL="228600" marR="0" lvl="0" indent="-228600" algn="l" defTabSz="914400" rtl="0" eaLnBrk="1" fontAlgn="auto" latinLnBrk="0" hangingPunct="1">
+              <a:lnSpc>
+                <a:spcPct val="100000"/>
+              </a:lnSpc>
+              <a:spcBef>
+                <a:spcPts val="0"/>
+              </a:spcBef>
+              <a:spcAft>
+                <a:spcPts val="0"/>
+              </a:spcAft>
+              <a:buClrTx/>
+              <a:buSzTx/>
+              <a:buFontTx/>
+              <a:buAutoNum type="arabicPeriod"/>
+              <a:tabLst/>
+              <a:defRPr/>
+            </a:pPr>
+            <a:endParaRPr lang="en-US" b="0" i="0" u="none" dirty="0">
+              <a:solidFill>
+                <a:srgbClr val="3C3C3B"/>
+              </a:solidFill>
+              <a:effectLst/>
+              <a:latin typeface="+mn-lt"/>
+            </a:endParaRPr>
+          </a:p>
+          <a:p>
+            <a:pPr marL="228600" marR="0" lvl="0" indent="-228600" algn="l" defTabSz="914400" rtl="0" eaLnBrk="1" fontAlgn="auto" latinLnBrk="0" hangingPunct="1">
+              <a:lnSpc>
+                <a:spcPct val="100000"/>
+              </a:lnSpc>
+              <a:spcBef>
+                <a:spcPts val="0"/>
+              </a:spcBef>
+              <a:spcAft>
+                <a:spcPts val="0"/>
+              </a:spcAft>
+              <a:buClrTx/>
+              <a:buSzTx/>
+              <a:buFontTx/>
+              <a:buAutoNum type="arabicPeriod"/>
+              <a:tabLst/>
+              <a:defRPr/>
+            </a:pPr>
+            <a:endParaRPr lang="en-US" b="0" i="0" u="none" dirty="0">
+              <a:solidFill>
+                <a:srgbClr val="3C3C3B"/>
+              </a:solidFill>
+              <a:effectLst/>
+              <a:latin typeface="+mn-lt"/>
+            </a:endParaRPr>
+          </a:p>
+          <a:p>
+            <a:pPr marL="228600" marR="0" lvl="0" indent="-228600" algn="l" defTabSz="914400" rtl="0" eaLnBrk="1" fontAlgn="auto" latinLnBrk="0" hangingPunct="1">
+              <a:lnSpc>
+                <a:spcPct val="100000"/>
+              </a:lnSpc>
+              <a:spcBef>
+                <a:spcPts val="0"/>
+              </a:spcBef>
+              <a:spcAft>
+                <a:spcPts val="0"/>
+              </a:spcAft>
+              <a:buClrTx/>
+              <a:buSzTx/>
+              <a:buFontTx/>
+              <a:buAutoNum type="arabicPeriod"/>
+              <a:tabLst/>
+              <a:defRPr/>
+            </a:pPr>
+            <a:endParaRPr lang="en-US" b="0" i="0" dirty="0">
+              <a:solidFill>
+                <a:srgbClr val="3C3C3B"/>
+              </a:solidFill>
+              <a:effectLst/>
+              <a:latin typeface="+mn-lt"/>
+            </a:endParaRPr>
+          </a:p>
+          <a:p>
+            <a:endParaRPr lang="en-US" b="0" i="0" u="none" dirty="0">
+              <a:solidFill>
+                <a:srgbClr val="3C3C3B"/>
+              </a:solidFill>
+              <a:effectLst/>
+              <a:latin typeface="+mn-lt"/>
+            </a:endParaRPr>
+          </a:p>
+          <a:p>
+            <a:endParaRPr lang="en-US" b="0" i="0" u="none" dirty="0">
+              <a:solidFill>
+                <a:srgbClr val="3C3C3B"/>
+              </a:solidFill>
+              <a:effectLst/>
+              <a:latin typeface="+mn-lt"/>
+            </a:endParaRPr>
+          </a:p>
+          <a:p>
+            <a:endParaRPr lang="en-US" b="0" i="0" u="none" dirty="0">
+              <a:solidFill>
+                <a:srgbClr val="3C3C3B"/>
+              </a:solidFill>
+              <a:effectLst/>
+              <a:latin typeface="+mn-lt"/>
+            </a:endParaRPr>
           </a:p>
         </p:txBody>
       </p:sp>
@@ -657,7 +1221,7 @@
     </p:spTree>
     <p:extLst>
       <p:ext uri="{BB962C8B-B14F-4D97-AF65-F5344CB8AC3E}">
-        <p14:creationId xmlns:p14="http://schemas.microsoft.com/office/powerpoint/2010/main" val="3383463616"/>
+        <p14:creationId xmlns:p14="http://schemas.microsoft.com/office/powerpoint/2010/main" val="419363754"/>
       </p:ext>
     </p:extLst>
   </p:cSld>
@@ -721,7 +1285,7 @@
                 <a:ea typeface="+mn-ea"/>
                 <a:cs typeface="+mn-cs"/>
               </a:rPr>
-              <a:t>And finally – as you continue your deep learning journey – you will encounter a variety of mathematical equations and symbols.  But do not fear!  With a little effort, you will quickly master them.  To get you started, here’s a list of the most frequently used mathematical symbols in deep learning, along with their definitions.  </a:t>
+              <a:t>Let’s now justify and explain the existence of the bias nodes.  Technically, bias provides every node in a neural network with a trainable constant value (1 or -1).  But why do we need them?  Well – on a practical level – input from the bias node enables an activation function to be shifted to the left or right.  In this case, what looks like a sigmoid function can be shifted to the left (position A) or to the right (position C).  In addition to the adjustment of weights which occurs during backpropagation, this ‘shifting’ can be important and critical for successful learning.</a:t>
             </a:r>
           </a:p>
         </p:txBody>
@@ -752,7 +1316,7 @@
     </p:spTree>
     <p:extLst>
       <p:ext uri="{BB962C8B-B14F-4D97-AF65-F5344CB8AC3E}">
-        <p14:creationId xmlns:p14="http://schemas.microsoft.com/office/powerpoint/2010/main" val="2550897438"/>
+        <p14:creationId xmlns:p14="http://schemas.microsoft.com/office/powerpoint/2010/main" val="131634220"/>
       </p:ext>
     </p:extLst>
   </p:cSld>
@@ -805,6 +1369,29 @@
         <p:txBody>
           <a:bodyPr/>
           <a:lstStyle/>
+          <a:p>
+            <a:pPr marL="0" marR="0" lvl="0" indent="0" algn="l" defTabSz="914400" rtl="0" eaLnBrk="1" fontAlgn="auto" latinLnBrk="0" hangingPunct="1">
+              <a:lnSpc>
+                <a:spcPct val="100000"/>
+              </a:lnSpc>
+              <a:spcBef>
+                <a:spcPts val="0"/>
+              </a:spcBef>
+              <a:spcAft>
+                <a:spcPts val="0"/>
+              </a:spcAft>
+              <a:buClrTx/>
+              <a:buSzTx/>
+              <a:buFontTx/>
+              <a:buNone/>
+              <a:tabLst/>
+              <a:defRPr/>
+            </a:pPr>
+            <a:r>
+              <a:rPr lang="en-US" dirty="0"/>
+              <a:t>The learning experience for this workshop starts on page 55 of the textbook.  For additional information, please watch the exercise 2.01 orientation video.</a:t>
+            </a:r>
+          </a:p>
           <a:p>
             <a:endParaRPr lang="en-US" dirty="0"/>
           </a:p>
@@ -890,7 +1477,10 @@
           <a:bodyPr/>
           <a:lstStyle/>
           <a:p>
-            <a:endParaRPr lang="en-US" dirty="0"/>
+            <a:r>
+              <a:rPr lang="en-US" dirty="0"/>
+              <a:t> </a:t>
+            </a:r>
           </a:p>
         </p:txBody>
       </p:sp>
@@ -1058,6 +1648,23 @@
           <a:bodyPr/>
           <a:lstStyle/>
           <a:p>
+            <a:pPr marL="0" marR="0" lvl="0" indent="0" algn="l" defTabSz="914400" rtl="0" eaLnBrk="1" fontAlgn="auto" latinLnBrk="0" hangingPunct="1">
+              <a:lnSpc>
+                <a:spcPct val="100000"/>
+              </a:lnSpc>
+              <a:spcBef>
+                <a:spcPts val="0"/>
+              </a:spcBef>
+              <a:spcAft>
+                <a:spcPts val="0"/>
+              </a:spcAft>
+              <a:buClrTx/>
+              <a:buSzTx/>
+              <a:buFontTx/>
+              <a:buNone/>
+              <a:tabLst/>
+              <a:defRPr/>
+            </a:pPr>
             <a:r>
               <a:rPr lang="en-US" sz="1200" b="0" i="0" kern="1200" dirty="0">
                 <a:solidFill>
@@ -1068,11 +1675,55 @@
                 <a:ea typeface="+mn-ea"/>
                 <a:cs typeface="+mn-cs"/>
               </a:rPr>
-              <a:t>Neural networks are always built to solve a specific type of problem, although this doesn’t mean they can’t be used as “general purpose” tools.  Examples of specific uses include: prediction, forecasting, estimation, classification, and pattern recognition.</a:t>
-            </a:r>
-          </a:p>
-          <a:p>
-            <a:endParaRPr lang="en-US" sz="1200" b="0" i="0" kern="1200" dirty="0">
+              <a:t>As presented in an earlier slide, each node or neuron in a network is </a:t>
+            </a:r>
+            <a:r>
+              <a:rPr lang="en-US" sz="1200" b="1" i="0" kern="1200" dirty="0">
+                <a:solidFill>
+                  <a:schemeClr val="tx1"/>
+                </a:solidFill>
+                <a:effectLst/>
+                <a:latin typeface="+mn-lt"/>
+                <a:ea typeface="+mn-ea"/>
+                <a:cs typeface="+mn-cs"/>
+              </a:rPr>
+              <a:t>activated </a:t>
+            </a:r>
+            <a:r>
+              <a:rPr lang="en-US" sz="1200" b="0" i="0" kern="1200" dirty="0">
+                <a:solidFill>
+                  <a:schemeClr val="tx1"/>
+                </a:solidFill>
+                <a:effectLst/>
+                <a:latin typeface="+mn-lt"/>
+                <a:ea typeface="+mn-ea"/>
+                <a:cs typeface="+mn-cs"/>
+              </a:rPr>
+              <a:t>in a two-step process.  First, the net input function sums up the incoming input, consisting of numbers.  Here the plus sign indicates that operation, though an upper-case Sigma (Greek letter) is frequently used in the literature.  And second, </a:t>
+            </a:r>
+            <a:r>
+              <a:rPr lang="en-US" sz="1200" b="0" i="0" kern="1200" dirty="0">
+                <a:solidFill>
+                  <a:srgbClr val="3C3C3B"/>
+                </a:solidFill>
+                <a:effectLst/>
+                <a:latin typeface="Lato"/>
+                <a:ea typeface="+mn-ea"/>
+                <a:cs typeface="+mn-cs"/>
+              </a:rPr>
+              <a:t>the</a:t>
+            </a:r>
+            <a:r>
+              <a:rPr lang="en-US" b="0" i="0" dirty="0">
+                <a:solidFill>
+                  <a:srgbClr val="3C3C3B"/>
+                </a:solidFill>
+                <a:effectLst/>
+                <a:latin typeface="Lato"/>
+              </a:rPr>
+              <a:t> net input function is tightly coupled to its corresponding activation function which, in turn, produces the node’s output.  Keep in mind that an activation function can output a positive or negative number, or even zero.</a:t>
+            </a:r>
+            <a:endParaRPr lang="en-US" sz="1200" b="1" i="0" kern="1200" dirty="0">
               <a:solidFill>
                 <a:schemeClr val="tx1"/>
               </a:solidFill>
@@ -1083,114 +1734,12 @@
             </a:endParaRPr>
           </a:p>
           <a:p>
-            <a:r>
-              <a:rPr lang="en-US" sz="1200" b="0" i="0" kern="1200" dirty="0">
-                <a:solidFill>
-                  <a:schemeClr val="tx1"/>
-                </a:solidFill>
-                <a:effectLst/>
-                <a:latin typeface="+mn-lt"/>
-                <a:ea typeface="+mn-ea"/>
-                <a:cs typeface="+mn-cs"/>
-              </a:rPr>
-              <a:t>A neural network has three basic sections, or parts, and each part is composed of “nodes”.  There’s the input layer, one or more hidden layers (sometimes dozens of hidden layers), and a final output layer.</a:t>
-            </a:r>
-          </a:p>
-          <a:p>
-            <a:endParaRPr lang="en-US" sz="1200" b="0" i="0" kern="1200" dirty="0">
+            <a:endParaRPr lang="en-US" b="0" i="0" dirty="0">
               <a:solidFill>
-                <a:schemeClr val="tx1"/>
+                <a:srgbClr val="3C3C3B"/>
               </a:solidFill>
               <a:effectLst/>
-              <a:latin typeface="+mn-lt"/>
-              <a:ea typeface="+mn-ea"/>
-              <a:cs typeface="+mn-cs"/>
-            </a:endParaRPr>
-          </a:p>
-          <a:p>
-            <a:r>
-              <a:rPr lang="en-US" sz="1200" b="0" i="0" kern="1200" dirty="0">
-                <a:solidFill>
-                  <a:schemeClr val="tx1"/>
-                </a:solidFill>
-                <a:effectLst/>
-                <a:latin typeface="+mn-lt"/>
-                <a:ea typeface="+mn-ea"/>
-                <a:cs typeface="+mn-cs"/>
-              </a:rPr>
-              <a:t>Neural networks are built two ways.  With a feedforward neural network, signals travel only one way, from input to output.  These types of networks are straightforward and used extensively in pattern recognition.  A convolutional neural network (CNN) is a specific type of feedforward network often used in image recognition.  With feedback – or recurrent neural networks – signals can travel both directions and there can be loops.  RNN are more powerful and complex than CNN’s. Despite this, RNN’s have been less influential than feedforward networks.</a:t>
-            </a:r>
-          </a:p>
-          <a:p>
-            <a:endParaRPr lang="en-US" sz="1200" b="0" i="0" kern="1200" dirty="0">
-              <a:solidFill>
-                <a:schemeClr val="tx1"/>
-              </a:solidFill>
-              <a:effectLst/>
-              <a:latin typeface="+mn-lt"/>
-              <a:ea typeface="+mn-ea"/>
-              <a:cs typeface="+mn-cs"/>
-            </a:endParaRPr>
-          </a:p>
-          <a:p>
-            <a:r>
-              <a:rPr lang="en-US" sz="1200" b="0" i="0" kern="1200" dirty="0">
-                <a:solidFill>
-                  <a:schemeClr val="tx1"/>
-                </a:solidFill>
-                <a:effectLst/>
-                <a:latin typeface="+mn-lt"/>
-                <a:ea typeface="+mn-ea"/>
-                <a:cs typeface="+mn-cs"/>
-              </a:rPr>
-              <a:t>Neural networks are either fixed or adaptive.  The weight values in a fixed network remain static.  They do not change.  On the other hand, weight values in an adaptive network can change.</a:t>
-            </a:r>
-          </a:p>
-          <a:p>
-            <a:endParaRPr lang="en-US" sz="1200" b="0" i="0" kern="1200" dirty="0">
-              <a:solidFill>
-                <a:schemeClr val="tx1"/>
-              </a:solidFill>
-              <a:effectLst/>
-              <a:latin typeface="+mn-lt"/>
-              <a:ea typeface="+mn-ea"/>
-              <a:cs typeface="+mn-cs"/>
-            </a:endParaRPr>
-          </a:p>
-          <a:p>
-            <a:r>
-              <a:rPr lang="en-US" sz="1200" b="0" i="0" kern="1200" dirty="0">
-                <a:solidFill>
-                  <a:schemeClr val="tx1"/>
-                </a:solidFill>
-                <a:effectLst/>
-                <a:latin typeface="+mn-lt"/>
-                <a:ea typeface="+mn-ea"/>
-                <a:cs typeface="+mn-cs"/>
-              </a:rPr>
-              <a:t>Neural networks use three types of datasets.  The training dataset is used to adjust the weights of the neural network.  The validation dataset is used to minimize a problem known as overfitting, which we cover late.  The testing dataset is used as a final test to gauge how accurately the network has been trained.  All three datasets are usually taken from the project’s primary dataset, sliced into three parts.  Typically, the data is split as follows:  Training data: 60%  -- Validation data: 20% -- Testing data: 20%. </a:t>
-            </a:r>
-          </a:p>
-          <a:p>
-            <a:endParaRPr lang="en-US" sz="1200" b="0" i="0" kern="1200" dirty="0">
-              <a:solidFill>
-                <a:schemeClr val="tx1"/>
-              </a:solidFill>
-              <a:effectLst/>
-              <a:latin typeface="+mn-lt"/>
-              <a:ea typeface="+mn-ea"/>
-              <a:cs typeface="+mn-cs"/>
-            </a:endParaRPr>
-          </a:p>
-          <a:p>
-            <a:endParaRPr lang="en-US" sz="1200" b="0" i="0" kern="1200" dirty="0">
-              <a:solidFill>
-                <a:schemeClr val="tx1"/>
-              </a:solidFill>
-              <a:effectLst/>
-              <a:latin typeface="+mn-lt"/>
-              <a:ea typeface="+mn-ea"/>
-              <a:cs typeface="+mn-cs"/>
+              <a:latin typeface="Lato"/>
             </a:endParaRPr>
           </a:p>
         </p:txBody>
@@ -1221,7 +1770,318 @@
     </p:spTree>
     <p:extLst>
       <p:ext uri="{BB962C8B-B14F-4D97-AF65-F5344CB8AC3E}">
-        <p14:creationId xmlns:p14="http://schemas.microsoft.com/office/powerpoint/2010/main" val="1135150984"/>
+        <p14:creationId xmlns:p14="http://schemas.microsoft.com/office/powerpoint/2010/main" val="1253710314"/>
+      </p:ext>
+    </p:extLst>
+  </p:cSld>
+  <p:clrMapOvr>
+    <a:masterClrMapping/>
+  </p:clrMapOvr>
+</p:notes>
+</file>
+
+<file path=ppt/notesSlides/notesSlide16.xml><?xml version="1.0" encoding="utf-8"?>
+<p:notes xmlns:a="http://schemas.openxmlformats.org/drawingml/2006/main" xmlns:r="http://schemas.openxmlformats.org/officeDocument/2006/relationships" xmlns:p="http://schemas.openxmlformats.org/presentationml/2006/main">
+  <p:cSld>
+    <p:spTree>
+      <p:nvGrpSpPr>
+        <p:cNvPr id="1" name=""/>
+        <p:cNvGrpSpPr/>
+        <p:nvPr/>
+      </p:nvGrpSpPr>
+      <p:grpSpPr>
+        <a:xfrm>
+          <a:off x="0" y="0"/>
+          <a:ext cx="0" cy="0"/>
+          <a:chOff x="0" y="0"/>
+          <a:chExt cx="0" cy="0"/>
+        </a:xfrm>
+      </p:grpSpPr>
+      <p:sp>
+        <p:nvSpPr>
+          <p:cNvPr id="2" name="Slide Image Placeholder 1"/>
+          <p:cNvSpPr>
+            <a:spLocks noGrp="1" noRot="1" noChangeAspect="1"/>
+          </p:cNvSpPr>
+          <p:nvPr>
+            <p:ph type="sldImg"/>
+          </p:nvPr>
+        </p:nvSpPr>
+        <p:spPr/>
+      </p:sp>
+      <p:sp>
+        <p:nvSpPr>
+          <p:cNvPr id="3" name="Notes Placeholder 2"/>
+          <p:cNvSpPr>
+            <a:spLocks noGrp="1"/>
+          </p:cNvSpPr>
+          <p:nvPr>
+            <p:ph type="body" idx="1"/>
+          </p:nvPr>
+        </p:nvSpPr>
+        <p:spPr/>
+        <p:txBody>
+          <a:bodyPr/>
+          <a:lstStyle/>
+          <a:p>
+            <a:r>
+              <a:rPr lang="en-US" b="0" i="0" u="none" dirty="0">
+                <a:solidFill>
+                  <a:srgbClr val="3C3C3B"/>
+                </a:solidFill>
+                <a:effectLst/>
+                <a:latin typeface="+mn-lt"/>
+              </a:rPr>
+              <a:t>Alright – let’s put everything we’ve discussed so far into a single image / example.  </a:t>
+            </a:r>
+          </a:p>
+          <a:p>
+            <a:endParaRPr lang="en-US" b="0" i="0" u="none" dirty="0">
+              <a:solidFill>
+                <a:srgbClr val="3C3C3B"/>
+              </a:solidFill>
+              <a:effectLst/>
+              <a:latin typeface="+mn-lt"/>
+            </a:endParaRPr>
+          </a:p>
+          <a:p>
+            <a:r>
+              <a:rPr lang="en-US" b="0" i="0" u="none" dirty="0">
+                <a:solidFill>
+                  <a:srgbClr val="3C3C3B"/>
+                </a:solidFill>
+                <a:effectLst/>
+                <a:latin typeface="+mn-lt"/>
+              </a:rPr>
+              <a:t>Pictured here is a complete, albeit small, neural network.  As such, it consists of an </a:t>
+            </a:r>
+            <a:r>
+              <a:rPr lang="en-US" b="1" i="0" u="none" dirty="0">
+                <a:solidFill>
+                  <a:srgbClr val="3C3C3B"/>
+                </a:solidFill>
+                <a:effectLst/>
+                <a:latin typeface="+mn-lt"/>
+              </a:rPr>
+              <a:t>input layer</a:t>
+            </a:r>
+            <a:r>
+              <a:rPr lang="en-US" b="0" i="0" u="none" dirty="0">
+                <a:solidFill>
+                  <a:srgbClr val="3C3C3B"/>
+                </a:solidFill>
+                <a:effectLst/>
+                <a:latin typeface="+mn-lt"/>
+              </a:rPr>
+              <a:t>, a single </a:t>
+            </a:r>
+            <a:r>
+              <a:rPr lang="en-US" b="1" i="0" u="none" dirty="0">
+                <a:solidFill>
+                  <a:srgbClr val="3C3C3B"/>
+                </a:solidFill>
+                <a:effectLst/>
+                <a:latin typeface="+mn-lt"/>
+              </a:rPr>
+              <a:t>hidden layer</a:t>
+            </a:r>
+            <a:r>
+              <a:rPr lang="en-US" b="0" i="0" u="none" dirty="0">
+                <a:solidFill>
+                  <a:srgbClr val="3C3C3B"/>
+                </a:solidFill>
+                <a:effectLst/>
+                <a:latin typeface="+mn-lt"/>
+              </a:rPr>
+              <a:t>, and an </a:t>
+            </a:r>
+            <a:r>
+              <a:rPr lang="en-US" b="1" i="0" u="none" dirty="0">
+                <a:solidFill>
+                  <a:srgbClr val="3C3C3B"/>
+                </a:solidFill>
+                <a:effectLst/>
+                <a:latin typeface="+mn-lt"/>
+              </a:rPr>
+              <a:t>output layer</a:t>
+            </a:r>
+            <a:r>
+              <a:rPr lang="en-US" b="0" i="0" u="none" dirty="0">
+                <a:solidFill>
+                  <a:srgbClr val="3C3C3B"/>
+                </a:solidFill>
+                <a:effectLst/>
+                <a:latin typeface="+mn-lt"/>
+              </a:rPr>
+              <a:t>.  </a:t>
+            </a:r>
+            <a:endParaRPr lang="en-US" b="0" i="0" dirty="0">
+              <a:solidFill>
+                <a:srgbClr val="3C3C3B"/>
+              </a:solidFill>
+              <a:effectLst/>
+              <a:latin typeface="+mn-lt"/>
+            </a:endParaRPr>
+          </a:p>
+          <a:p>
+            <a:endParaRPr lang="en-US" b="0" i="0" dirty="0">
+              <a:solidFill>
+                <a:srgbClr val="3C3C3B"/>
+              </a:solidFill>
+              <a:effectLst/>
+              <a:latin typeface="+mn-lt"/>
+            </a:endParaRPr>
+          </a:p>
+          <a:p>
+            <a:r>
+              <a:rPr lang="en-US" b="0" i="0" dirty="0">
+                <a:solidFill>
+                  <a:srgbClr val="3C3C3B"/>
+                </a:solidFill>
+                <a:effectLst/>
+                <a:latin typeface="+mn-lt"/>
+              </a:rPr>
+              <a:t>Each example of input data is fed through the input layer.  And depending on the size of the input example, the number of input nodes varies. The input data can be structured data (such as a CSV file) or unstructured data, such as an image.  In this example, a greyscale image of a chicken 8 pixels by 8 pixels has been converted into a vector of 64 numbers, each one representing the intensity of the color at that point.  These </a:t>
+            </a:r>
+            <a:r>
+              <a:rPr lang="en-US" b="1" i="0" u="none" dirty="0">
+                <a:solidFill>
+                  <a:srgbClr val="3C3C3B"/>
+                </a:solidFill>
+                <a:effectLst/>
+                <a:latin typeface="+mn-lt"/>
+              </a:rPr>
+              <a:t>features</a:t>
+            </a:r>
+            <a:r>
+              <a:rPr lang="en-US" b="0" i="0" u="none" dirty="0">
+                <a:solidFill>
+                  <a:srgbClr val="3C3C3B"/>
+                </a:solidFill>
+                <a:effectLst/>
+                <a:latin typeface="+mn-lt"/>
+              </a:rPr>
+              <a:t> are then fed into the input layer, one feature per node.  In this case, X sub n is pixel #64, with the others implied by the ellipses.</a:t>
+            </a:r>
+          </a:p>
+          <a:p>
+            <a:endParaRPr lang="en-US" b="0" i="0" u="none" dirty="0">
+              <a:solidFill>
+                <a:srgbClr val="3C3C3B"/>
+              </a:solidFill>
+              <a:effectLst/>
+              <a:latin typeface="+mn-lt"/>
+            </a:endParaRPr>
+          </a:p>
+          <a:p>
+            <a:r>
+              <a:rPr lang="en-US" b="0" i="0" dirty="0">
+                <a:solidFill>
+                  <a:srgbClr val="3C3C3B"/>
+                </a:solidFill>
+                <a:effectLst/>
+                <a:latin typeface="+mn-lt"/>
+              </a:rPr>
+              <a:t>We note that the input layer is fully connected to the hidden layer, consisting of two nodes.  And as you can see, each weight on the connecting lines is labelled.  During forward propagation, the output from each node is multiplied by the weights before becoming input to the downstream node.  The numbers flow from left to right.  However, the flow is reversed during </a:t>
+            </a:r>
+            <a:r>
+              <a:rPr lang="en-US" b="1" i="0" dirty="0">
+                <a:solidFill>
+                  <a:srgbClr val="3C3C3B"/>
+                </a:solidFill>
+                <a:effectLst/>
+                <a:latin typeface="+mn-lt"/>
+              </a:rPr>
+              <a:t>backpropagation,</a:t>
+            </a:r>
+            <a:r>
+              <a:rPr lang="en-US" b="0" i="0" dirty="0">
+                <a:solidFill>
+                  <a:srgbClr val="3C3C3B"/>
+                </a:solidFill>
+                <a:effectLst/>
+                <a:latin typeface="+mn-lt"/>
+              </a:rPr>
+              <a:t> and this is where the neural network ‘learns.’   The backpropagation process is fully described in our next presentation, including the loss function, total error, and optimizer.</a:t>
+            </a:r>
+          </a:p>
+          <a:p>
+            <a:endParaRPr lang="en-US" b="0" i="0" dirty="0">
+              <a:solidFill>
+                <a:srgbClr val="3C3C3B"/>
+              </a:solidFill>
+              <a:effectLst/>
+              <a:latin typeface="+mn-lt"/>
+            </a:endParaRPr>
+          </a:p>
+          <a:p>
+            <a:r>
+              <a:rPr lang="en-US" b="0" i="0" dirty="0">
+                <a:solidFill>
+                  <a:srgbClr val="3C3C3B"/>
+                </a:solidFill>
+                <a:effectLst/>
+                <a:latin typeface="+mn-lt"/>
+              </a:rPr>
+              <a:t>But before we end this presentation, we still have a mystery to clear up.  Why does our network contain bias nodes?  What’s their purpose?  Let’s answer that question…</a:t>
+            </a:r>
+          </a:p>
+          <a:p>
+            <a:endParaRPr lang="en-US" b="0" i="0" dirty="0">
+              <a:solidFill>
+                <a:srgbClr val="3C3C3B"/>
+              </a:solidFill>
+              <a:effectLst/>
+              <a:latin typeface="Lato"/>
+            </a:endParaRPr>
+          </a:p>
+          <a:p>
+            <a:endParaRPr lang="en-US" b="0" i="0" dirty="0">
+              <a:solidFill>
+                <a:srgbClr val="3C3C3B"/>
+              </a:solidFill>
+              <a:effectLst/>
+              <a:latin typeface="Lato"/>
+            </a:endParaRPr>
+          </a:p>
+          <a:p>
+            <a:endParaRPr lang="en-US" b="0" i="0" dirty="0">
+              <a:solidFill>
+                <a:srgbClr val="3C3C3B"/>
+              </a:solidFill>
+              <a:effectLst/>
+              <a:latin typeface="Lato"/>
+            </a:endParaRPr>
+          </a:p>
+        </p:txBody>
+      </p:sp>
+      <p:sp>
+        <p:nvSpPr>
+          <p:cNvPr id="4" name="Slide Number Placeholder 3"/>
+          <p:cNvSpPr>
+            <a:spLocks noGrp="1"/>
+          </p:cNvSpPr>
+          <p:nvPr>
+            <p:ph type="sldNum" sz="quarter" idx="5"/>
+          </p:nvPr>
+        </p:nvSpPr>
+        <p:spPr/>
+        <p:txBody>
+          <a:bodyPr/>
+          <a:lstStyle/>
+          <a:p>
+            <a:fld id="{3148858F-F1DB-4027-9C85-CCA6849540DD}" type="slidenum">
+              <a:rPr lang="en-US" smtClean="0"/>
+              <a:t>16</a:t>
+            </a:fld>
+            <a:endParaRPr lang="en-US"/>
+          </a:p>
+        </p:txBody>
+      </p:sp>
+    </p:spTree>
+    <p:extLst>
+      <p:ext uri="{BB962C8B-B14F-4D97-AF65-F5344CB8AC3E}">
+        <p14:creationId xmlns:p14="http://schemas.microsoft.com/office/powerpoint/2010/main" val="3299567317"/>
       </p:ext>
     </p:extLst>
   </p:cSld>
@@ -1302,7 +2162,7 @@
                 <a:ea typeface="+mn-ea"/>
                 <a:cs typeface="+mn-cs"/>
               </a:rPr>
-              <a:t>The history of artificial neurons began in 1943, with the publication of a paper that presented a massively simplified abstraction of a neuron’s basic functions in mathematical form and described how multiple instances of this object could be connected into a network, or net.  The paper, written by McCulloch and Pitts in 1943, launched the field of neural networks.</a:t>
+              <a:t>The history of artificial neurons began in 1943, with the publication of a paper that presented a massively simplified abstraction of a neuron’s basic functions and described how multiple instances of this object could be connected into a network, or net.  The paper, written by McCulloch and Pitts in 1943, launched the field of neural networks.</a:t>
             </a:r>
           </a:p>
           <a:p>
@@ -1357,9 +2217,9 @@
                   <a:srgbClr val="3D3B49"/>
                 </a:solidFill>
                 <a:effectLst/>
-                <a:latin typeface="Noto serif" panose="02020600060500020200" pitchFamily="18" charset="0"/>
-              </a:rPr>
-              <a:t>Building on this insight, in 1957 Frank Rosenblatt proposed the </a:t>
+                <a:latin typeface="+mn-lt"/>
+              </a:rPr>
+              <a:t>In 1957 Frank Rosenblatt proposed the </a:t>
             </a:r>
             <a:r>
               <a:rPr lang="en-US" b="0" i="1" dirty="0">
@@ -1367,7 +2227,7 @@
                   <a:srgbClr val="3D3B49"/>
                 </a:solidFill>
                 <a:effectLst/>
-                <a:latin typeface="Noto serif" panose="02020600060500020200" pitchFamily="18" charset="0"/>
+                <a:latin typeface="+mn-lt"/>
               </a:rPr>
               <a:t>perceptron</a:t>
             </a:r>
@@ -1377,9 +2237,9 @@
                   <a:srgbClr val="3D3B49"/>
                 </a:solidFill>
                 <a:effectLst/>
-                <a:latin typeface="Noto serif" panose="02020600060500020200" pitchFamily="18" charset="0"/>
-              </a:rPr>
-              <a:t> as a simplified mathematical model of a neuron (Rosenblatt 1962). After the principles of the perceptron had been validated, a perceptron-based computer was built at Cornell University in 1958.  It was the size of a refrigerator, called the Mark I Perceptron (Wikipedia 2020c). The device was built to process images, using a grid of 400 photocells that could digitize an image at a resolution of 20 by 20 pixels (the word </a:t>
+                <a:latin typeface="+mn-lt"/>
+              </a:rPr>
+              <a:t> as a simplified mathematical model of a neuron (Rosenblatt 1962).  The following year (1958), a perceptron-based computer was built at Cornell University.  It was the size of a refrigerator and called the Mark I Perceptron (Wikipedia 2020c). The device was built to process images, using a grid of 400 photocells that could digitize an image at a resolution of 20 by 20 pixels (the word </a:t>
             </a:r>
             <a:r>
               <a:rPr lang="en-US" b="0" i="1" dirty="0">
@@ -1387,7 +2247,7 @@
                   <a:srgbClr val="3D3B49"/>
                 </a:solidFill>
                 <a:effectLst/>
-                <a:latin typeface="Noto serif" panose="02020600060500020200" pitchFamily="18" charset="0"/>
+                <a:latin typeface="+mn-lt"/>
               </a:rPr>
               <a:t>pixel</a:t>
             </a:r>
@@ -1397,9 +2257,9 @@
                   <a:srgbClr val="3D3B49"/>
                 </a:solidFill>
                 <a:effectLst/>
-                <a:latin typeface="Noto serif" panose="02020600060500020200" pitchFamily="18" charset="0"/>
-              </a:rPr>
-              <a:t> hadn’t yet been coined).  The weight applied to each input of the perceptron was set by turning a knob that controlled an electrical component called a potentiometer. To automate the learning process, electric motors were attached to the potentiometers so the device could literally turn its own knobs to adjust its weights and thereby change its calculations and output.  Although the Mark I Perceptron achieved some success,  it proved hard to generalize the technique to more complicated kinds of data.  </a:t>
+                <a:latin typeface="+mn-lt"/>
+              </a:rPr>
+              <a:t> hadn’t yet been coined).  The weight applied to each input of the perceptron was set by turning a knob that controlled an electrical component called a potentiometer. To automate the learning process, electric motors were attached to the potentiometers so the device could literally turn its own knobs to adjust its weights and thereby change its calculations and output.  Although the Mark I Perceptron achieved some success, it proved difficult to generalize the technique to more complicated kinds of data.  </a:t>
             </a:r>
           </a:p>
           <a:p>
@@ -1425,7 +2285,7 @@
                 <a:srgbClr val="3D3B49"/>
               </a:solidFill>
               <a:effectLst/>
-              <a:latin typeface="Noto serif" panose="02020600060500020200" pitchFamily="18" charset="0"/>
+              <a:latin typeface="+mn-lt"/>
             </a:endParaRPr>
           </a:p>
           <a:p>
@@ -1452,71 +2312,36 @@
                   <a:srgbClr val="3D3B49"/>
                 </a:solidFill>
                 <a:effectLst/>
-                <a:latin typeface="Noto serif" panose="02020600060500020200" pitchFamily="18" charset="0"/>
-              </a:rPr>
-              <a:t>After a few years of stalled progress, a book proved that the original perceptron technique was fundamentally limited (Minsky and Papert 1969). It showed that the lack of progress wasn’t due to a lack of imagination, but the result of theoretical limits built into the structure of a perceptron.  A popular consensus formed the perceptron was a dead end.  Enthusiasm, interest, and funding all dried up, and most people directed their research to other problems.   </a:t>
-            </a:r>
-          </a:p>
-          <a:p>
-            <a:pPr marL="0" marR="0" lvl="0" indent="0" algn="l" defTabSz="914400" rtl="0" eaLnBrk="1" fontAlgn="auto" latinLnBrk="0" hangingPunct="1">
-              <a:lnSpc>
-                <a:spcPct val="100000"/>
-              </a:lnSpc>
-              <a:spcBef>
-                <a:spcPts val="0"/>
-              </a:spcBef>
-              <a:spcAft>
-                <a:spcPts val="0"/>
-              </a:spcAft>
-              <a:buClrTx/>
-              <a:buSzTx/>
-              <a:buFontTx/>
-              <a:buNone/>
-              <a:tabLst/>
-              <a:defRPr/>
-            </a:pPr>
-            <a:endParaRPr lang="en-US" b="0" i="0" dirty="0">
-              <a:solidFill>
-                <a:srgbClr val="3D3B49"/>
-              </a:solidFill>
-              <a:effectLst/>
-              <a:latin typeface="Noto serif" panose="02020600060500020200" pitchFamily="18" charset="0"/>
-            </a:endParaRPr>
-          </a:p>
-          <a:p>
-            <a:pPr marL="0" marR="0" lvl="0" indent="0" algn="l" defTabSz="914400" rtl="0" eaLnBrk="1" fontAlgn="auto" latinLnBrk="0" hangingPunct="1">
-              <a:lnSpc>
-                <a:spcPct val="100000"/>
-              </a:lnSpc>
-              <a:spcBef>
-                <a:spcPts val="0"/>
-              </a:spcBef>
-              <a:spcAft>
-                <a:spcPts val="0"/>
-              </a:spcAft>
-              <a:buClrTx/>
-              <a:buSzTx/>
-              <a:buFontTx/>
-              <a:buNone/>
-              <a:tabLst/>
-              <a:defRPr/>
-            </a:pPr>
+                <a:latin typeface="+mn-lt"/>
+              </a:rPr>
+              <a:t>In 1969, Minsky and Papert wrote a book which proved that the original perceptron technique was fundamentally limited.  The lack of progress wasn’t due to a lack of imagination, but the result of theoretical limits built into the structure of a perceptron.  A popular consensus formed that the perceptron was a dead end.  Enthusiasm, interest, and funding all dried up.  The first </a:t>
+            </a:r>
+            <a:r>
+              <a:rPr lang="en-US" b="1" i="0" dirty="0">
+                <a:solidFill>
+                  <a:srgbClr val="3D3B49"/>
+                </a:solidFill>
+                <a:effectLst/>
+                <a:latin typeface="+mn-lt"/>
+              </a:rPr>
+              <a:t>AI Winter </a:t>
+            </a:r>
             <a:r>
               <a:rPr lang="en-US" b="0" i="0" dirty="0">
                 <a:solidFill>
                   <a:srgbClr val="3D3B49"/>
                 </a:solidFill>
                 <a:effectLst/>
-                <a:latin typeface="Noto serif" panose="02020600060500020200" pitchFamily="18" charset="0"/>
-              </a:rPr>
-              <a:t>However, all that changed about 10 years ago.  Big data combined with powerful hardware made it possible to create complex neural networks, capable of doing interesting things. </a:t>
+                <a:latin typeface="+mn-lt"/>
+              </a:rPr>
+              <a:t>had begun.   However, all that changed about 10 years ago.  Big data combined with powerful hardware made it possible to create complex neural networks, capable of doing interesting things. </a:t>
             </a:r>
             <a:endParaRPr lang="en-US" sz="1200" b="0" i="0" kern="1200" dirty="0">
               <a:solidFill>
                 <a:srgbClr val="3D3B49"/>
               </a:solidFill>
               <a:effectLst/>
-              <a:latin typeface="Noto serif" panose="02020600060500020200" pitchFamily="18" charset="0"/>
+              <a:latin typeface="+mn-lt"/>
               <a:ea typeface="+mn-ea"/>
               <a:cs typeface="+mn-cs"/>
             </a:endParaRPr>
@@ -1544,7 +2369,7 @@
                 <a:srgbClr val="3D3B49"/>
               </a:solidFill>
               <a:effectLst/>
-              <a:latin typeface="Noto serif" panose="02020600060500020200" pitchFamily="18" charset="0"/>
+              <a:latin typeface="+mn-lt"/>
               <a:ea typeface="+mn-ea"/>
               <a:cs typeface="+mn-cs"/>
             </a:endParaRPr>
@@ -1575,7 +2400,7 @@
                     <a:lumOff val="35000"/>
                   </a:schemeClr>
                 </a:solidFill>
-                <a:latin typeface="+mj-lt"/>
+                <a:latin typeface="+mn-lt"/>
                 <a:ea typeface="Verdana" panose="020B0604030504040204" pitchFamily="34" charset="0"/>
               </a:rPr>
               <a:t>Source: Glassner, A. (2021). </a:t>
@@ -1588,7 +2413,7 @@
                     <a:lumOff val="35000"/>
                   </a:schemeClr>
                 </a:solidFill>
-                <a:latin typeface="+mj-lt"/>
+                <a:latin typeface="+mn-lt"/>
                 <a:ea typeface="Verdana" panose="020B0604030504040204" pitchFamily="34" charset="0"/>
               </a:rPr>
               <a:t>Deep learning: A visual approach</a:t>
@@ -1601,7 +2426,7 @@
                     <a:lumOff val="35000"/>
                   </a:schemeClr>
                 </a:solidFill>
-                <a:latin typeface="+mj-lt"/>
+                <a:latin typeface="+mn-lt"/>
                 <a:ea typeface="Verdana" panose="020B0604030504040204" pitchFamily="34" charset="0"/>
               </a:rPr>
               <a:t>. San Francisco, CA</a:t>
@@ -1615,7 +2440,7 @@
                   </a:schemeClr>
                 </a:solidFill>
                 <a:effectLst/>
-                <a:latin typeface="+mj-lt"/>
+                <a:latin typeface="+mn-lt"/>
                 <a:ea typeface="Verdana" panose="020B0604030504040204" pitchFamily="34" charset="0"/>
               </a:rPr>
               <a:t>: No Starch Press</a:t>
@@ -1739,7 +2564,7 @@
                 <a:ea typeface="+mn-ea"/>
                 <a:cs typeface="+mn-cs"/>
               </a:rPr>
-              <a:t>With a little history out of the way, let’s begin our exploration of neural networks by first considering the anatomy of a biological neuron – the inspiration behind today’s artificial neural networks.</a:t>
+              <a:t>So, what was the inspiration behind Rosenblatt’s perceptron?  It was the neuron.  A simplified image of a neuron is shown here.</a:t>
             </a:r>
           </a:p>
           <a:p>
@@ -1798,7 +2623,7 @@
                 <a:ea typeface="+mn-ea"/>
                 <a:cs typeface="+mn-cs"/>
               </a:rPr>
-              <a:t>As pictured here, a neuron is comprised of Dendrites, a cell body (labeled as Soma), and an extended Axon with multiple branches, tipped with Axon terminals.  The Axon terminals, in turn, connect to Dendrites from other neurons.  Thus, the flow of electrical impulses is from the Dendrites to Soma to Axon.  And depending on the strength of the combined electrical impulse, the Soma, in turn, fires, sending an electrical impulse through its axon to all connected downstream neurons.  Neural networks solve problems in a similar way to the human brain.</a:t>
+              <a:t>A neuron is comprised of Dendrites, a cell body (labeled here as the Soma), and an extended Axon with multiple branches, tipped with Axon terminals.  The Axon terminals, in turn, connect to Dendrites from other neurons.  Hence, the flow of electrical impulses is from Dendrite to Soma to Axon and then to Axon terminal.  And finally, the strength of the electrical impulse sent to the Axon depends on the combined strength of impulses coming into the Soma. As we will soon see, neural networks operate in a similar manner.</a:t>
             </a:r>
           </a:p>
           <a:p>
@@ -1828,37 +2653,6 @@
               <a:ea typeface="+mn-ea"/>
               <a:cs typeface="+mn-cs"/>
             </a:endParaRPr>
-          </a:p>
-          <a:p>
-            <a:pPr marL="0" marR="0" lvl="0" indent="0" algn="l" defTabSz="914400" rtl="0" eaLnBrk="1" fontAlgn="auto" latinLnBrk="0" hangingPunct="1">
-              <a:lnSpc>
-                <a:spcPct val="100000"/>
-              </a:lnSpc>
-              <a:spcBef>
-                <a:spcPts val="0"/>
-              </a:spcBef>
-              <a:spcAft>
-                <a:spcPts val="0"/>
-              </a:spcAft>
-              <a:buClrTx/>
-              <a:buSzTx/>
-              <a:buFontTx/>
-              <a:buNone/>
-              <a:tabLst/>
-              <a:defRPr/>
-            </a:pPr>
-            <a:r>
-              <a:rPr lang="en-US" sz="1200" b="0" i="0" kern="1200" dirty="0">
-                <a:solidFill>
-                  <a:schemeClr val="tx1"/>
-                </a:solidFill>
-                <a:effectLst/>
-                <a:latin typeface="+mn-lt"/>
-                <a:ea typeface="+mn-ea"/>
-                <a:cs typeface="+mn-cs"/>
-              </a:rPr>
-              <a:t>https://ucsdnews.ucsd.edu/pressrelease/why_are_neuron_axons_long_and_spindly</a:t>
-            </a:r>
           </a:p>
         </p:txBody>
       </p:sp>
@@ -1969,7 +2763,7 @@
                 <a:ea typeface="+mn-ea"/>
                 <a:cs typeface="+mn-cs"/>
               </a:rPr>
-              <a:t>Let’s start our learning journey by diagramming basic operations.  First, we’ll use the term </a:t>
+              <a:t>The process of creating an artificial neuron begins by diagramming basic operations.  First, we’ll use the term </a:t>
             </a:r>
             <a:r>
               <a:rPr lang="en-US" sz="1200" b="1" i="0" kern="1200" dirty="0">
@@ -1993,7 +2787,31 @@
                 <a:ea typeface="+mn-ea"/>
                 <a:cs typeface="+mn-cs"/>
               </a:rPr>
-              <a:t> – instead of Soma or cell body – to denote a centralized location which collects incoming signals and then outputs a value.  And second, let’s label each of our inputs D1, D2, D3, and D4.  In this case, the arrows indicate signal direction, with four coming into node A1 and one leaving as output.</a:t>
+              <a:t> – instead of Soma or cell body – to denote a centralized location which collects incoming signals and then outputs a value.  Second, let’s label each of our </a:t>
+            </a:r>
+            <a:r>
+              <a:rPr lang="en-US" sz="1200" b="1" i="0" kern="1200" dirty="0">
+                <a:solidFill>
+                  <a:schemeClr val="tx1"/>
+                </a:solidFill>
+                <a:effectLst/>
+                <a:latin typeface="+mn-lt"/>
+                <a:ea typeface="+mn-ea"/>
+                <a:cs typeface="+mn-cs"/>
+              </a:rPr>
+              <a:t>inputs </a:t>
+            </a:r>
+            <a:r>
+              <a:rPr lang="en-US" sz="1200" b="0" i="0" kern="1200" dirty="0">
+                <a:solidFill>
+                  <a:schemeClr val="tx1"/>
+                </a:solidFill>
+                <a:effectLst/>
+                <a:latin typeface="+mn-lt"/>
+                <a:ea typeface="+mn-ea"/>
+                <a:cs typeface="+mn-cs"/>
+              </a:rPr>
+              <a:t>as I1, I2, I3, and I4.  In this case, the arrows indicate signal direction, with four coming into the Node and one leaving as output.</a:t>
             </a:r>
           </a:p>
           <a:p>
@@ -2052,8 +2870,92 @@
                 <a:ea typeface="+mn-ea"/>
                 <a:cs typeface="+mn-cs"/>
               </a:rPr>
-              <a:t>With that done, let’s take another step towards a computational model.  We’re going to break free from the underlying biology and zoom in on what is happening inside node A1… </a:t>
-            </a:r>
+              <a:t>Now, let’s take another step towards a computational abstraction.</a:t>
+            </a:r>
+          </a:p>
+          <a:p>
+            <a:pPr marL="0" marR="0" lvl="0" indent="0" algn="l" defTabSz="914400" rtl="0" eaLnBrk="1" fontAlgn="auto" latinLnBrk="0" hangingPunct="1">
+              <a:lnSpc>
+                <a:spcPct val="100000"/>
+              </a:lnSpc>
+              <a:spcBef>
+                <a:spcPts val="0"/>
+              </a:spcBef>
+              <a:spcAft>
+                <a:spcPts val="0"/>
+              </a:spcAft>
+              <a:buClrTx/>
+              <a:buSzTx/>
+              <a:buFontTx/>
+              <a:buNone/>
+              <a:tabLst/>
+              <a:defRPr/>
+            </a:pPr>
+            <a:endParaRPr lang="en-US" sz="1200" b="0" i="0" kern="1200" dirty="0">
+              <a:solidFill>
+                <a:schemeClr val="tx1"/>
+              </a:solidFill>
+              <a:effectLst/>
+              <a:latin typeface="+mn-lt"/>
+              <a:ea typeface="+mn-ea"/>
+              <a:cs typeface="+mn-cs"/>
+            </a:endParaRPr>
+          </a:p>
+          <a:p>
+            <a:pPr marL="0" marR="0" lvl="0" indent="0" algn="l" defTabSz="914400" rtl="0" eaLnBrk="1" fontAlgn="auto" latinLnBrk="0" hangingPunct="1">
+              <a:lnSpc>
+                <a:spcPct val="100000"/>
+              </a:lnSpc>
+              <a:spcBef>
+                <a:spcPts val="0"/>
+              </a:spcBef>
+              <a:spcAft>
+                <a:spcPts val="0"/>
+              </a:spcAft>
+              <a:buClrTx/>
+              <a:buSzTx/>
+              <a:buFontTx/>
+              <a:buNone/>
+              <a:tabLst/>
+              <a:defRPr/>
+            </a:pPr>
+            <a:endParaRPr lang="en-US" sz="1200" b="0" i="0" kern="1200" dirty="0">
+              <a:solidFill>
+                <a:schemeClr val="tx1"/>
+              </a:solidFill>
+              <a:effectLst/>
+              <a:latin typeface="+mn-lt"/>
+              <a:ea typeface="+mn-ea"/>
+              <a:cs typeface="+mn-cs"/>
+            </a:endParaRPr>
+          </a:p>
+          <a:p>
+            <a:pPr marL="0" marR="0" lvl="0" indent="0" algn="l" defTabSz="914400" rtl="0" eaLnBrk="1" fontAlgn="auto" latinLnBrk="0" hangingPunct="1">
+              <a:lnSpc>
+                <a:spcPct val="100000"/>
+              </a:lnSpc>
+              <a:spcBef>
+                <a:spcPts val="0"/>
+              </a:spcBef>
+              <a:spcAft>
+                <a:spcPts val="0"/>
+              </a:spcAft>
+              <a:buClrTx/>
+              <a:buSzTx/>
+              <a:buFontTx/>
+              <a:buNone/>
+              <a:tabLst/>
+              <a:defRPr/>
+            </a:pPr>
+            <a:endParaRPr lang="en-US" sz="1200" b="0" i="0" kern="1200" dirty="0">
+              <a:solidFill>
+                <a:schemeClr val="tx1"/>
+              </a:solidFill>
+              <a:effectLst/>
+              <a:latin typeface="+mn-lt"/>
+              <a:ea typeface="+mn-ea"/>
+              <a:cs typeface="+mn-cs"/>
+            </a:endParaRPr>
           </a:p>
         </p:txBody>
       </p:sp>
@@ -2164,63 +3066,8 @@
                 <a:ea typeface="+mn-ea"/>
                 <a:cs typeface="+mn-cs"/>
               </a:rPr>
-              <a:t>The biological underpinnings have now disappeared, and we see that our single node is comprised of two functions.  A net input function and an activation function.  Furthermore, the inputs to node A1 are lined up on the left.  D1, D2, D3, D4.  Naturally, we are not limited to just four inputs.  We can have as many as we like.  The ellipses indicate any number of inputs, with D subscript M being the last in the series.  Now earlier, I said that neurons ‘fire.’  Stated computationally, we say that a given node is </a:t>
-            </a:r>
-            <a:r>
-              <a:rPr lang="en-US" sz="1200" b="1" i="0" kern="1200" dirty="0">
-                <a:solidFill>
-                  <a:schemeClr val="tx1"/>
-                </a:solidFill>
-                <a:effectLst/>
-                <a:latin typeface="+mn-lt"/>
-                <a:ea typeface="+mn-ea"/>
-                <a:cs typeface="+mn-cs"/>
-              </a:rPr>
-              <a:t>activated </a:t>
-            </a:r>
-            <a:r>
-              <a:rPr lang="en-US" sz="1200" b="0" i="0" kern="1200" dirty="0">
-                <a:solidFill>
-                  <a:schemeClr val="tx1"/>
-                </a:solidFill>
-                <a:effectLst/>
-                <a:latin typeface="+mn-lt"/>
-                <a:ea typeface="+mn-ea"/>
-                <a:cs typeface="+mn-cs"/>
-              </a:rPr>
-              <a:t>in a two-step process.  First, the net input function sums up the incoming input, consisting of numbers in this case.  In mathematics, the upper-case Greek letter Sigma denotes a summing operation.  And second, </a:t>
-            </a:r>
-            <a:r>
-              <a:rPr lang="en-US" sz="1200" b="0" i="0" kern="1200" dirty="0">
-                <a:solidFill>
-                  <a:srgbClr val="3C3C3B"/>
-                </a:solidFill>
-                <a:effectLst/>
-                <a:latin typeface="Lato"/>
-                <a:ea typeface="+mn-ea"/>
-                <a:cs typeface="+mn-cs"/>
-              </a:rPr>
-              <a:t>the</a:t>
-            </a:r>
-            <a:r>
-              <a:rPr lang="en-US" b="0" i="0" dirty="0">
-                <a:solidFill>
-                  <a:srgbClr val="3C3C3B"/>
-                </a:solidFill>
-                <a:effectLst/>
-                <a:latin typeface="Lato"/>
-              </a:rPr>
-              <a:t> net input function is tightly coupled to its corresponding activation function (labelled G) which, in turn, produces the node’s output.  Keep in mind that an activation function can output a positive or negative number, or even zero.</a:t>
-            </a:r>
-            <a:endParaRPr lang="en-US" sz="1200" b="1" i="0" kern="1200" dirty="0">
-              <a:solidFill>
-                <a:schemeClr val="tx1"/>
-              </a:solidFill>
-              <a:effectLst/>
-              <a:latin typeface="+mn-lt"/>
-              <a:ea typeface="+mn-ea"/>
-              <a:cs typeface="+mn-cs"/>
-            </a:endParaRPr>
+              <a:t>The biological underpinnings have now disappeared, though we still see our 4 inputs on the left, with the addition of a bias value.  Each input value is multiplied by its associated weight before it is fed into the net input function.  And from there, the net input function’s output is passed to an activation function.  We will talk more about these two functions shortly.   Of course, the number of inputs coming into a node is not limited to four.  We can have as many as we like.  </a:t>
+            </a:r>
           </a:p>
           <a:p>
             <a:pPr marL="0" marR="0" lvl="0" indent="0" algn="l" defTabSz="914400" rtl="0" eaLnBrk="1" fontAlgn="auto" latinLnBrk="0" hangingPunct="1">
@@ -2251,17 +3098,32 @@
             </a:endParaRPr>
           </a:p>
           <a:p>
-            <a:pPr algn="l"/>
-            <a:r>
-              <a:rPr lang="en-US" b="0" i="0" dirty="0">
-                <a:solidFill>
-                  <a:srgbClr val="3C3C3B"/>
-                </a:solidFill>
-                <a:effectLst/>
-                <a:latin typeface="Lato"/>
-              </a:rPr>
-              <a:t>Let’s zoom in on the activation function and take a visual look at three different options.</a:t>
-            </a:r>
+            <a:pPr marL="0" marR="0" lvl="0" indent="0" algn="l" defTabSz="914400" rtl="0" eaLnBrk="1" fontAlgn="auto" latinLnBrk="0" hangingPunct="1">
+              <a:lnSpc>
+                <a:spcPct val="100000"/>
+              </a:lnSpc>
+              <a:spcBef>
+                <a:spcPts val="0"/>
+              </a:spcBef>
+              <a:spcAft>
+                <a:spcPts val="0"/>
+              </a:spcAft>
+              <a:buClrTx/>
+              <a:buSzTx/>
+              <a:buFontTx/>
+              <a:buNone/>
+              <a:tabLst/>
+              <a:defRPr/>
+            </a:pPr>
+            <a:endParaRPr lang="en-US" sz="1200" b="0" i="0" kern="1200" dirty="0">
+              <a:solidFill>
+                <a:schemeClr val="tx1"/>
+              </a:solidFill>
+              <a:effectLst/>
+              <a:latin typeface="+mn-lt"/>
+              <a:ea typeface="+mn-ea"/>
+              <a:cs typeface="+mn-cs"/>
+            </a:endParaRPr>
           </a:p>
         </p:txBody>
       </p:sp>
@@ -2345,25 +3207,54 @@
           <a:bodyPr/>
           <a:lstStyle/>
           <a:p>
-            <a:pPr algn="l"/>
-            <a:r>
-              <a:rPr lang="en-US" dirty="0"/>
-              <a:t>As noted in the last slide, the activation function calculates the output of a given node.  Pictured here are the corresponding graphs for three types of activation function – linear, ReLU, and Sigmoid.  Each function uniquely converts its input (x-axis) to a corresponding output (y-axis).  Consider the ReLU function.  Any input at or below zero results in an output of zero.  ReLU, by the way, stands for Rectified Linear Unit.</a:t>
-            </a:r>
-          </a:p>
-          <a:p>
-            <a:pPr algn="l"/>
-            <a:endParaRPr lang="en-US" dirty="0"/>
-          </a:p>
-          <a:p>
-            <a:pPr algn="l"/>
-            <a:r>
-              <a:rPr lang="en-US" dirty="0"/>
-              <a:t>On the second line, the three functions are pictured in three-dimensional space.  Keep in mind that these are just three of multiple options.  For example, the TanH function is not shown.  Linear is just a plane, like a sheet of paper. ReLU is like a wedge.  And Sigmoid is like a surf wave.</a:t>
-            </a:r>
-          </a:p>
-          <a:p>
-            <a:pPr algn="l"/>
+            <a:pPr marL="0" marR="0" lvl="0" indent="0" algn="l" defTabSz="914400" rtl="0" eaLnBrk="1" fontAlgn="auto" latinLnBrk="0" hangingPunct="1">
+              <a:lnSpc>
+                <a:spcPct val="100000"/>
+              </a:lnSpc>
+              <a:spcBef>
+                <a:spcPts val="0"/>
+              </a:spcBef>
+              <a:spcAft>
+                <a:spcPts val="0"/>
+              </a:spcAft>
+              <a:buClrTx/>
+              <a:buSzTx/>
+              <a:buFontTx/>
+              <a:buNone/>
+              <a:tabLst/>
+              <a:defRPr/>
+            </a:pPr>
+            <a:r>
+              <a:rPr lang="en-US" sz="1200" b="0" i="0" kern="1200" dirty="0">
+                <a:solidFill>
+                  <a:schemeClr val="tx1"/>
+                </a:solidFill>
+                <a:effectLst/>
+                <a:latin typeface="+mn-lt"/>
+                <a:ea typeface="+mn-ea"/>
+                <a:cs typeface="+mn-cs"/>
+              </a:rPr>
+              <a:t>Like real neurons, artificial neurons can be wired up in networks, where each input comes from the output of another neuron. When we connect neurons together into networks, we draw “wires” to connect one neuron’s output to one or more other neurons’ inputs, as shown here.</a:t>
+            </a:r>
+          </a:p>
+          <a:p>
+            <a:pPr marL="0" marR="0" lvl="0" indent="0" algn="l" defTabSz="914400" rtl="0" eaLnBrk="1" fontAlgn="auto" latinLnBrk="0" hangingPunct="1">
+              <a:lnSpc>
+                <a:spcPct val="100000"/>
+              </a:lnSpc>
+              <a:spcBef>
+                <a:spcPts val="0"/>
+              </a:spcBef>
+              <a:spcAft>
+                <a:spcPts val="0"/>
+              </a:spcAft>
+              <a:buClrTx/>
+              <a:buSzTx/>
+              <a:buFontTx/>
+              <a:buNone/>
+              <a:tabLst/>
+              <a:defRPr/>
+            </a:pPr>
             <a:endParaRPr lang="en-US" sz="1200" b="0" i="0" kern="1200" dirty="0">
               <a:solidFill>
                 <a:schemeClr val="tx1"/>
@@ -2375,7 +3266,23 @@
             </a:endParaRPr>
           </a:p>
           <a:p>
-            <a:pPr algn="l"/>
+            <a:pPr marL="0" marR="0" lvl="0" indent="0" algn="l" defTabSz="914400" rtl="0" eaLnBrk="1" fontAlgn="auto" latinLnBrk="0" hangingPunct="1">
+              <a:lnSpc>
+                <a:spcPct val="100000"/>
+              </a:lnSpc>
+              <a:spcBef>
+                <a:spcPts val="0"/>
+              </a:spcBef>
+              <a:spcAft>
+                <a:spcPts val="0"/>
+              </a:spcAft>
+              <a:buClrTx/>
+              <a:buSzTx/>
+              <a:buFontTx/>
+              <a:buNone/>
+              <a:tabLst/>
+              <a:defRPr/>
+            </a:pPr>
             <a:r>
               <a:rPr lang="en-US" sz="1200" b="0" i="0" kern="1200" dirty="0">
                 <a:solidFill>
@@ -2386,7 +3293,7 @@
                 <a:ea typeface="+mn-ea"/>
                 <a:cs typeface="+mn-cs"/>
               </a:rPr>
-              <a:t>Okay – let’s zoom back out and see the bigger picture, a complete neural network…</a:t>
+              <a:t>This is a neural network. Usually, the goal of a network like the one pictured here is to produce one or more values as outputs. </a:t>
             </a:r>
           </a:p>
         </p:txBody>
@@ -2417,7 +3324,7 @@
     </p:spTree>
     <p:extLst>
       <p:ext uri="{BB962C8B-B14F-4D97-AF65-F5344CB8AC3E}">
-        <p14:creationId xmlns:p14="http://schemas.microsoft.com/office/powerpoint/2010/main" val="1743978050"/>
+        <p14:creationId xmlns:p14="http://schemas.microsoft.com/office/powerpoint/2010/main" val="2858731453"/>
       </p:ext>
     </p:extLst>
   </p:cSld>
@@ -2471,176 +3378,6 @@
           <a:bodyPr/>
           <a:lstStyle/>
           <a:p>
-            <a:r>
-              <a:rPr lang="en-US" b="0" i="0" u="none" dirty="0">
-                <a:solidFill>
-                  <a:srgbClr val="3C3C3B"/>
-                </a:solidFill>
-                <a:effectLst/>
-                <a:latin typeface="Lato"/>
-              </a:rPr>
-              <a:t>Pictured here is a complete, albeit small, neural network.  As such, it consists of an </a:t>
-            </a:r>
-            <a:r>
-              <a:rPr lang="en-US" b="1" i="0" u="none" dirty="0">
-                <a:solidFill>
-                  <a:srgbClr val="3C3C3B"/>
-                </a:solidFill>
-                <a:effectLst/>
-                <a:latin typeface="Lato"/>
-              </a:rPr>
-              <a:t>input layer</a:t>
-            </a:r>
-            <a:r>
-              <a:rPr lang="en-US" b="0" i="0" u="none" dirty="0">
-                <a:solidFill>
-                  <a:srgbClr val="3C3C3B"/>
-                </a:solidFill>
-                <a:effectLst/>
-                <a:latin typeface="Lato"/>
-              </a:rPr>
-              <a:t>, a single </a:t>
-            </a:r>
-            <a:r>
-              <a:rPr lang="en-US" b="1" i="0" u="none" dirty="0">
-                <a:solidFill>
-                  <a:srgbClr val="3C3C3B"/>
-                </a:solidFill>
-                <a:effectLst/>
-                <a:latin typeface="Lato"/>
-              </a:rPr>
-              <a:t>hidden layer</a:t>
-            </a:r>
-            <a:r>
-              <a:rPr lang="en-US" b="0" i="0" u="none" dirty="0">
-                <a:solidFill>
-                  <a:srgbClr val="3C3C3B"/>
-                </a:solidFill>
-                <a:effectLst/>
-                <a:latin typeface="Lato"/>
-              </a:rPr>
-              <a:t>, and an </a:t>
-            </a:r>
-            <a:r>
-              <a:rPr lang="en-US" b="1" i="0" u="none" dirty="0">
-                <a:solidFill>
-                  <a:srgbClr val="3C3C3B"/>
-                </a:solidFill>
-                <a:effectLst/>
-                <a:latin typeface="Lato"/>
-              </a:rPr>
-              <a:t>output layer</a:t>
-            </a:r>
-            <a:r>
-              <a:rPr lang="en-US" b="0" i="0" u="none" dirty="0">
-                <a:solidFill>
-                  <a:srgbClr val="3C3C3B"/>
-                </a:solidFill>
-                <a:effectLst/>
-                <a:latin typeface="Lato"/>
-              </a:rPr>
-              <a:t>.  Each layer is comprised of nodes, and a typical neural network can have hundreds of hidden layers, stacked one on top of another.  Picture a giant layered cake.</a:t>
-            </a:r>
-            <a:endParaRPr lang="en-US" b="0" i="0" dirty="0">
-              <a:solidFill>
-                <a:srgbClr val="3C3C3B"/>
-              </a:solidFill>
-              <a:effectLst/>
-              <a:latin typeface="Lato"/>
-            </a:endParaRPr>
-          </a:p>
-          <a:p>
-            <a:endParaRPr lang="en-US" b="0" i="0" dirty="0">
-              <a:solidFill>
-                <a:srgbClr val="3C3C3B"/>
-              </a:solidFill>
-              <a:effectLst/>
-              <a:latin typeface="Lato"/>
-            </a:endParaRPr>
-          </a:p>
-          <a:p>
-            <a:r>
-              <a:rPr lang="en-US" b="0" i="0" dirty="0">
-                <a:solidFill>
-                  <a:srgbClr val="3C3C3B"/>
-                </a:solidFill>
-                <a:effectLst/>
-                <a:latin typeface="Lato"/>
-              </a:rPr>
-              <a:t>Each example of input data is fed through the input layer.  And depending on the size of the input example, the number of input nodes will vary. The input data can be structured data (such as a CSV file) or unstructured data, such as an image.  In this example, a greyscale image of a chicken 8 pixels by 8 pixels has been converted into a vector of 64 numbers, as pictured on the left.  These are the </a:t>
-            </a:r>
-            <a:r>
-              <a:rPr lang="en-US" b="1" i="0" u="none" dirty="0">
-                <a:solidFill>
-                  <a:srgbClr val="3C3C3B"/>
-                </a:solidFill>
-                <a:effectLst/>
-                <a:latin typeface="Lato"/>
-              </a:rPr>
-              <a:t>features</a:t>
-            </a:r>
-            <a:r>
-              <a:rPr lang="en-US" b="0" i="0" u="none" dirty="0">
-                <a:solidFill>
-                  <a:srgbClr val="3C3C3B"/>
-                </a:solidFill>
-                <a:effectLst/>
-                <a:latin typeface="Lato"/>
-              </a:rPr>
-              <a:t> which are then fed to the input layer, one feature per node.  Only the first two nodes of this network are shown as I wanted to provide a simplified picture of the process. </a:t>
-            </a:r>
-          </a:p>
-          <a:p>
-            <a:endParaRPr lang="en-US" b="0" i="0" u="none" dirty="0">
-              <a:solidFill>
-                <a:srgbClr val="3C3C3B"/>
-              </a:solidFill>
-              <a:effectLst/>
-              <a:latin typeface="Lato"/>
-            </a:endParaRPr>
-          </a:p>
-          <a:p>
-            <a:r>
-              <a:rPr lang="en-US" b="0" i="0" dirty="0">
-                <a:solidFill>
-                  <a:srgbClr val="3C3C3B"/>
-                </a:solidFill>
-                <a:effectLst/>
-                <a:latin typeface="Lato"/>
-              </a:rPr>
-              <a:t>As just noted, inputs are called features.  In this picture, the input layer consists of two nodes (A1 and A2) as well as a bias node.  These are fully connected to the hidden layer which also consists of two nodes.  Now when I say </a:t>
-            </a:r>
-            <a:r>
-              <a:rPr lang="en-US" b="1" i="0" dirty="0">
-                <a:solidFill>
-                  <a:srgbClr val="3C3C3B"/>
-                </a:solidFill>
-                <a:effectLst/>
-                <a:latin typeface="Lato"/>
-              </a:rPr>
-              <a:t>fully connected</a:t>
-            </a:r>
-            <a:r>
-              <a:rPr lang="en-US" b="0" i="0" dirty="0">
-                <a:solidFill>
-                  <a:srgbClr val="3C3C3B"/>
-                </a:solidFill>
-                <a:effectLst/>
-                <a:latin typeface="Lato"/>
-              </a:rPr>
-              <a:t>, I mean that each node in one layer is linked to every node in the subsequent layer.  a1, for example, is linked to b1 and b2 and so on.  Some neural networks are not fully connected but we will not talk about those right now.  Also, note that the bias node is connected to both b1 and b2.  The bias nodes are an unexpected addition.  Why are they here?  What’s their purpose?  I will answer that question in the next slide…  </a:t>
-            </a:r>
-          </a:p>
-          <a:p>
-            <a:endParaRPr lang="en-US" b="0" i="0" dirty="0">
-              <a:solidFill>
-                <a:srgbClr val="3C3C3B"/>
-              </a:solidFill>
-              <a:effectLst/>
-              <a:latin typeface="Lato"/>
-            </a:endParaRPr>
-          </a:p>
-          <a:p>
             <a:pPr marL="0" marR="0" lvl="0" indent="0" algn="l" defTabSz="914400" rtl="0" eaLnBrk="1" fontAlgn="auto" latinLnBrk="0" hangingPunct="1">
               <a:lnSpc>
                 <a:spcPct val="100000"/>
@@ -2659,186 +3396,17 @@
               <a:defRPr/>
             </a:pPr>
             <a:r>
-              <a:rPr lang="en-US" b="0" i="0" dirty="0">
-                <a:solidFill>
-                  <a:srgbClr val="3C3C3B"/>
+              <a:rPr lang="en-US" sz="1200" b="0" i="0" kern="1200" dirty="0">
+                <a:solidFill>
+                  <a:schemeClr val="tx1"/>
                 </a:solidFill>
                 <a:effectLst/>
-                <a:latin typeface="Lato"/>
-              </a:rPr>
-              <a:t>As you can see, each connecting line is labelled.  These are the network’s </a:t>
-            </a:r>
-            <a:r>
-              <a:rPr lang="en-US" b="1" i="0" dirty="0">
-                <a:solidFill>
-                  <a:srgbClr val="3C3C3B"/>
-                </a:solidFill>
-                <a:effectLst/>
-                <a:latin typeface="Lato"/>
-              </a:rPr>
-              <a:t>weights</a:t>
-            </a:r>
-            <a:r>
-              <a:rPr lang="en-US" b="0" i="0" dirty="0">
-                <a:solidFill>
-                  <a:srgbClr val="3C3C3B"/>
-                </a:solidFill>
-                <a:effectLst/>
-                <a:latin typeface="Lato"/>
-              </a:rPr>
-              <a:t>.  Now a weight is a real number; it can be positive or negative.  b1 is the bias weight between bias node 1 and node b1 in the hidden layer.  w1 sits between input node a1 and hidden layer node b1.   The output from each node’s activation function is subsequently multiplied by the weights which lie between it and the downstream node.  For example, the output from a2 is multiplied by w3 and then received as input to node b1.  As well, the output from a2 is multiplied by w4 and that, in turn, becomes the input to b2.  And now for an important point – weights are adjusted during the back propagation phase.  And this is how a neural network ‘learns.’  Let’s keep moving from left to right, in the direction of the </a:t>
-            </a:r>
-            <a:r>
-              <a:rPr lang="en-US" b="1" i="0" dirty="0">
-                <a:solidFill>
-                  <a:srgbClr val="3C3C3B"/>
-                </a:solidFill>
-                <a:effectLst/>
-                <a:latin typeface="Lato"/>
-              </a:rPr>
-              <a:t>forward propagation </a:t>
-            </a:r>
-            <a:r>
-              <a:rPr lang="en-US" b="0" i="0" dirty="0">
-                <a:solidFill>
-                  <a:srgbClr val="3C3C3B"/>
-                </a:solidFill>
-                <a:effectLst/>
-                <a:latin typeface="Lato"/>
-              </a:rPr>
-              <a:t>phase.  </a:t>
-            </a:r>
-          </a:p>
-          <a:p>
-            <a:endParaRPr lang="en-US" b="0" i="0" dirty="0">
-              <a:solidFill>
-                <a:srgbClr val="3C3C3B"/>
-              </a:solidFill>
-              <a:effectLst/>
-              <a:latin typeface="Lato"/>
-            </a:endParaRPr>
-          </a:p>
-          <a:p>
-            <a:r>
-              <a:rPr lang="en-US" b="0" i="0" dirty="0">
-                <a:solidFill>
-                  <a:srgbClr val="3C3C3B"/>
-                </a:solidFill>
-                <a:effectLst/>
-                <a:latin typeface="Lato"/>
-              </a:rPr>
-              <a:t>In this example, the output layer consists of a single node (C1).  Like the nodes before, it sums up its inputs, passes that value to its activation function which then generates a final output (labelled Z in this image).  Of course, a neural network can have multiple outputs.  But in this case, let’s keep it simple, with the network generating a probability that our image is a chicken.  This final output is then fed to a </a:t>
-            </a:r>
-            <a:r>
-              <a:rPr lang="en-US" b="1" i="0" dirty="0">
-                <a:solidFill>
-                  <a:srgbClr val="3C3C3B"/>
-                </a:solidFill>
-                <a:effectLst/>
-                <a:latin typeface="Lato"/>
-              </a:rPr>
-              <a:t>loss function</a:t>
-            </a:r>
-            <a:r>
-              <a:rPr lang="en-US" b="0" i="0" dirty="0">
-                <a:solidFill>
-                  <a:srgbClr val="3C3C3B"/>
-                </a:solidFill>
-                <a:effectLst/>
-                <a:latin typeface="Lato"/>
-              </a:rPr>
-              <a:t>, often called a </a:t>
-            </a:r>
-            <a:r>
-              <a:rPr lang="en-US" b="1" i="0" dirty="0">
-                <a:solidFill>
-                  <a:srgbClr val="3C3C3B"/>
-                </a:solidFill>
-                <a:effectLst/>
-                <a:latin typeface="Lato"/>
-              </a:rPr>
-              <a:t>cost function </a:t>
-            </a:r>
-            <a:r>
-              <a:rPr lang="en-US" b="0" i="0" dirty="0">
-                <a:solidFill>
-                  <a:srgbClr val="3C3C3B"/>
-                </a:solidFill>
-                <a:effectLst/>
-                <a:latin typeface="Lato"/>
-              </a:rPr>
-              <a:t>in the literature.  During training, the loss function compares the network’s output to the label attached to the example.  So, if the label attached to this image is 1 (it’s 100% certain that this is a chicken) but our network outputs .10, we have a large discrepancy.  With that discrepancy, the loss function calculates the network’s </a:t>
-            </a:r>
-            <a:r>
-              <a:rPr lang="en-US" b="1" i="0" dirty="0">
-                <a:solidFill>
-                  <a:srgbClr val="3C3C3B"/>
-                </a:solidFill>
-                <a:effectLst/>
-                <a:latin typeface="Lato"/>
-              </a:rPr>
-              <a:t>total error</a:t>
-            </a:r>
-            <a:r>
-              <a:rPr lang="en-US" b="0" i="0" dirty="0">
-                <a:solidFill>
-                  <a:srgbClr val="3C3C3B"/>
-                </a:solidFill>
-                <a:effectLst/>
-                <a:latin typeface="Lato"/>
-              </a:rPr>
-              <a:t>.  This is the penalty the network must pay for arriving at an answer far from the truth.</a:t>
-            </a:r>
-          </a:p>
-          <a:p>
-            <a:endParaRPr lang="en-US" b="0" i="0" dirty="0">
-              <a:solidFill>
-                <a:srgbClr val="3C3C3B"/>
-              </a:solidFill>
-              <a:effectLst/>
-              <a:latin typeface="Lato"/>
-            </a:endParaRPr>
-          </a:p>
-          <a:p>
-            <a:r>
-              <a:rPr lang="en-US" b="0" i="0" dirty="0">
-                <a:solidFill>
-                  <a:srgbClr val="3C3C3B"/>
-                </a:solidFill>
-                <a:effectLst/>
-                <a:latin typeface="Lato"/>
-              </a:rPr>
-              <a:t>The networks’ total error is then passed to the optimizer which oversees the backpropagation process.  It is during backprop that the weights are adjusted.  Hence, the goal of the system is to minimize its error, in a process called </a:t>
-            </a:r>
-            <a:r>
-              <a:rPr lang="en-US" b="1" i="0" dirty="0">
-                <a:solidFill>
-                  <a:srgbClr val="3C3C3B"/>
-                </a:solidFill>
-                <a:effectLst/>
-                <a:latin typeface="Lato"/>
-              </a:rPr>
-              <a:t>gradient descent</a:t>
-            </a:r>
-            <a:r>
-              <a:rPr lang="en-US" b="0" i="0" dirty="0">
-                <a:solidFill>
-                  <a:srgbClr val="3C3C3B"/>
-                </a:solidFill>
-                <a:effectLst/>
-                <a:latin typeface="Lato"/>
-              </a:rPr>
-              <a:t>.  We will take an in-depth look at gradient descent in next week’s presentation.</a:t>
-            </a:r>
-          </a:p>
-          <a:p>
-            <a:endParaRPr lang="en-US" b="0" i="0" dirty="0">
-              <a:solidFill>
-                <a:srgbClr val="3C3C3B"/>
-              </a:solidFill>
-              <a:effectLst/>
-              <a:latin typeface="Lato"/>
-            </a:endParaRPr>
+                <a:latin typeface="+mn-lt"/>
+                <a:ea typeface="+mn-ea"/>
+                <a:cs typeface="+mn-cs"/>
+              </a:rPr>
+              <a:t>Even though we don’t usually draw the weights, it’s sometimes useful to refer to individual weights by name. A common convention used to identify specific weights is illustrated here.  Here we see six nodes or neurons.  For convenience, we’ve labeled each with a letter.  Each weight corresponds to how the output of one specific neuron is changed on its way to another specific neuron, shown as lines in this figure. To name a weight, we combine the name of the output neuron with the input neuron. For example, the weight that multiplies the output of A before it’s used by D is called AD.</a:t>
+            </a:r>
           </a:p>
         </p:txBody>
       </p:sp>
@@ -2868,7 +3436,7 @@
     </p:spTree>
     <p:extLst>
       <p:ext uri="{BB962C8B-B14F-4D97-AF65-F5344CB8AC3E}">
-        <p14:creationId xmlns:p14="http://schemas.microsoft.com/office/powerpoint/2010/main" val="3299567317"/>
+        <p14:creationId xmlns:p14="http://schemas.microsoft.com/office/powerpoint/2010/main" val="4228448641"/>
       </p:ext>
     </p:extLst>
   </p:cSld>
@@ -2922,6 +3490,23 @@
           <a:bodyPr/>
           <a:lstStyle/>
           <a:p>
+            <a:pPr marL="0" marR="0" lvl="0" indent="0" algn="l" defTabSz="914400" rtl="0" eaLnBrk="1" fontAlgn="auto" latinLnBrk="0" hangingPunct="1">
+              <a:lnSpc>
+                <a:spcPct val="100000"/>
+              </a:lnSpc>
+              <a:spcBef>
+                <a:spcPts val="0"/>
+              </a:spcBef>
+              <a:spcAft>
+                <a:spcPts val="0"/>
+              </a:spcAft>
+              <a:buClrTx/>
+              <a:buSzTx/>
+              <a:buFontTx/>
+              <a:buNone/>
+              <a:tabLst/>
+              <a:defRPr/>
+            </a:pPr>
             <a:r>
               <a:rPr lang="en-US" sz="1200" b="0" i="0" kern="1200" dirty="0">
                 <a:solidFill>
@@ -2932,7 +3517,66 @@
                 <a:ea typeface="+mn-ea"/>
                 <a:cs typeface="+mn-cs"/>
               </a:rPr>
-              <a:t>Let’s now justify and explain the existence of the bias nodes.  Technically, bias provides every node in a neural network with a trainable constant value (1 or -1).  But why do we need them?  Well – on a practical level – input from the bias node enables an activation function to be shifted to the left or right.  In this case, what looks like a sigmoid function can be shifted to the left (position A) or to the right (position C).  In addition to the adjustment of weights which occurs during backpropagation, this ‘shifting’ can be important and critical for successful learning.</a:t>
+              <a:t>Of the many possible ways to organize neurons in a network, placing them in a series of layers has proven to be both flexible and extremely powerful. Typically, neurons within a layer aren’t connected to one another. Their inputs come from the previous layer, and their outputs go to the next layer.</a:t>
+            </a:r>
+          </a:p>
+          <a:p>
+            <a:pPr marL="0" marR="0" lvl="0" indent="0" algn="l" defTabSz="914400" rtl="0" eaLnBrk="1" fontAlgn="auto" latinLnBrk="0" hangingPunct="1">
+              <a:lnSpc>
+                <a:spcPct val="100000"/>
+              </a:lnSpc>
+              <a:spcBef>
+                <a:spcPts val="0"/>
+              </a:spcBef>
+              <a:spcAft>
+                <a:spcPts val="0"/>
+              </a:spcAft>
+              <a:buClrTx/>
+              <a:buSzTx/>
+              <a:buFontTx/>
+              <a:buNone/>
+              <a:tabLst/>
+              <a:defRPr/>
+            </a:pPr>
+            <a:endParaRPr lang="en-US" sz="1200" b="0" i="0" kern="1200" dirty="0">
+              <a:solidFill>
+                <a:schemeClr val="tx1"/>
+              </a:solidFill>
+              <a:effectLst/>
+              <a:latin typeface="+mn-lt"/>
+              <a:ea typeface="+mn-ea"/>
+              <a:cs typeface="+mn-cs"/>
+            </a:endParaRPr>
+          </a:p>
+          <a:p>
+            <a:pPr marL="0" marR="0" lvl="0" indent="0" algn="l" defTabSz="914400" rtl="0" eaLnBrk="1" fontAlgn="auto" latinLnBrk="0" hangingPunct="1">
+              <a:lnSpc>
+                <a:spcPct val="100000"/>
+              </a:lnSpc>
+              <a:spcBef>
+                <a:spcPts val="0"/>
+              </a:spcBef>
+              <a:spcAft>
+                <a:spcPts val="0"/>
+              </a:spcAft>
+              <a:buClrTx/>
+              <a:buSzTx/>
+              <a:buFontTx/>
+              <a:buNone/>
+              <a:tabLst/>
+              <a:defRPr/>
+            </a:pPr>
+            <a:r>
+              <a:rPr lang="en-US" sz="1200" b="0" i="0" kern="1200" dirty="0">
+                <a:solidFill>
+                  <a:schemeClr val="tx1"/>
+                </a:solidFill>
+                <a:effectLst/>
+                <a:latin typeface="+mn-lt"/>
+                <a:ea typeface="+mn-ea"/>
+                <a:cs typeface="+mn-cs"/>
+              </a:rPr>
+              <a:t>In fact, the phrase deep learning comes from this structure. If we imagine many layers drawn side by side, we might call the network “wide.” If they were drawn vertically and we stood at the bottom looking up, we might call it “tall.” If we stood at the top and looked down, we might call it “deep.” And that’s all that deep learning means: a network made of a series of layers that we often draw vertically.</a:t>
             </a:r>
           </a:p>
         </p:txBody>
@@ -2963,7 +3607,7 @@
     </p:spTree>
     <p:extLst>
       <p:ext uri="{BB962C8B-B14F-4D97-AF65-F5344CB8AC3E}">
-        <p14:creationId xmlns:p14="http://schemas.microsoft.com/office/powerpoint/2010/main" val="131634220"/>
+        <p14:creationId xmlns:p14="http://schemas.microsoft.com/office/powerpoint/2010/main" val="1729228866"/>
       </p:ext>
     </p:extLst>
   </p:cSld>
@@ -3017,6 +3661,23 @@
           <a:bodyPr/>
           <a:lstStyle/>
           <a:p>
+            <a:pPr marL="0" marR="0" lvl="0" indent="0" algn="l" defTabSz="914400" rtl="0" eaLnBrk="1" fontAlgn="auto" latinLnBrk="0" hangingPunct="1">
+              <a:lnSpc>
+                <a:spcPct val="100000"/>
+              </a:lnSpc>
+              <a:spcBef>
+                <a:spcPts val="0"/>
+              </a:spcBef>
+              <a:spcAft>
+                <a:spcPts val="0"/>
+              </a:spcAft>
+              <a:buClrTx/>
+              <a:buSzTx/>
+              <a:buFontTx/>
+              <a:buNone/>
+              <a:tabLst/>
+              <a:defRPr/>
+            </a:pPr>
             <a:r>
               <a:rPr lang="en-US" sz="1200" b="0" i="0" kern="1200" dirty="0">
                 <a:solidFill>
@@ -3027,19 +3688,32 @@
                 <a:ea typeface="+mn-ea"/>
                 <a:cs typeface="+mn-cs"/>
               </a:rPr>
-              <a:t>Now that I have introduced the basic parts of a neural network, let’s step back and briefly review the key steps of the training process.  The five steps which comprise both forward and back propagation are pictured here, along with each step’s corresponding mathematical functions or operations.  Gradient checking step is important for quality control, though we do not discuss it in the Practicum AI workshop series. Backpropagation includes the last three steps.</a:t>
-            </a:r>
-          </a:p>
-          <a:p>
-            <a:endParaRPr lang="en-US" sz="1200" b="0" i="0" kern="1200" dirty="0">
-              <a:solidFill>
-                <a:schemeClr val="tx1"/>
-              </a:solidFill>
-              <a:effectLst/>
-              <a:latin typeface="+mn-lt"/>
-              <a:ea typeface="+mn-ea"/>
-              <a:cs typeface="+mn-cs"/>
-            </a:endParaRPr>
+              <a:t>And finally, a fully connected layer (also called an FC, linear, or </a:t>
+            </a:r>
+            <a:r>
+              <a:rPr lang="en-US" sz="1200" b="1" i="0" kern="1200" dirty="0">
+                <a:solidFill>
+                  <a:schemeClr val="tx1"/>
+                </a:solidFill>
+                <a:effectLst/>
+                <a:latin typeface="+mn-lt"/>
+                <a:ea typeface="+mn-ea"/>
+                <a:cs typeface="+mn-cs"/>
+              </a:rPr>
+              <a:t>dense layer</a:t>
+            </a:r>
+            <a:r>
+              <a:rPr lang="en-US" sz="1200" b="0" i="0" kern="1200" dirty="0">
+                <a:solidFill>
+                  <a:schemeClr val="tx1"/>
+                </a:solidFill>
+                <a:effectLst/>
+                <a:latin typeface="+mn-lt"/>
+                <a:ea typeface="+mn-ea"/>
+                <a:cs typeface="+mn-cs"/>
+              </a:rPr>
+              <a:t>) is a set of neurons that each receive an input from every neuron in the previous layer. For example, if there are three neurons in a dense layer, and four neurons in the preceding layer, then each neuron in the dense layer has four inputs, one from each neuron in the preceding layer, for a total of 3 × 4 = 12 connections, each with an associated weight.</a:t>
+            </a:r>
           </a:p>
         </p:txBody>
       </p:sp>
@@ -3069,7 +3743,7 @@
     </p:spTree>
     <p:extLst>
       <p:ext uri="{BB962C8B-B14F-4D97-AF65-F5344CB8AC3E}">
-        <p14:creationId xmlns:p14="http://schemas.microsoft.com/office/powerpoint/2010/main" val="1690438012"/>
+        <p14:creationId xmlns:p14="http://schemas.microsoft.com/office/powerpoint/2010/main" val="4136970845"/>
       </p:ext>
     </p:extLst>
   </p:cSld>
@@ -3226,7 +3900,7 @@
           <a:p>
             <a:fld id="{C3F78080-8D0A-4BE8-A5B4-CB115102D524}" type="datetimeFigureOut">
               <a:rPr lang="en-US" smtClean="0"/>
-              <a:t>9/27/2021</a:t>
+              <a:t>10/26/2021</a:t>
             </a:fld>
             <a:endParaRPr lang="en-US"/>
           </a:p>
@@ -3424,7 +4098,7 @@
           <a:p>
             <a:fld id="{C3F78080-8D0A-4BE8-A5B4-CB115102D524}" type="datetimeFigureOut">
               <a:rPr lang="en-US" smtClean="0"/>
-              <a:t>9/27/2021</a:t>
+              <a:t>10/26/2021</a:t>
             </a:fld>
             <a:endParaRPr lang="en-US"/>
           </a:p>
@@ -3632,7 +4306,7 @@
           <a:p>
             <a:fld id="{C3F78080-8D0A-4BE8-A5B4-CB115102D524}" type="datetimeFigureOut">
               <a:rPr lang="en-US" smtClean="0"/>
-              <a:t>9/27/2021</a:t>
+              <a:t>10/26/2021</a:t>
             </a:fld>
             <a:endParaRPr lang="en-US"/>
           </a:p>
@@ -3830,7 +4504,7 @@
           <a:p>
             <a:fld id="{C3F78080-8D0A-4BE8-A5B4-CB115102D524}" type="datetimeFigureOut">
               <a:rPr lang="en-US" smtClean="0"/>
-              <a:t>9/27/2021</a:t>
+              <a:t>10/26/2021</a:t>
             </a:fld>
             <a:endParaRPr lang="en-US"/>
           </a:p>
@@ -4105,7 +4779,7 @@
           <a:p>
             <a:fld id="{C3F78080-8D0A-4BE8-A5B4-CB115102D524}" type="datetimeFigureOut">
               <a:rPr lang="en-US" smtClean="0"/>
-              <a:t>9/27/2021</a:t>
+              <a:t>10/26/2021</a:t>
             </a:fld>
             <a:endParaRPr lang="en-US"/>
           </a:p>
@@ -4370,7 +5044,7 @@
           <a:p>
             <a:fld id="{C3F78080-8D0A-4BE8-A5B4-CB115102D524}" type="datetimeFigureOut">
               <a:rPr lang="en-US" smtClean="0"/>
-              <a:t>9/27/2021</a:t>
+              <a:t>10/26/2021</a:t>
             </a:fld>
             <a:endParaRPr lang="en-US"/>
           </a:p>
@@ -4782,7 +5456,7 @@
           <a:p>
             <a:fld id="{C3F78080-8D0A-4BE8-A5B4-CB115102D524}" type="datetimeFigureOut">
               <a:rPr lang="en-US" smtClean="0"/>
-              <a:t>9/27/2021</a:t>
+              <a:t>10/26/2021</a:t>
             </a:fld>
             <a:endParaRPr lang="en-US"/>
           </a:p>
@@ -4923,7 +5597,7 @@
           <a:p>
             <a:fld id="{C3F78080-8D0A-4BE8-A5B4-CB115102D524}" type="datetimeFigureOut">
               <a:rPr lang="en-US" smtClean="0"/>
-              <a:t>9/27/2021</a:t>
+              <a:t>10/26/2021</a:t>
             </a:fld>
             <a:endParaRPr lang="en-US"/>
           </a:p>
@@ -5036,7 +5710,7 @@
           <a:p>
             <a:fld id="{C3F78080-8D0A-4BE8-A5B4-CB115102D524}" type="datetimeFigureOut">
               <a:rPr lang="en-US" smtClean="0"/>
-              <a:t>9/27/2021</a:t>
+              <a:t>10/26/2021</a:t>
             </a:fld>
             <a:endParaRPr lang="en-US"/>
           </a:p>
@@ -5347,7 +6021,7 @@
           <a:p>
             <a:fld id="{C3F78080-8D0A-4BE8-A5B4-CB115102D524}" type="datetimeFigureOut">
               <a:rPr lang="en-US" smtClean="0"/>
-              <a:t>9/27/2021</a:t>
+              <a:t>10/26/2021</a:t>
             </a:fld>
             <a:endParaRPr lang="en-US"/>
           </a:p>
@@ -5635,7 +6309,7 @@
           <a:p>
             <a:fld id="{C3F78080-8D0A-4BE8-A5B4-CB115102D524}" type="datetimeFigureOut">
               <a:rPr lang="en-US" smtClean="0"/>
-              <a:t>9/27/2021</a:t>
+              <a:t>10/26/2021</a:t>
             </a:fld>
             <a:endParaRPr lang="en-US"/>
           </a:p>
@@ -5876,7 +6550,7 @@
           <a:p>
             <a:fld id="{C3F78080-8D0A-4BE8-A5B4-CB115102D524}" type="datetimeFigureOut">
               <a:rPr lang="en-US" smtClean="0"/>
-              <a:t>9/27/2021</a:t>
+              <a:t>10/26/2021</a:t>
             </a:fld>
             <a:endParaRPr lang="en-US"/>
           </a:p>
@@ -6412,7 +7086,7 @@
           <p:cNvPr id="7" name="Picture 6">
             <a:extLst>
               <a:ext uri="{FF2B5EF4-FFF2-40B4-BE49-F238E27FC236}">
-                <a16:creationId xmlns:a16="http://schemas.microsoft.com/office/drawing/2014/main" id="{23DA123C-3AAA-4526-9DB1-701FFF86DD52}"/>
+                <a16:creationId xmlns:a16="http://schemas.microsoft.com/office/drawing/2014/main" id="{6112EF4E-9196-4CFD-B2F3-9A04C5BD5FCC}"/>
               </a:ext>
             </a:extLst>
           </p:cNvPr>
@@ -6422,122 +7096,391 @@
           <p:nvPr/>
         </p:nvPicPr>
         <p:blipFill>
-          <a:blip r:embed="rId3"/>
+          <a:blip r:embed="rId4"/>
           <a:stretch>
             <a:fillRect/>
           </a:stretch>
         </p:blipFill>
         <p:spPr>
           <a:xfrm>
-            <a:off x="3128962" y="1176337"/>
-            <a:ext cx="5934075" cy="4505325"/>
+            <a:off x="2930221" y="1020992"/>
+            <a:ext cx="4899369" cy="3961386"/>
           </a:xfrm>
           <a:prstGeom prst="rect">
             <a:avLst/>
           </a:prstGeom>
         </p:spPr>
       </p:pic>
-      <p:sp>
-        <p:nvSpPr>
-          <p:cNvPr id="3" name="TextBox 2">
+      <p:pic>
+        <p:nvPicPr>
+          <p:cNvPr id="9" name="Picture 8">
             <a:extLst>
               <a:ext uri="{FF2B5EF4-FFF2-40B4-BE49-F238E27FC236}">
-                <a16:creationId xmlns:a16="http://schemas.microsoft.com/office/drawing/2014/main" id="{24EBBBFB-AD31-4458-B394-139EA9CA7DE7}"/>
+                <a16:creationId xmlns:a16="http://schemas.microsoft.com/office/drawing/2014/main" id="{4F252F29-B2DB-4E99-B149-8163F8DACB14}"/>
               </a:ext>
             </a:extLst>
           </p:cNvPr>
-          <p:cNvSpPr txBox="1"/>
+          <p:cNvPicPr>
+            <a:picLocks noChangeAspect="1"/>
+          </p:cNvPicPr>
           <p:nvPr/>
-        </p:nvSpPr>
+        </p:nvPicPr>
+        <p:blipFill>
+          <a:blip r:embed="rId5"/>
+          <a:stretch>
+            <a:fillRect/>
+          </a:stretch>
+        </p:blipFill>
         <p:spPr>
           <a:xfrm>
-            <a:off x="0" y="6550223"/>
-            <a:ext cx="12192000" cy="307777"/>
+            <a:off x="1460235" y="2759456"/>
+            <a:ext cx="1327230" cy="1834577"/>
           </a:xfrm>
           <a:prstGeom prst="rect">
             <a:avLst/>
           </a:prstGeom>
-          <a:noFill/>
         </p:spPr>
-        <p:txBody>
-          <a:bodyPr wrap="square" rtlCol="0">
-            <a:spAutoFit/>
-          </a:bodyPr>
-          <a:lstStyle/>
-          <a:p>
-            <a:r>
-              <a:rPr lang="en-US" sz="1400" dirty="0">
-                <a:solidFill>
-                  <a:schemeClr val="tx1">
-                    <a:lumMod val="65000"/>
-                    <a:lumOff val="35000"/>
-                  </a:schemeClr>
-                </a:solidFill>
-                <a:latin typeface="+mj-lt"/>
-                <a:ea typeface="Verdana" panose="020B0604030504040204" pitchFamily="34" charset="0"/>
-              </a:rPr>
-              <a:t>Source: Chollet, F. (2017). </a:t>
-            </a:r>
-            <a:r>
-              <a:rPr lang="en-US" sz="1400" i="1" dirty="0">
-                <a:solidFill>
-                  <a:schemeClr val="tx1">
-                    <a:lumMod val="65000"/>
-                    <a:lumOff val="35000"/>
-                  </a:schemeClr>
-                </a:solidFill>
-                <a:latin typeface="+mj-lt"/>
-                <a:ea typeface="Verdana" panose="020B0604030504040204" pitchFamily="34" charset="0"/>
-              </a:rPr>
-              <a:t>Deep learning with Python</a:t>
-            </a:r>
-            <a:r>
-              <a:rPr lang="en-US" sz="1400" dirty="0">
-                <a:solidFill>
-                  <a:schemeClr val="tx1">
-                    <a:lumMod val="65000"/>
-                    <a:lumOff val="35000"/>
-                  </a:schemeClr>
-                </a:solidFill>
-                <a:latin typeface="+mj-lt"/>
-                <a:ea typeface="Verdana" panose="020B0604030504040204" pitchFamily="34" charset="0"/>
-              </a:rPr>
-              <a:t>. </a:t>
-            </a:r>
-            <a:r>
-              <a:rPr lang="en-US" sz="1400" b="0" i="0" dirty="0">
-                <a:solidFill>
-                  <a:schemeClr val="tx1">
-                    <a:lumMod val="65000"/>
-                    <a:lumOff val="35000"/>
-                  </a:schemeClr>
-                </a:solidFill>
-                <a:effectLst/>
-                <a:latin typeface="+mj-lt"/>
-                <a:ea typeface="Verdana" panose="020B0604030504040204" pitchFamily="34" charset="0"/>
-              </a:rPr>
-              <a:t>Shelter Island, NY: </a:t>
-            </a:r>
-            <a:r>
-              <a:rPr lang="en-US" sz="1400" dirty="0">
-                <a:solidFill>
-                  <a:schemeClr val="tx1">
-                    <a:lumMod val="65000"/>
-                    <a:lumOff val="35000"/>
-                  </a:schemeClr>
-                </a:solidFill>
-                <a:latin typeface="+mj-lt"/>
-                <a:ea typeface="Verdana" panose="020B0604030504040204" pitchFamily="34" charset="0"/>
-              </a:rPr>
-              <a:t>Manning Publications. (Chapter 3)</a:t>
-            </a:r>
-          </a:p>
-        </p:txBody>
-      </p:sp>
+      </p:pic>
+      <p:pic>
+        <p:nvPicPr>
+          <p:cNvPr id="11" name="Picture 10">
+            <a:extLst>
+              <a:ext uri="{FF2B5EF4-FFF2-40B4-BE49-F238E27FC236}">
+                <a16:creationId xmlns:a16="http://schemas.microsoft.com/office/drawing/2014/main" id="{1D246F05-D4E5-46C6-B241-D503B43AF3F5}"/>
+              </a:ext>
+            </a:extLst>
+          </p:cNvPr>
+          <p:cNvPicPr>
+            <a:picLocks noChangeAspect="1"/>
+          </p:cNvPicPr>
+          <p:nvPr/>
+        </p:nvPicPr>
+        <p:blipFill>
+          <a:blip r:embed="rId6"/>
+          <a:stretch>
+            <a:fillRect/>
+          </a:stretch>
+        </p:blipFill>
+        <p:spPr>
+          <a:xfrm>
+            <a:off x="2787465" y="5108380"/>
+            <a:ext cx="5330093" cy="589211"/>
+          </a:xfrm>
+          <a:prstGeom prst="rect">
+            <a:avLst/>
+          </a:prstGeom>
+        </p:spPr>
+      </p:pic>
+      <p:pic>
+        <p:nvPicPr>
+          <p:cNvPr id="13" name="Picture 12">
+            <a:extLst>
+              <a:ext uri="{FF2B5EF4-FFF2-40B4-BE49-F238E27FC236}">
+                <a16:creationId xmlns:a16="http://schemas.microsoft.com/office/drawing/2014/main" id="{D6DE4A71-86B2-4CBB-A989-AC7B26273C5B}"/>
+              </a:ext>
+            </a:extLst>
+          </p:cNvPr>
+          <p:cNvPicPr>
+            <a:picLocks noChangeAspect="1"/>
+          </p:cNvPicPr>
+          <p:nvPr/>
+        </p:nvPicPr>
+        <p:blipFill>
+          <a:blip r:embed="rId7"/>
+          <a:stretch>
+            <a:fillRect/>
+          </a:stretch>
+        </p:blipFill>
+        <p:spPr>
+          <a:xfrm>
+            <a:off x="2787465" y="5823593"/>
+            <a:ext cx="5330093" cy="641077"/>
+          </a:xfrm>
+          <a:prstGeom prst="rect">
+            <a:avLst/>
+          </a:prstGeom>
+        </p:spPr>
+      </p:pic>
+      <p:graphicFrame>
+        <p:nvGraphicFramePr>
+          <p:cNvPr id="14" name="Object 13">
+            <a:extLst>
+              <a:ext uri="{FF2B5EF4-FFF2-40B4-BE49-F238E27FC236}">
+                <a16:creationId xmlns:a16="http://schemas.microsoft.com/office/drawing/2014/main" id="{ADAA66C4-367A-4396-A64F-1245C838DC4A}"/>
+              </a:ext>
+            </a:extLst>
+          </p:cNvPr>
+          <p:cNvGraphicFramePr>
+            <a:graphicFrameLocks noChangeAspect="1"/>
+          </p:cNvGraphicFramePr>
+          <p:nvPr/>
+        </p:nvGraphicFramePr>
+        <p:xfrm>
+          <a:off x="3990404" y="2150794"/>
+          <a:ext cx="3706984" cy="2443239"/>
+        </p:xfrm>
+        <a:graphic>
+          <a:graphicData uri="http://schemas.openxmlformats.org/presentationml/2006/ole">
+            <mc:AlternateContent xmlns:mc="http://schemas.openxmlformats.org/markup-compatibility/2006">
+              <mc:Choice xmlns:v="urn:schemas-microsoft-com:vml" Requires="v">
+                <p:oleObj spid="_x0000_s1075" name="Visio" r:id="rId8" imgW="2514945" imgH="1657350" progId="Visio.Drawing.15">
+                  <p:embed/>
+                </p:oleObj>
+              </mc:Choice>
+              <mc:Fallback>
+                <p:oleObj name="Visio" r:id="rId8" imgW="2514945" imgH="1657350" progId="Visio.Drawing.15">
+                  <p:embed/>
+                  <p:pic>
+                    <p:nvPicPr>
+                      <p:cNvPr id="14" name="Object 13">
+                        <a:extLst>
+                          <a:ext uri="{FF2B5EF4-FFF2-40B4-BE49-F238E27FC236}">
+                            <a16:creationId xmlns:a16="http://schemas.microsoft.com/office/drawing/2014/main" id="{ADAA66C4-367A-4396-A64F-1245C838DC4A}"/>
+                          </a:ext>
+                        </a:extLst>
+                      </p:cNvPr>
+                      <p:cNvPicPr/>
+                      <p:nvPr/>
+                    </p:nvPicPr>
+                    <p:blipFill>
+                      <a:blip r:embed="rId9"/>
+                      <a:stretch>
+                        <a:fillRect/>
+                      </a:stretch>
+                    </p:blipFill>
+                    <p:spPr>
+                      <a:xfrm>
+                        <a:off x="3990404" y="2150794"/>
+                        <a:ext cx="3706984" cy="2443239"/>
+                      </a:xfrm>
+                      <a:prstGeom prst="rect">
+                        <a:avLst/>
+                      </a:prstGeom>
+                    </p:spPr>
+                  </p:pic>
+                </p:oleObj>
+              </mc:Fallback>
+            </mc:AlternateContent>
+          </a:graphicData>
+        </a:graphic>
+      </p:graphicFrame>
+      <p:pic>
+        <p:nvPicPr>
+          <p:cNvPr id="16" name="Picture 15">
+            <a:extLst>
+              <a:ext uri="{FF2B5EF4-FFF2-40B4-BE49-F238E27FC236}">
+                <a16:creationId xmlns:a16="http://schemas.microsoft.com/office/drawing/2014/main" id="{EBAFA74D-7354-45FE-A7E5-CDD52CC72F19}"/>
+              </a:ext>
+            </a:extLst>
+          </p:cNvPr>
+          <p:cNvPicPr>
+            <a:picLocks noChangeAspect="1"/>
+          </p:cNvPicPr>
+          <p:nvPr/>
+        </p:nvPicPr>
+        <p:blipFill>
+          <a:blip r:embed="rId10"/>
+          <a:stretch>
+            <a:fillRect/>
+          </a:stretch>
+        </p:blipFill>
+        <p:spPr>
+          <a:xfrm>
+            <a:off x="2476392" y="514843"/>
+            <a:ext cx="1631093" cy="829215"/>
+          </a:xfrm>
+          <a:prstGeom prst="rect">
+            <a:avLst/>
+          </a:prstGeom>
+        </p:spPr>
+      </p:pic>
+      <p:pic>
+        <p:nvPicPr>
+          <p:cNvPr id="24" name="Picture 23">
+            <a:extLst>
+              <a:ext uri="{FF2B5EF4-FFF2-40B4-BE49-F238E27FC236}">
+                <a16:creationId xmlns:a16="http://schemas.microsoft.com/office/drawing/2014/main" id="{D2CD26C0-9A5D-4008-A121-7DC417D43DD2}"/>
+              </a:ext>
+            </a:extLst>
+          </p:cNvPr>
+          <p:cNvPicPr>
+            <a:picLocks noChangeAspect="1"/>
+          </p:cNvPicPr>
+          <p:nvPr/>
+        </p:nvPicPr>
+        <p:blipFill>
+          <a:blip r:embed="rId11"/>
+          <a:stretch>
+            <a:fillRect/>
+          </a:stretch>
+        </p:blipFill>
+        <p:spPr>
+          <a:xfrm>
+            <a:off x="7829125" y="1791876"/>
+            <a:ext cx="1744531" cy="1818766"/>
+          </a:xfrm>
+          <a:prstGeom prst="rect">
+            <a:avLst/>
+          </a:prstGeom>
+        </p:spPr>
+      </p:pic>
+      <p:pic>
+        <p:nvPicPr>
+          <p:cNvPr id="28" name="Picture 27">
+            <a:extLst>
+              <a:ext uri="{FF2B5EF4-FFF2-40B4-BE49-F238E27FC236}">
+                <a16:creationId xmlns:a16="http://schemas.microsoft.com/office/drawing/2014/main" id="{094DDE57-22C3-4310-AD3C-7D400CC5874E}"/>
+              </a:ext>
+            </a:extLst>
+          </p:cNvPr>
+          <p:cNvPicPr>
+            <a:picLocks noChangeAspect="1"/>
+          </p:cNvPicPr>
+          <p:nvPr/>
+        </p:nvPicPr>
+        <p:blipFill>
+          <a:blip r:embed="rId12"/>
+          <a:stretch>
+            <a:fillRect/>
+          </a:stretch>
+        </p:blipFill>
+        <p:spPr>
+          <a:xfrm>
+            <a:off x="7829125" y="3001685"/>
+            <a:ext cx="3740091" cy="2291145"/>
+          </a:xfrm>
+          <a:prstGeom prst="rect">
+            <a:avLst/>
+          </a:prstGeom>
+        </p:spPr>
+      </p:pic>
+      <p:pic>
+        <p:nvPicPr>
+          <p:cNvPr id="30" name="Picture 29">
+            <a:extLst>
+              <a:ext uri="{FF2B5EF4-FFF2-40B4-BE49-F238E27FC236}">
+                <a16:creationId xmlns:a16="http://schemas.microsoft.com/office/drawing/2014/main" id="{DB6A52BC-34E3-46C9-9FEA-AA4C9679C04F}"/>
+              </a:ext>
+            </a:extLst>
+          </p:cNvPr>
+          <p:cNvPicPr>
+            <a:picLocks noChangeAspect="1"/>
+          </p:cNvPicPr>
+          <p:nvPr/>
+        </p:nvPicPr>
+        <p:blipFill>
+          <a:blip r:embed="rId13"/>
+          <a:stretch>
+            <a:fillRect/>
+          </a:stretch>
+        </p:blipFill>
+        <p:spPr>
+          <a:xfrm>
+            <a:off x="8619830" y="5121254"/>
+            <a:ext cx="1569409" cy="576337"/>
+          </a:xfrm>
+          <a:prstGeom prst="rect">
+            <a:avLst/>
+          </a:prstGeom>
+        </p:spPr>
+      </p:pic>
+      <mc:AlternateContent xmlns:mc="http://schemas.openxmlformats.org/markup-compatibility/2006" xmlns:pslz="http://schemas.microsoft.com/office/powerpoint/2016/slidezoom">
+        <mc:Choice Requires="pslz">
+          <p:graphicFrame>
+            <p:nvGraphicFramePr>
+              <p:cNvPr id="5" name="Slide Zoom 4">
+                <a:extLst>
+                  <a:ext uri="{FF2B5EF4-FFF2-40B4-BE49-F238E27FC236}">
+                    <a16:creationId xmlns:a16="http://schemas.microsoft.com/office/drawing/2014/main" id="{D55BF00D-D919-45E6-993D-81C9480ABF99}"/>
+                  </a:ext>
+                </a:extLst>
+              </p:cNvPr>
+              <p:cNvGraphicFramePr>
+                <a:graphicFrameLocks noChangeAspect="1"/>
+              </p:cNvGraphicFramePr>
+              <p:nvPr>
+                <p:extLst>
+                  <p:ext uri="{D42A27DB-BD31-4B8C-83A1-F6EECF244321}">
+                    <p14:modId xmlns:p14="http://schemas.microsoft.com/office/powerpoint/2010/main" val="1572426708"/>
+                  </p:ext>
+                </p:extLst>
+              </p:nvPr>
+            </p:nvGraphicFramePr>
+            <p:xfrm>
+              <a:off x="4992416" y="3311497"/>
+              <a:ext cx="802951" cy="451660"/>
+            </p:xfrm>
+            <a:graphic>
+              <a:graphicData uri="http://schemas.microsoft.com/office/powerpoint/2016/slidezoom">
+                <pslz:sldZm>
+                  <pslz:sldZmObj sldId="306" cId="393684128">
+                    <pslz:zmPr id="{7A9708FB-B45F-465C-87C1-AD945A46CB97}" returnToParent="0" transitionDur="1000">
+                      <p166:blipFill xmlns:p166="http://schemas.microsoft.com/office/powerpoint/2016/6/main">
+                        <a:blip r:embed="rId14"/>
+                        <a:stretch>
+                          <a:fillRect/>
+                        </a:stretch>
+                      </p166:blipFill>
+                      <p166:spPr xmlns:p166="http://schemas.microsoft.com/office/powerpoint/2016/6/main">
+                        <a:xfrm>
+                          <a:off x="0" y="0"/>
+                          <a:ext cx="802951" cy="451660"/>
+                        </a:xfrm>
+                        <a:prstGeom prst="rect">
+                          <a:avLst/>
+                        </a:prstGeom>
+                        <a:ln w="3175">
+                          <a:noFill/>
+                        </a:ln>
+                      </p166:spPr>
+                    </pslz:zmPr>
+                  </pslz:sldZmObj>
+                </pslz:sldZm>
+              </a:graphicData>
+            </a:graphic>
+          </p:graphicFrame>
+        </mc:Choice>
+        <mc:Fallback xmlns="">
+          <p:pic>
+            <p:nvPicPr>
+              <p:cNvPr id="5" name="Slide Zoom 4">
+                <a:hlinkClick r:id="rId15" action="ppaction://hlinksldjump"/>
+                <a:extLst>
+                  <a:ext uri="{FF2B5EF4-FFF2-40B4-BE49-F238E27FC236}">
+                    <a16:creationId xmlns:a16="http://schemas.microsoft.com/office/drawing/2014/main" id="{D55BF00D-D919-45E6-993D-81C9480ABF99}"/>
+                  </a:ext>
+                </a:extLst>
+              </p:cNvPr>
+              <p:cNvPicPr>
+                <a:picLocks noGrp="1" noRot="1" noChangeAspect="1" noMove="1" noResize="1" noEditPoints="1" noAdjustHandles="1" noChangeArrowheads="1" noChangeShapeType="1"/>
+              </p:cNvPicPr>
+              <p:nvPr/>
+            </p:nvPicPr>
+            <p:blipFill>
+              <a:blip r:embed="rId16"/>
+              <a:stretch>
+                <a:fillRect/>
+              </a:stretch>
+            </p:blipFill>
+            <p:spPr>
+              <a:xfrm>
+                <a:off x="4992416" y="3311497"/>
+                <a:ext cx="802951" cy="451660"/>
+              </a:xfrm>
+              <a:prstGeom prst="rect">
+                <a:avLst/>
+              </a:prstGeom>
+              <a:ln w="3175">
+                <a:noFill/>
+              </a:ln>
+            </p:spPr>
+          </p:pic>
+        </mc:Fallback>
+      </mc:AlternateContent>
     </p:spTree>
     <p:extLst>
       <p:ext uri="{BB962C8B-B14F-4D97-AF65-F5344CB8AC3E}">
-        <p14:creationId xmlns:p14="http://schemas.microsoft.com/office/powerpoint/2010/main" val="3428235906"/>
+        <p14:creationId xmlns:p14="http://schemas.microsoft.com/office/powerpoint/2010/main" val="64365915"/>
       </p:ext>
     </p:extLst>
   </p:cSld>
@@ -6556,6 +7499,371 @@
       </p:transition>
     </mc:Fallback>
   </mc:AlternateContent>
+  <p:timing>
+    <p:tnLst>
+      <p:par>
+        <p:cTn id="1" dur="indefinite" restart="never" nodeType="tmRoot">
+          <p:childTnLst>
+            <p:seq concurrent="1" nextAc="seek">
+              <p:cTn id="2" dur="indefinite" nodeType="mainSeq">
+                <p:childTnLst>
+                  <p:par>
+                    <p:cTn id="3" fill="hold">
+                      <p:stCondLst>
+                        <p:cond delay="indefinite"/>
+                      </p:stCondLst>
+                      <p:childTnLst>
+                        <p:par>
+                          <p:cTn id="4" fill="hold">
+                            <p:stCondLst>
+                              <p:cond delay="0"/>
+                            </p:stCondLst>
+                            <p:childTnLst>
+                              <p:par>
+                                <p:cTn id="5" presetID="10" presetClass="entr" presetSubtype="0" fill="hold" nodeType="clickEffect">
+                                  <p:stCondLst>
+                                    <p:cond delay="0"/>
+                                  </p:stCondLst>
+                                  <p:childTnLst>
+                                    <p:set>
+                                      <p:cBhvr>
+                                        <p:cTn id="6" dur="1" fill="hold">
+                                          <p:stCondLst>
+                                            <p:cond delay="0"/>
+                                          </p:stCondLst>
+                                        </p:cTn>
+                                        <p:tgtEl>
+                                          <p:spTgt spid="9"/>
+                                        </p:tgtEl>
+                                        <p:attrNameLst>
+                                          <p:attrName>style.visibility</p:attrName>
+                                        </p:attrNameLst>
+                                      </p:cBhvr>
+                                      <p:to>
+                                        <p:strVal val="visible"/>
+                                      </p:to>
+                                    </p:set>
+                                    <p:animEffect transition="in" filter="fade">
+                                      <p:cBhvr>
+                                        <p:cTn id="7" dur="500"/>
+                                        <p:tgtEl>
+                                          <p:spTgt spid="9"/>
+                                        </p:tgtEl>
+                                      </p:cBhvr>
+                                    </p:animEffect>
+                                  </p:childTnLst>
+                                </p:cTn>
+                              </p:par>
+                            </p:childTnLst>
+                          </p:cTn>
+                        </p:par>
+                      </p:childTnLst>
+                    </p:cTn>
+                  </p:par>
+                  <p:par>
+                    <p:cTn id="8" fill="hold">
+                      <p:stCondLst>
+                        <p:cond delay="indefinite"/>
+                      </p:stCondLst>
+                      <p:childTnLst>
+                        <p:par>
+                          <p:cTn id="9" fill="hold">
+                            <p:stCondLst>
+                              <p:cond delay="0"/>
+                            </p:stCondLst>
+                            <p:childTnLst>
+                              <p:par>
+                                <p:cTn id="10" presetID="10" presetClass="entr" presetSubtype="0" fill="hold" nodeType="clickEffect">
+                                  <p:stCondLst>
+                                    <p:cond delay="0"/>
+                                  </p:stCondLst>
+                                  <p:childTnLst>
+                                    <p:set>
+                                      <p:cBhvr>
+                                        <p:cTn id="11" dur="1" fill="hold">
+                                          <p:stCondLst>
+                                            <p:cond delay="0"/>
+                                          </p:stCondLst>
+                                        </p:cTn>
+                                        <p:tgtEl>
+                                          <p:spTgt spid="13"/>
+                                        </p:tgtEl>
+                                        <p:attrNameLst>
+                                          <p:attrName>style.visibility</p:attrName>
+                                        </p:attrNameLst>
+                                      </p:cBhvr>
+                                      <p:to>
+                                        <p:strVal val="visible"/>
+                                      </p:to>
+                                    </p:set>
+                                    <p:animEffect transition="in" filter="fade">
+                                      <p:cBhvr>
+                                        <p:cTn id="12" dur="500"/>
+                                        <p:tgtEl>
+                                          <p:spTgt spid="13"/>
+                                        </p:tgtEl>
+                                      </p:cBhvr>
+                                    </p:animEffect>
+                                  </p:childTnLst>
+                                </p:cTn>
+                              </p:par>
+                            </p:childTnLst>
+                          </p:cTn>
+                        </p:par>
+                      </p:childTnLst>
+                    </p:cTn>
+                  </p:par>
+                  <p:par>
+                    <p:cTn id="13" fill="hold">
+                      <p:stCondLst>
+                        <p:cond delay="indefinite"/>
+                      </p:stCondLst>
+                      <p:childTnLst>
+                        <p:par>
+                          <p:cTn id="14" fill="hold">
+                            <p:stCondLst>
+                              <p:cond delay="0"/>
+                            </p:stCondLst>
+                            <p:childTnLst>
+                              <p:par>
+                                <p:cTn id="15" presetID="10" presetClass="entr" presetSubtype="0" fill="hold" nodeType="clickEffect">
+                                  <p:stCondLst>
+                                    <p:cond delay="0"/>
+                                  </p:stCondLst>
+                                  <p:childTnLst>
+                                    <p:set>
+                                      <p:cBhvr>
+                                        <p:cTn id="16" dur="1" fill="hold">
+                                          <p:stCondLst>
+                                            <p:cond delay="0"/>
+                                          </p:stCondLst>
+                                        </p:cTn>
+                                        <p:tgtEl>
+                                          <p:spTgt spid="14"/>
+                                        </p:tgtEl>
+                                        <p:attrNameLst>
+                                          <p:attrName>style.visibility</p:attrName>
+                                        </p:attrNameLst>
+                                      </p:cBhvr>
+                                      <p:to>
+                                        <p:strVal val="visible"/>
+                                      </p:to>
+                                    </p:set>
+                                    <p:animEffect transition="in" filter="fade">
+                                      <p:cBhvr>
+                                        <p:cTn id="17" dur="500"/>
+                                        <p:tgtEl>
+                                          <p:spTgt spid="14"/>
+                                        </p:tgtEl>
+                                      </p:cBhvr>
+                                    </p:animEffect>
+                                  </p:childTnLst>
+                                </p:cTn>
+                              </p:par>
+                            </p:childTnLst>
+                          </p:cTn>
+                        </p:par>
+                      </p:childTnLst>
+                    </p:cTn>
+                  </p:par>
+                  <p:par>
+                    <p:cTn id="18" fill="hold">
+                      <p:stCondLst>
+                        <p:cond delay="indefinite"/>
+                      </p:stCondLst>
+                      <p:childTnLst>
+                        <p:par>
+                          <p:cTn id="19" fill="hold">
+                            <p:stCondLst>
+                              <p:cond delay="0"/>
+                            </p:stCondLst>
+                            <p:childTnLst>
+                              <p:par>
+                                <p:cTn id="20" presetID="10" presetClass="entr" presetSubtype="0" fill="hold" nodeType="clickEffect">
+                                  <p:stCondLst>
+                                    <p:cond delay="0"/>
+                                  </p:stCondLst>
+                                  <p:childTnLst>
+                                    <p:set>
+                                      <p:cBhvr>
+                                        <p:cTn id="21" dur="1" fill="hold">
+                                          <p:stCondLst>
+                                            <p:cond delay="0"/>
+                                          </p:stCondLst>
+                                        </p:cTn>
+                                        <p:tgtEl>
+                                          <p:spTgt spid="16"/>
+                                        </p:tgtEl>
+                                        <p:attrNameLst>
+                                          <p:attrName>style.visibility</p:attrName>
+                                        </p:attrNameLst>
+                                      </p:cBhvr>
+                                      <p:to>
+                                        <p:strVal val="visible"/>
+                                      </p:to>
+                                    </p:set>
+                                    <p:animEffect transition="in" filter="fade">
+                                      <p:cBhvr>
+                                        <p:cTn id="22" dur="500"/>
+                                        <p:tgtEl>
+                                          <p:spTgt spid="16"/>
+                                        </p:tgtEl>
+                                      </p:cBhvr>
+                                    </p:animEffect>
+                                  </p:childTnLst>
+                                </p:cTn>
+                              </p:par>
+                            </p:childTnLst>
+                          </p:cTn>
+                        </p:par>
+                      </p:childTnLst>
+                    </p:cTn>
+                  </p:par>
+                  <p:par>
+                    <p:cTn id="23" fill="hold">
+                      <p:stCondLst>
+                        <p:cond delay="indefinite"/>
+                      </p:stCondLst>
+                      <p:childTnLst>
+                        <p:par>
+                          <p:cTn id="24" fill="hold">
+                            <p:stCondLst>
+                              <p:cond delay="0"/>
+                            </p:stCondLst>
+                            <p:childTnLst>
+                              <p:par>
+                                <p:cTn id="25" presetID="10" presetClass="entr" presetSubtype="0" fill="hold" nodeType="clickEffect">
+                                  <p:stCondLst>
+                                    <p:cond delay="0"/>
+                                  </p:stCondLst>
+                                  <p:childTnLst>
+                                    <p:set>
+                                      <p:cBhvr>
+                                        <p:cTn id="26" dur="1" fill="hold">
+                                          <p:stCondLst>
+                                            <p:cond delay="0"/>
+                                          </p:stCondLst>
+                                        </p:cTn>
+                                        <p:tgtEl>
+                                          <p:spTgt spid="24"/>
+                                        </p:tgtEl>
+                                        <p:attrNameLst>
+                                          <p:attrName>style.visibility</p:attrName>
+                                        </p:attrNameLst>
+                                      </p:cBhvr>
+                                      <p:to>
+                                        <p:strVal val="visible"/>
+                                      </p:to>
+                                    </p:set>
+                                    <p:animEffect transition="in" filter="fade">
+                                      <p:cBhvr>
+                                        <p:cTn id="27" dur="500"/>
+                                        <p:tgtEl>
+                                          <p:spTgt spid="24"/>
+                                        </p:tgtEl>
+                                      </p:cBhvr>
+                                    </p:animEffect>
+                                  </p:childTnLst>
+                                </p:cTn>
+                              </p:par>
+                              <p:par>
+                                <p:cTn id="28" presetID="10" presetClass="entr" presetSubtype="0" fill="hold" nodeType="withEffect">
+                                  <p:stCondLst>
+                                    <p:cond delay="0"/>
+                                  </p:stCondLst>
+                                  <p:childTnLst>
+                                    <p:set>
+                                      <p:cBhvr>
+                                        <p:cTn id="29" dur="1" fill="hold">
+                                          <p:stCondLst>
+                                            <p:cond delay="0"/>
+                                          </p:stCondLst>
+                                        </p:cTn>
+                                        <p:tgtEl>
+                                          <p:spTgt spid="28"/>
+                                        </p:tgtEl>
+                                        <p:attrNameLst>
+                                          <p:attrName>style.visibility</p:attrName>
+                                        </p:attrNameLst>
+                                      </p:cBhvr>
+                                      <p:to>
+                                        <p:strVal val="visible"/>
+                                      </p:to>
+                                    </p:set>
+                                    <p:animEffect transition="in" filter="fade">
+                                      <p:cBhvr>
+                                        <p:cTn id="30" dur="500"/>
+                                        <p:tgtEl>
+                                          <p:spTgt spid="28"/>
+                                        </p:tgtEl>
+                                      </p:cBhvr>
+                                    </p:animEffect>
+                                  </p:childTnLst>
+                                </p:cTn>
+                              </p:par>
+                              <p:par>
+                                <p:cTn id="31" presetID="10" presetClass="entr" presetSubtype="0" fill="hold" nodeType="withEffect">
+                                  <p:stCondLst>
+                                    <p:cond delay="0"/>
+                                  </p:stCondLst>
+                                  <p:childTnLst>
+                                    <p:set>
+                                      <p:cBhvr>
+                                        <p:cTn id="32" dur="1" fill="hold">
+                                          <p:stCondLst>
+                                            <p:cond delay="0"/>
+                                          </p:stCondLst>
+                                        </p:cTn>
+                                        <p:tgtEl>
+                                          <p:spTgt spid="30"/>
+                                        </p:tgtEl>
+                                        <p:attrNameLst>
+                                          <p:attrName>style.visibility</p:attrName>
+                                        </p:attrNameLst>
+                                      </p:cBhvr>
+                                      <p:to>
+                                        <p:strVal val="visible"/>
+                                      </p:to>
+                                    </p:set>
+                                    <p:animEffect transition="in" filter="fade">
+                                      <p:cBhvr>
+                                        <p:cTn id="33" dur="500"/>
+                                        <p:tgtEl>
+                                          <p:spTgt spid="30"/>
+                                        </p:tgtEl>
+                                      </p:cBhvr>
+                                    </p:animEffect>
+                                  </p:childTnLst>
+                                </p:cTn>
+                              </p:par>
+                            </p:childTnLst>
+                          </p:cTn>
+                        </p:par>
+                      </p:childTnLst>
+                    </p:cTn>
+                  </p:par>
+                </p:childTnLst>
+              </p:cTn>
+              <p:prevCondLst>
+                <p:cond evt="onPrev" delay="0">
+                  <p:tgtEl>
+                    <p:sldTgt/>
+                  </p:tgtEl>
+                </p:cond>
+              </p:prevCondLst>
+              <p:nextCondLst>
+                <p:cond evt="onNext" delay="0">
+                  <p:tgtEl>
+                    <p:sldTgt/>
+                  </p:tgtEl>
+                </p:cond>
+              </p:nextCondLst>
+            </p:seq>
+          </p:childTnLst>
+        </p:cTn>
+      </p:par>
+    </p:tnLst>
+  </p:timing>
 </p:sld>
 </file>
 
@@ -6578,10 +7886,10 @@
       </p:grpSpPr>
       <p:pic>
         <p:nvPicPr>
-          <p:cNvPr id="3" name="Picture 2">
+          <p:cNvPr id="5" name="Picture 4">
             <a:extLst>
               <a:ext uri="{FF2B5EF4-FFF2-40B4-BE49-F238E27FC236}">
-                <a16:creationId xmlns:a16="http://schemas.microsoft.com/office/drawing/2014/main" id="{D4F29E86-F4EC-4823-9A43-A52FE451A52D}"/>
+                <a16:creationId xmlns:a16="http://schemas.microsoft.com/office/drawing/2014/main" id="{1F381526-6DCC-4187-B9E9-38AC6554128C}"/>
               </a:ext>
             </a:extLst>
           </p:cNvPr>
@@ -6591,25 +7899,128 @@
           <p:nvPr/>
         </p:nvPicPr>
         <p:blipFill>
-          <a:blip r:embed="rId3"/>
+          <a:blip r:embed="rId3">
+            <a:extLst>
+              <a:ext uri="{28A0092B-C50C-407E-A947-70E740481C1C}">
+                <a14:useLocalDpi xmlns:a14="http://schemas.microsoft.com/office/drawing/2010/main" val="0"/>
+              </a:ext>
+            </a:extLst>
+          </a:blip>
           <a:stretch>
             <a:fillRect/>
           </a:stretch>
         </p:blipFill>
         <p:spPr>
           <a:xfrm>
-            <a:off x="3333037" y="960774"/>
-            <a:ext cx="5525925" cy="5245292"/>
+            <a:off x="3458977" y="1545412"/>
+            <a:ext cx="5274046" cy="3767175"/>
           </a:xfrm>
           <a:prstGeom prst="rect">
             <a:avLst/>
           </a:prstGeom>
         </p:spPr>
       </p:pic>
+      <p:sp>
+        <p:nvSpPr>
+          <p:cNvPr id="4" name="TextBox 3">
+            <a:extLst>
+              <a:ext uri="{FF2B5EF4-FFF2-40B4-BE49-F238E27FC236}">
+                <a16:creationId xmlns:a16="http://schemas.microsoft.com/office/drawing/2014/main" id="{647972E1-975F-411E-8E9F-384E2E0D1FF7}"/>
+              </a:ext>
+            </a:extLst>
+          </p:cNvPr>
+          <p:cNvSpPr txBox="1"/>
+          <p:nvPr/>
+        </p:nvSpPr>
+        <p:spPr>
+          <a:xfrm>
+            <a:off x="0" y="6550223"/>
+            <a:ext cx="12192000" cy="307777"/>
+          </a:xfrm>
+          <a:prstGeom prst="rect">
+            <a:avLst/>
+          </a:prstGeom>
+          <a:noFill/>
+        </p:spPr>
+        <p:txBody>
+          <a:bodyPr wrap="square" rtlCol="0">
+            <a:spAutoFit/>
+          </a:bodyPr>
+          <a:lstStyle/>
+          <a:p>
+            <a:r>
+              <a:rPr lang="en-US" sz="1400" dirty="0">
+                <a:solidFill>
+                  <a:schemeClr val="tx1">
+                    <a:lumMod val="65000"/>
+                    <a:lumOff val="35000"/>
+                  </a:schemeClr>
+                </a:solidFill>
+                <a:latin typeface="+mj-lt"/>
+                <a:ea typeface="Verdana" panose="020B0604030504040204" pitchFamily="34" charset="0"/>
+              </a:rPr>
+              <a:t>Source: Taylor, M. (2017). </a:t>
+            </a:r>
+            <a:r>
+              <a:rPr lang="en-US" sz="1400" i="1" dirty="0">
+                <a:solidFill>
+                  <a:schemeClr val="tx1">
+                    <a:lumMod val="65000"/>
+                    <a:lumOff val="35000"/>
+                  </a:schemeClr>
+                </a:solidFill>
+                <a:latin typeface="+mj-lt"/>
+                <a:ea typeface="Verdana" panose="020B0604030504040204" pitchFamily="34" charset="0"/>
+              </a:rPr>
+              <a:t>Neural networks: A visual introduction for beginners</a:t>
+            </a:r>
+            <a:r>
+              <a:rPr lang="en-US" sz="1400" dirty="0">
+                <a:solidFill>
+                  <a:schemeClr val="tx1">
+                    <a:lumMod val="65000"/>
+                    <a:lumOff val="35000"/>
+                  </a:schemeClr>
+                </a:solidFill>
+                <a:latin typeface="+mj-lt"/>
+                <a:ea typeface="Verdana" panose="020B0604030504040204" pitchFamily="34" charset="0"/>
+              </a:rPr>
+              <a:t>. Vancouver, Canada</a:t>
+            </a:r>
+            <a:r>
+              <a:rPr lang="en-US" sz="1400" b="0" i="0" dirty="0">
+                <a:solidFill>
+                  <a:schemeClr val="tx1">
+                    <a:lumMod val="65000"/>
+                    <a:lumOff val="35000"/>
+                  </a:schemeClr>
+                </a:solidFill>
+                <a:effectLst/>
+                <a:latin typeface="+mj-lt"/>
+                <a:ea typeface="Verdana" panose="020B0604030504040204" pitchFamily="34" charset="0"/>
+              </a:rPr>
+              <a:t>: Blue Windmill Media</a:t>
+            </a:r>
+            <a:r>
+              <a:rPr lang="en-US" sz="1400" dirty="0">
+                <a:solidFill>
+                  <a:schemeClr val="tx1">
+                    <a:lumMod val="65000"/>
+                    <a:lumOff val="35000"/>
+                  </a:schemeClr>
+                </a:solidFill>
+                <a:latin typeface="+mj-lt"/>
+                <a:ea typeface="Verdana" panose="020B0604030504040204" pitchFamily="34" charset="0"/>
+              </a:rPr>
+              <a:t>.</a:t>
+            </a:r>
+          </a:p>
+        </p:txBody>
+      </p:sp>
     </p:spTree>
     <p:extLst>
       <p:ext uri="{BB962C8B-B14F-4D97-AF65-F5344CB8AC3E}">
-        <p14:creationId xmlns:p14="http://schemas.microsoft.com/office/powerpoint/2010/main" val="2533188322"/>
+        <p14:creationId xmlns:p14="http://schemas.microsoft.com/office/powerpoint/2010/main" val="2077674142"/>
       </p:ext>
     </p:extLst>
   </p:cSld>
@@ -7346,2712 +8757,10 @@
 <file path=ppt/slides/slide15.xml><?xml version="1.0" encoding="utf-8"?>
 <p:sld xmlns:a="http://schemas.openxmlformats.org/drawingml/2006/main" xmlns:r="http://schemas.openxmlformats.org/officeDocument/2006/relationships" xmlns:p="http://schemas.openxmlformats.org/presentationml/2006/main">
   <p:cSld>
-    <p:spTree>
-      <p:nvGrpSpPr>
-        <p:cNvPr id="1" name=""/>
-        <p:cNvGrpSpPr/>
-        <p:nvPr/>
-      </p:nvGrpSpPr>
-      <p:grpSpPr>
-        <a:xfrm>
-          <a:off x="0" y="0"/>
-          <a:ext cx="0" cy="0"/>
-          <a:chOff x="0" y="0"/>
-          <a:chExt cx="0" cy="0"/>
-        </a:xfrm>
-      </p:grpSpPr>
-      <p:sp>
-        <p:nvSpPr>
-          <p:cNvPr id="2" name="Title 1">
-            <a:extLst>
-              <a:ext uri="{FF2B5EF4-FFF2-40B4-BE49-F238E27FC236}">
-                <a16:creationId xmlns:a16="http://schemas.microsoft.com/office/drawing/2014/main" id="{28FF21C3-8FBB-4756-BF7C-FFD2E5CC2B06}"/>
-              </a:ext>
-            </a:extLst>
-          </p:cNvPr>
-          <p:cNvSpPr>
-            <a:spLocks noGrp="1"/>
-          </p:cNvSpPr>
-          <p:nvPr>
-            <p:ph type="title"/>
-          </p:nvPr>
-        </p:nvSpPr>
-        <p:spPr>
-          <a:xfrm>
-            <a:off x="511791" y="440190"/>
-            <a:ext cx="11061510" cy="815404"/>
-          </a:xfrm>
-        </p:spPr>
-        <p:txBody>
-          <a:bodyPr>
-            <a:normAutofit/>
-          </a:bodyPr>
-          <a:lstStyle/>
-          <a:p>
-            <a:pPr algn="ctr"/>
-            <a:r>
-              <a:rPr lang="en-US" dirty="0">
-                <a:latin typeface="Palatino Linotype" panose="02040502050505030304" pitchFamily="18" charset="0"/>
-                <a:cs typeface="Segoe UI Light" panose="020B0502040204020203" pitchFamily="34" charset="0"/>
-              </a:rPr>
-              <a:t>Key Points</a:t>
-            </a:r>
-          </a:p>
-        </p:txBody>
-      </p:sp>
-      <p:sp>
-        <p:nvSpPr>
-          <p:cNvPr id="8" name="Content Placeholder 7">
-            <a:extLst>
-              <a:ext uri="{FF2B5EF4-FFF2-40B4-BE49-F238E27FC236}">
-                <a16:creationId xmlns:a16="http://schemas.microsoft.com/office/drawing/2014/main" id="{DEBD0562-0429-4E0A-82AA-9D293261FFA1}"/>
-              </a:ext>
-            </a:extLst>
-          </p:cNvPr>
-          <p:cNvSpPr>
-            <a:spLocks noGrp="1"/>
-          </p:cNvSpPr>
-          <p:nvPr>
-            <p:ph idx="1"/>
-          </p:nvPr>
-        </p:nvSpPr>
-        <p:spPr>
-          <a:xfrm>
-            <a:off x="495304" y="1825626"/>
-            <a:ext cx="5600695" cy="697138"/>
-          </a:xfrm>
-        </p:spPr>
-        <p:txBody>
-          <a:bodyPr/>
-          <a:lstStyle/>
-          <a:p>
-            <a:pPr>
-              <a:buFont typeface="Wingdings" panose="05000000000000000000" pitchFamily="2" charset="2"/>
-              <a:buChar char="Ø"/>
-            </a:pPr>
-            <a:r>
-              <a:rPr lang="en-US" dirty="0">
-                <a:latin typeface="+mj-lt"/>
-              </a:rPr>
-              <a:t> </a:t>
-            </a:r>
-            <a:r>
-              <a:rPr lang="en-US" sz="2400" dirty="0">
-                <a:latin typeface="+mj-lt"/>
-              </a:rPr>
-              <a:t>Neural networks are specific</a:t>
-            </a:r>
-          </a:p>
-        </p:txBody>
-      </p:sp>
-      <p:sp>
-        <p:nvSpPr>
-          <p:cNvPr id="5" name="Content Placeholder 7">
-            <a:extLst>
-              <a:ext uri="{FF2B5EF4-FFF2-40B4-BE49-F238E27FC236}">
-                <a16:creationId xmlns:a16="http://schemas.microsoft.com/office/drawing/2014/main" id="{6DE28C7A-E33E-4AB8-AA17-03A716662E52}"/>
-              </a:ext>
-            </a:extLst>
-          </p:cNvPr>
-          <p:cNvSpPr txBox="1">
-            <a:spLocks/>
-          </p:cNvSpPr>
-          <p:nvPr/>
-        </p:nvSpPr>
-        <p:spPr>
-          <a:xfrm>
-            <a:off x="495304" y="2623003"/>
-            <a:ext cx="5600695" cy="1483633"/>
-          </a:xfrm>
-          <a:prstGeom prst="rect">
-            <a:avLst/>
-          </a:prstGeom>
-        </p:spPr>
-        <p:txBody>
-          <a:bodyPr vert="horz" lIns="91440" tIns="45720" rIns="91440" bIns="45720" rtlCol="0">
-            <a:normAutofit lnSpcReduction="10000"/>
-          </a:bodyPr>
-          <a:lstStyle>
-            <a:lvl1pPr marL="228600" indent="-228600" algn="l" defTabSz="914400" rtl="0" eaLnBrk="1" latinLnBrk="0" hangingPunct="1">
-              <a:lnSpc>
-                <a:spcPct val="90000"/>
-              </a:lnSpc>
-              <a:spcBef>
-                <a:spcPts val="1000"/>
-              </a:spcBef>
-              <a:buFont typeface="Arial" panose="020B0604020202020204" pitchFamily="34" charset="0"/>
-              <a:buChar char="•"/>
-              <a:defRPr sz="2800" kern="1200">
-                <a:solidFill>
-                  <a:schemeClr val="tx1"/>
-                </a:solidFill>
-                <a:latin typeface="+mn-lt"/>
-                <a:ea typeface="+mn-ea"/>
-                <a:cs typeface="+mn-cs"/>
-              </a:defRPr>
-            </a:lvl1pPr>
-            <a:lvl2pPr marL="685800" indent="-228600" algn="l" defTabSz="914400" rtl="0" eaLnBrk="1" latinLnBrk="0" hangingPunct="1">
-              <a:lnSpc>
-                <a:spcPct val="90000"/>
-              </a:lnSpc>
-              <a:spcBef>
-                <a:spcPts val="500"/>
-              </a:spcBef>
-              <a:buFont typeface="Arial" panose="020B0604020202020204" pitchFamily="34" charset="0"/>
-              <a:buChar char="•"/>
-              <a:defRPr sz="2400" kern="1200">
-                <a:solidFill>
-                  <a:schemeClr val="tx1"/>
-                </a:solidFill>
-                <a:latin typeface="+mn-lt"/>
-                <a:ea typeface="+mn-ea"/>
-                <a:cs typeface="+mn-cs"/>
-              </a:defRPr>
-            </a:lvl2pPr>
-            <a:lvl3pPr marL="1143000" indent="-228600" algn="l" defTabSz="914400" rtl="0" eaLnBrk="1" latinLnBrk="0" hangingPunct="1">
-              <a:lnSpc>
-                <a:spcPct val="90000"/>
-              </a:lnSpc>
-              <a:spcBef>
-                <a:spcPts val="500"/>
-              </a:spcBef>
-              <a:buFont typeface="Arial" panose="020B0604020202020204" pitchFamily="34" charset="0"/>
-              <a:buChar char="•"/>
-              <a:defRPr sz="2000" kern="1200">
-                <a:solidFill>
-                  <a:schemeClr val="tx1"/>
-                </a:solidFill>
-                <a:latin typeface="+mn-lt"/>
-                <a:ea typeface="+mn-ea"/>
-                <a:cs typeface="+mn-cs"/>
-              </a:defRPr>
-            </a:lvl3pPr>
-            <a:lvl4pPr marL="1600200" indent="-228600" algn="l" defTabSz="914400" rtl="0" eaLnBrk="1" latinLnBrk="0" hangingPunct="1">
-              <a:lnSpc>
-                <a:spcPct val="90000"/>
-              </a:lnSpc>
-              <a:spcBef>
-                <a:spcPts val="500"/>
-              </a:spcBef>
-              <a:buFont typeface="Arial" panose="020B0604020202020204" pitchFamily="34" charset="0"/>
-              <a:buChar char="•"/>
-              <a:defRPr sz="1800" kern="1200">
-                <a:solidFill>
-                  <a:schemeClr val="tx1"/>
-                </a:solidFill>
-                <a:latin typeface="+mn-lt"/>
-                <a:ea typeface="+mn-ea"/>
-                <a:cs typeface="+mn-cs"/>
-              </a:defRPr>
-            </a:lvl4pPr>
-            <a:lvl5pPr marL="2057400" indent="-228600" algn="l" defTabSz="914400" rtl="0" eaLnBrk="1" latinLnBrk="0" hangingPunct="1">
-              <a:lnSpc>
-                <a:spcPct val="90000"/>
-              </a:lnSpc>
-              <a:spcBef>
-                <a:spcPts val="500"/>
-              </a:spcBef>
-              <a:buFont typeface="Arial" panose="020B0604020202020204" pitchFamily="34" charset="0"/>
-              <a:buChar char="•"/>
-              <a:defRPr sz="1800" kern="1200">
-                <a:solidFill>
-                  <a:schemeClr val="tx1"/>
-                </a:solidFill>
-                <a:latin typeface="+mn-lt"/>
-                <a:ea typeface="+mn-ea"/>
-                <a:cs typeface="+mn-cs"/>
-              </a:defRPr>
-            </a:lvl5pPr>
-            <a:lvl6pPr marL="2514600" indent="-228600" algn="l" defTabSz="914400" rtl="0" eaLnBrk="1" latinLnBrk="0" hangingPunct="1">
-              <a:lnSpc>
-                <a:spcPct val="90000"/>
-              </a:lnSpc>
-              <a:spcBef>
-                <a:spcPts val="500"/>
-              </a:spcBef>
-              <a:buFont typeface="Arial" panose="020B0604020202020204" pitchFamily="34" charset="0"/>
-              <a:buChar char="•"/>
-              <a:defRPr sz="1800" kern="1200">
-                <a:solidFill>
-                  <a:schemeClr val="tx1"/>
-                </a:solidFill>
-                <a:latin typeface="+mn-lt"/>
-                <a:ea typeface="+mn-ea"/>
-                <a:cs typeface="+mn-cs"/>
-              </a:defRPr>
-            </a:lvl6pPr>
-            <a:lvl7pPr marL="2971800" indent="-228600" algn="l" defTabSz="914400" rtl="0" eaLnBrk="1" latinLnBrk="0" hangingPunct="1">
-              <a:lnSpc>
-                <a:spcPct val="90000"/>
-              </a:lnSpc>
-              <a:spcBef>
-                <a:spcPts val="500"/>
-              </a:spcBef>
-              <a:buFont typeface="Arial" panose="020B0604020202020204" pitchFamily="34" charset="0"/>
-              <a:buChar char="•"/>
-              <a:defRPr sz="1800" kern="1200">
-                <a:solidFill>
-                  <a:schemeClr val="tx1"/>
-                </a:solidFill>
-                <a:latin typeface="+mn-lt"/>
-                <a:ea typeface="+mn-ea"/>
-                <a:cs typeface="+mn-cs"/>
-              </a:defRPr>
-            </a:lvl7pPr>
-            <a:lvl8pPr marL="3429000" indent="-228600" algn="l" defTabSz="914400" rtl="0" eaLnBrk="1" latinLnBrk="0" hangingPunct="1">
-              <a:lnSpc>
-                <a:spcPct val="90000"/>
-              </a:lnSpc>
-              <a:spcBef>
-                <a:spcPts val="500"/>
-              </a:spcBef>
-              <a:buFont typeface="Arial" panose="020B0604020202020204" pitchFamily="34" charset="0"/>
-              <a:buChar char="•"/>
-              <a:defRPr sz="1800" kern="1200">
-                <a:solidFill>
-                  <a:schemeClr val="tx1"/>
-                </a:solidFill>
-                <a:latin typeface="+mn-lt"/>
-                <a:ea typeface="+mn-ea"/>
-                <a:cs typeface="+mn-cs"/>
-              </a:defRPr>
-            </a:lvl8pPr>
-            <a:lvl9pPr marL="3886200" indent="-228600" algn="l" defTabSz="914400" rtl="0" eaLnBrk="1" latinLnBrk="0" hangingPunct="1">
-              <a:lnSpc>
-                <a:spcPct val="90000"/>
-              </a:lnSpc>
-              <a:spcBef>
-                <a:spcPts val="500"/>
-              </a:spcBef>
-              <a:buFont typeface="Arial" panose="020B0604020202020204" pitchFamily="34" charset="0"/>
-              <a:buChar char="•"/>
-              <a:defRPr sz="1800" kern="1200">
-                <a:solidFill>
-                  <a:schemeClr val="tx1"/>
-                </a:solidFill>
-                <a:latin typeface="+mn-lt"/>
-                <a:ea typeface="+mn-ea"/>
-                <a:cs typeface="+mn-cs"/>
-              </a:defRPr>
-            </a:lvl9pPr>
-          </a:lstStyle>
-          <a:p>
-            <a:pPr>
-              <a:buFont typeface="Wingdings" panose="05000000000000000000" pitchFamily="2" charset="2"/>
-              <a:buChar char="Ø"/>
-            </a:pPr>
-            <a:r>
-              <a:rPr lang="en-US" dirty="0">
-                <a:latin typeface="+mj-lt"/>
-              </a:rPr>
-              <a:t> </a:t>
-            </a:r>
-            <a:r>
-              <a:rPr lang="en-US" sz="2400" dirty="0">
-                <a:latin typeface="+mj-lt"/>
-              </a:rPr>
-              <a:t>Neural networks have three basic parts</a:t>
-            </a:r>
-          </a:p>
-          <a:p>
-            <a:pPr lvl="1">
-              <a:buFont typeface="Courier New" panose="02070309020205020404" pitchFamily="49" charset="0"/>
-              <a:buChar char="o"/>
-            </a:pPr>
-            <a:r>
-              <a:rPr lang="en-US" sz="2000" dirty="0">
-                <a:latin typeface="+mj-lt"/>
-              </a:rPr>
-              <a:t> Input Layer</a:t>
-            </a:r>
-          </a:p>
-          <a:p>
-            <a:pPr lvl="1">
-              <a:buFont typeface="Courier New" panose="02070309020205020404" pitchFamily="49" charset="0"/>
-              <a:buChar char="o"/>
-            </a:pPr>
-            <a:r>
-              <a:rPr lang="en-US" sz="2000" dirty="0">
-                <a:latin typeface="+mj-lt"/>
-              </a:rPr>
-              <a:t> Hidden Layer(s)</a:t>
-            </a:r>
-          </a:p>
-          <a:p>
-            <a:pPr lvl="1">
-              <a:buFont typeface="Courier New" panose="02070309020205020404" pitchFamily="49" charset="0"/>
-              <a:buChar char="o"/>
-            </a:pPr>
-            <a:r>
-              <a:rPr lang="en-US" sz="2000" dirty="0">
-                <a:latin typeface="+mj-lt"/>
-              </a:rPr>
-              <a:t> Output Layer</a:t>
-            </a:r>
-          </a:p>
-        </p:txBody>
-      </p:sp>
-      <p:sp>
-        <p:nvSpPr>
-          <p:cNvPr id="7" name="Content Placeholder 7">
-            <a:extLst>
-              <a:ext uri="{FF2B5EF4-FFF2-40B4-BE49-F238E27FC236}">
-                <a16:creationId xmlns:a16="http://schemas.microsoft.com/office/drawing/2014/main" id="{99BC89D7-F186-4031-BB3A-AD9617A34E80}"/>
-              </a:ext>
-            </a:extLst>
-          </p:cNvPr>
-          <p:cNvSpPr txBox="1">
-            <a:spLocks/>
-          </p:cNvSpPr>
-          <p:nvPr/>
-        </p:nvSpPr>
-        <p:spPr>
-          <a:xfrm>
-            <a:off x="495305" y="4214570"/>
-            <a:ext cx="5600694" cy="1173859"/>
-          </a:xfrm>
-          <a:prstGeom prst="rect">
-            <a:avLst/>
-          </a:prstGeom>
-        </p:spPr>
-        <p:txBody>
-          <a:bodyPr vert="horz" lIns="91440" tIns="45720" rIns="91440" bIns="45720" rtlCol="0">
-            <a:normAutofit/>
-          </a:bodyPr>
-          <a:lstStyle>
-            <a:lvl1pPr marL="228600" indent="-228600" algn="l" defTabSz="914400" rtl="0" eaLnBrk="1" latinLnBrk="0" hangingPunct="1">
-              <a:lnSpc>
-                <a:spcPct val="90000"/>
-              </a:lnSpc>
-              <a:spcBef>
-                <a:spcPts val="1000"/>
-              </a:spcBef>
-              <a:buFont typeface="Arial" panose="020B0604020202020204" pitchFamily="34" charset="0"/>
-              <a:buChar char="•"/>
-              <a:defRPr sz="2800" kern="1200">
-                <a:solidFill>
-                  <a:schemeClr val="tx1"/>
-                </a:solidFill>
-                <a:latin typeface="+mn-lt"/>
-                <a:ea typeface="+mn-ea"/>
-                <a:cs typeface="+mn-cs"/>
-              </a:defRPr>
-            </a:lvl1pPr>
-            <a:lvl2pPr marL="685800" indent="-228600" algn="l" defTabSz="914400" rtl="0" eaLnBrk="1" latinLnBrk="0" hangingPunct="1">
-              <a:lnSpc>
-                <a:spcPct val="90000"/>
-              </a:lnSpc>
-              <a:spcBef>
-                <a:spcPts val="500"/>
-              </a:spcBef>
-              <a:buFont typeface="Arial" panose="020B0604020202020204" pitchFamily="34" charset="0"/>
-              <a:buChar char="•"/>
-              <a:defRPr sz="2400" kern="1200">
-                <a:solidFill>
-                  <a:schemeClr val="tx1"/>
-                </a:solidFill>
-                <a:latin typeface="+mn-lt"/>
-                <a:ea typeface="+mn-ea"/>
-                <a:cs typeface="+mn-cs"/>
-              </a:defRPr>
-            </a:lvl2pPr>
-            <a:lvl3pPr marL="1143000" indent="-228600" algn="l" defTabSz="914400" rtl="0" eaLnBrk="1" latinLnBrk="0" hangingPunct="1">
-              <a:lnSpc>
-                <a:spcPct val="90000"/>
-              </a:lnSpc>
-              <a:spcBef>
-                <a:spcPts val="500"/>
-              </a:spcBef>
-              <a:buFont typeface="Arial" panose="020B0604020202020204" pitchFamily="34" charset="0"/>
-              <a:buChar char="•"/>
-              <a:defRPr sz="2000" kern="1200">
-                <a:solidFill>
-                  <a:schemeClr val="tx1"/>
-                </a:solidFill>
-                <a:latin typeface="+mn-lt"/>
-                <a:ea typeface="+mn-ea"/>
-                <a:cs typeface="+mn-cs"/>
-              </a:defRPr>
-            </a:lvl3pPr>
-            <a:lvl4pPr marL="1600200" indent="-228600" algn="l" defTabSz="914400" rtl="0" eaLnBrk="1" latinLnBrk="0" hangingPunct="1">
-              <a:lnSpc>
-                <a:spcPct val="90000"/>
-              </a:lnSpc>
-              <a:spcBef>
-                <a:spcPts val="500"/>
-              </a:spcBef>
-              <a:buFont typeface="Arial" panose="020B0604020202020204" pitchFamily="34" charset="0"/>
-              <a:buChar char="•"/>
-              <a:defRPr sz="1800" kern="1200">
-                <a:solidFill>
-                  <a:schemeClr val="tx1"/>
-                </a:solidFill>
-                <a:latin typeface="+mn-lt"/>
-                <a:ea typeface="+mn-ea"/>
-                <a:cs typeface="+mn-cs"/>
-              </a:defRPr>
-            </a:lvl4pPr>
-            <a:lvl5pPr marL="2057400" indent="-228600" algn="l" defTabSz="914400" rtl="0" eaLnBrk="1" latinLnBrk="0" hangingPunct="1">
-              <a:lnSpc>
-                <a:spcPct val="90000"/>
-              </a:lnSpc>
-              <a:spcBef>
-                <a:spcPts val="500"/>
-              </a:spcBef>
-              <a:buFont typeface="Arial" panose="020B0604020202020204" pitchFamily="34" charset="0"/>
-              <a:buChar char="•"/>
-              <a:defRPr sz="1800" kern="1200">
-                <a:solidFill>
-                  <a:schemeClr val="tx1"/>
-                </a:solidFill>
-                <a:latin typeface="+mn-lt"/>
-                <a:ea typeface="+mn-ea"/>
-                <a:cs typeface="+mn-cs"/>
-              </a:defRPr>
-            </a:lvl5pPr>
-            <a:lvl6pPr marL="2514600" indent="-228600" algn="l" defTabSz="914400" rtl="0" eaLnBrk="1" latinLnBrk="0" hangingPunct="1">
-              <a:lnSpc>
-                <a:spcPct val="90000"/>
-              </a:lnSpc>
-              <a:spcBef>
-                <a:spcPts val="500"/>
-              </a:spcBef>
-              <a:buFont typeface="Arial" panose="020B0604020202020204" pitchFamily="34" charset="0"/>
-              <a:buChar char="•"/>
-              <a:defRPr sz="1800" kern="1200">
-                <a:solidFill>
-                  <a:schemeClr val="tx1"/>
-                </a:solidFill>
-                <a:latin typeface="+mn-lt"/>
-                <a:ea typeface="+mn-ea"/>
-                <a:cs typeface="+mn-cs"/>
-              </a:defRPr>
-            </a:lvl6pPr>
-            <a:lvl7pPr marL="2971800" indent="-228600" algn="l" defTabSz="914400" rtl="0" eaLnBrk="1" latinLnBrk="0" hangingPunct="1">
-              <a:lnSpc>
-                <a:spcPct val="90000"/>
-              </a:lnSpc>
-              <a:spcBef>
-                <a:spcPts val="500"/>
-              </a:spcBef>
-              <a:buFont typeface="Arial" panose="020B0604020202020204" pitchFamily="34" charset="0"/>
-              <a:buChar char="•"/>
-              <a:defRPr sz="1800" kern="1200">
-                <a:solidFill>
-                  <a:schemeClr val="tx1"/>
-                </a:solidFill>
-                <a:latin typeface="+mn-lt"/>
-                <a:ea typeface="+mn-ea"/>
-                <a:cs typeface="+mn-cs"/>
-              </a:defRPr>
-            </a:lvl7pPr>
-            <a:lvl8pPr marL="3429000" indent="-228600" algn="l" defTabSz="914400" rtl="0" eaLnBrk="1" latinLnBrk="0" hangingPunct="1">
-              <a:lnSpc>
-                <a:spcPct val="90000"/>
-              </a:lnSpc>
-              <a:spcBef>
-                <a:spcPts val="500"/>
-              </a:spcBef>
-              <a:buFont typeface="Arial" panose="020B0604020202020204" pitchFamily="34" charset="0"/>
-              <a:buChar char="•"/>
-              <a:defRPr sz="1800" kern="1200">
-                <a:solidFill>
-                  <a:schemeClr val="tx1"/>
-                </a:solidFill>
-                <a:latin typeface="+mn-lt"/>
-                <a:ea typeface="+mn-ea"/>
-                <a:cs typeface="+mn-cs"/>
-              </a:defRPr>
-            </a:lvl8pPr>
-            <a:lvl9pPr marL="3886200" indent="-228600" algn="l" defTabSz="914400" rtl="0" eaLnBrk="1" latinLnBrk="0" hangingPunct="1">
-              <a:lnSpc>
-                <a:spcPct val="90000"/>
-              </a:lnSpc>
-              <a:spcBef>
-                <a:spcPts val="500"/>
-              </a:spcBef>
-              <a:buFont typeface="Arial" panose="020B0604020202020204" pitchFamily="34" charset="0"/>
-              <a:buChar char="•"/>
-              <a:defRPr sz="1800" kern="1200">
-                <a:solidFill>
-                  <a:schemeClr val="tx1"/>
-                </a:solidFill>
-                <a:latin typeface="+mn-lt"/>
-                <a:ea typeface="+mn-ea"/>
-                <a:cs typeface="+mn-cs"/>
-              </a:defRPr>
-            </a:lvl9pPr>
-          </a:lstStyle>
-          <a:p>
-            <a:pPr>
-              <a:buFont typeface="Wingdings" panose="05000000000000000000" pitchFamily="2" charset="2"/>
-              <a:buChar char="Ø"/>
-            </a:pPr>
-            <a:r>
-              <a:rPr lang="en-US" dirty="0">
-                <a:latin typeface="+mj-lt"/>
-              </a:rPr>
-              <a:t> </a:t>
-            </a:r>
-            <a:r>
-              <a:rPr lang="en-US" sz="2400" dirty="0">
-                <a:latin typeface="+mj-lt"/>
-              </a:rPr>
-              <a:t>Neural networks are built two ways</a:t>
-            </a:r>
-          </a:p>
-          <a:p>
-            <a:pPr lvl="1">
-              <a:buFont typeface="Courier New" panose="02070309020205020404" pitchFamily="49" charset="0"/>
-              <a:buChar char="o"/>
-            </a:pPr>
-            <a:r>
-              <a:rPr lang="en-US" sz="2000" dirty="0">
-                <a:latin typeface="+mj-lt"/>
-              </a:rPr>
-              <a:t>Feedforward</a:t>
-            </a:r>
-          </a:p>
-          <a:p>
-            <a:pPr lvl="1">
-              <a:buFont typeface="Courier New" panose="02070309020205020404" pitchFamily="49" charset="0"/>
-              <a:buChar char="o"/>
-            </a:pPr>
-            <a:r>
-              <a:rPr lang="en-US" sz="2000" dirty="0">
-                <a:latin typeface="+mj-lt"/>
-              </a:rPr>
-              <a:t>Feedback</a:t>
-            </a:r>
-          </a:p>
-          <a:p>
-            <a:pPr>
-              <a:buFont typeface="Wingdings" panose="05000000000000000000" pitchFamily="2" charset="2"/>
-              <a:buChar char="Ø"/>
-            </a:pPr>
-            <a:endParaRPr lang="en-US" sz="2400" dirty="0">
-              <a:latin typeface="+mj-lt"/>
-            </a:endParaRPr>
-          </a:p>
-          <a:p>
-            <a:pPr>
-              <a:buFont typeface="Wingdings" panose="05000000000000000000" pitchFamily="2" charset="2"/>
-              <a:buChar char="Ø"/>
-            </a:pPr>
-            <a:endParaRPr lang="en-US" sz="2400" dirty="0">
-              <a:solidFill>
-                <a:srgbClr val="6666FF"/>
-              </a:solidFill>
-              <a:latin typeface="+mj-lt"/>
-            </a:endParaRPr>
-          </a:p>
-        </p:txBody>
-      </p:sp>
-      <p:sp>
-        <p:nvSpPr>
-          <p:cNvPr id="9" name="Content Placeholder 7">
-            <a:extLst>
-              <a:ext uri="{FF2B5EF4-FFF2-40B4-BE49-F238E27FC236}">
-                <a16:creationId xmlns:a16="http://schemas.microsoft.com/office/drawing/2014/main" id="{9FF9D588-9164-4E73-AF79-E86E0B49B31D}"/>
-              </a:ext>
-            </a:extLst>
-          </p:cNvPr>
-          <p:cNvSpPr txBox="1">
-            <a:spLocks/>
-          </p:cNvSpPr>
-          <p:nvPr/>
-        </p:nvSpPr>
-        <p:spPr>
-          <a:xfrm>
-            <a:off x="6096000" y="1825626"/>
-            <a:ext cx="6096001" cy="697138"/>
-          </a:xfrm>
-          <a:prstGeom prst="rect">
-            <a:avLst/>
-          </a:prstGeom>
-        </p:spPr>
-        <p:txBody>
-          <a:bodyPr vert="horz" lIns="91440" tIns="45720" rIns="91440" bIns="45720" rtlCol="0">
-            <a:normAutofit/>
-          </a:bodyPr>
-          <a:lstStyle>
-            <a:lvl1pPr marL="228600" indent="-228600" algn="l" defTabSz="914400" rtl="0" eaLnBrk="1" latinLnBrk="0" hangingPunct="1">
-              <a:lnSpc>
-                <a:spcPct val="90000"/>
-              </a:lnSpc>
-              <a:spcBef>
-                <a:spcPts val="1000"/>
-              </a:spcBef>
-              <a:buFont typeface="Arial" panose="020B0604020202020204" pitchFamily="34" charset="0"/>
-              <a:buChar char="•"/>
-              <a:defRPr sz="2800" kern="1200">
-                <a:solidFill>
-                  <a:schemeClr val="tx1"/>
-                </a:solidFill>
-                <a:latin typeface="+mn-lt"/>
-                <a:ea typeface="+mn-ea"/>
-                <a:cs typeface="+mn-cs"/>
-              </a:defRPr>
-            </a:lvl1pPr>
-            <a:lvl2pPr marL="685800" indent="-228600" algn="l" defTabSz="914400" rtl="0" eaLnBrk="1" latinLnBrk="0" hangingPunct="1">
-              <a:lnSpc>
-                <a:spcPct val="90000"/>
-              </a:lnSpc>
-              <a:spcBef>
-                <a:spcPts val="500"/>
-              </a:spcBef>
-              <a:buFont typeface="Arial" panose="020B0604020202020204" pitchFamily="34" charset="0"/>
-              <a:buChar char="•"/>
-              <a:defRPr sz="2400" kern="1200">
-                <a:solidFill>
-                  <a:schemeClr val="tx1"/>
-                </a:solidFill>
-                <a:latin typeface="+mn-lt"/>
-                <a:ea typeface="+mn-ea"/>
-                <a:cs typeface="+mn-cs"/>
-              </a:defRPr>
-            </a:lvl2pPr>
-            <a:lvl3pPr marL="1143000" indent="-228600" algn="l" defTabSz="914400" rtl="0" eaLnBrk="1" latinLnBrk="0" hangingPunct="1">
-              <a:lnSpc>
-                <a:spcPct val="90000"/>
-              </a:lnSpc>
-              <a:spcBef>
-                <a:spcPts val="500"/>
-              </a:spcBef>
-              <a:buFont typeface="Arial" panose="020B0604020202020204" pitchFamily="34" charset="0"/>
-              <a:buChar char="•"/>
-              <a:defRPr sz="2000" kern="1200">
-                <a:solidFill>
-                  <a:schemeClr val="tx1"/>
-                </a:solidFill>
-                <a:latin typeface="+mn-lt"/>
-                <a:ea typeface="+mn-ea"/>
-                <a:cs typeface="+mn-cs"/>
-              </a:defRPr>
-            </a:lvl3pPr>
-            <a:lvl4pPr marL="1600200" indent="-228600" algn="l" defTabSz="914400" rtl="0" eaLnBrk="1" latinLnBrk="0" hangingPunct="1">
-              <a:lnSpc>
-                <a:spcPct val="90000"/>
-              </a:lnSpc>
-              <a:spcBef>
-                <a:spcPts val="500"/>
-              </a:spcBef>
-              <a:buFont typeface="Arial" panose="020B0604020202020204" pitchFamily="34" charset="0"/>
-              <a:buChar char="•"/>
-              <a:defRPr sz="1800" kern="1200">
-                <a:solidFill>
-                  <a:schemeClr val="tx1"/>
-                </a:solidFill>
-                <a:latin typeface="+mn-lt"/>
-                <a:ea typeface="+mn-ea"/>
-                <a:cs typeface="+mn-cs"/>
-              </a:defRPr>
-            </a:lvl4pPr>
-            <a:lvl5pPr marL="2057400" indent="-228600" algn="l" defTabSz="914400" rtl="0" eaLnBrk="1" latinLnBrk="0" hangingPunct="1">
-              <a:lnSpc>
-                <a:spcPct val="90000"/>
-              </a:lnSpc>
-              <a:spcBef>
-                <a:spcPts val="500"/>
-              </a:spcBef>
-              <a:buFont typeface="Arial" panose="020B0604020202020204" pitchFamily="34" charset="0"/>
-              <a:buChar char="•"/>
-              <a:defRPr sz="1800" kern="1200">
-                <a:solidFill>
-                  <a:schemeClr val="tx1"/>
-                </a:solidFill>
-                <a:latin typeface="+mn-lt"/>
-                <a:ea typeface="+mn-ea"/>
-                <a:cs typeface="+mn-cs"/>
-              </a:defRPr>
-            </a:lvl5pPr>
-            <a:lvl6pPr marL="2514600" indent="-228600" algn="l" defTabSz="914400" rtl="0" eaLnBrk="1" latinLnBrk="0" hangingPunct="1">
-              <a:lnSpc>
-                <a:spcPct val="90000"/>
-              </a:lnSpc>
-              <a:spcBef>
-                <a:spcPts val="500"/>
-              </a:spcBef>
-              <a:buFont typeface="Arial" panose="020B0604020202020204" pitchFamily="34" charset="0"/>
-              <a:buChar char="•"/>
-              <a:defRPr sz="1800" kern="1200">
-                <a:solidFill>
-                  <a:schemeClr val="tx1"/>
-                </a:solidFill>
-                <a:latin typeface="+mn-lt"/>
-                <a:ea typeface="+mn-ea"/>
-                <a:cs typeface="+mn-cs"/>
-              </a:defRPr>
-            </a:lvl6pPr>
-            <a:lvl7pPr marL="2971800" indent="-228600" algn="l" defTabSz="914400" rtl="0" eaLnBrk="1" latinLnBrk="0" hangingPunct="1">
-              <a:lnSpc>
-                <a:spcPct val="90000"/>
-              </a:lnSpc>
-              <a:spcBef>
-                <a:spcPts val="500"/>
-              </a:spcBef>
-              <a:buFont typeface="Arial" panose="020B0604020202020204" pitchFamily="34" charset="0"/>
-              <a:buChar char="•"/>
-              <a:defRPr sz="1800" kern="1200">
-                <a:solidFill>
-                  <a:schemeClr val="tx1"/>
-                </a:solidFill>
-                <a:latin typeface="+mn-lt"/>
-                <a:ea typeface="+mn-ea"/>
-                <a:cs typeface="+mn-cs"/>
-              </a:defRPr>
-            </a:lvl7pPr>
-            <a:lvl8pPr marL="3429000" indent="-228600" algn="l" defTabSz="914400" rtl="0" eaLnBrk="1" latinLnBrk="0" hangingPunct="1">
-              <a:lnSpc>
-                <a:spcPct val="90000"/>
-              </a:lnSpc>
-              <a:spcBef>
-                <a:spcPts val="500"/>
-              </a:spcBef>
-              <a:buFont typeface="Arial" panose="020B0604020202020204" pitchFamily="34" charset="0"/>
-              <a:buChar char="•"/>
-              <a:defRPr sz="1800" kern="1200">
-                <a:solidFill>
-                  <a:schemeClr val="tx1"/>
-                </a:solidFill>
-                <a:latin typeface="+mn-lt"/>
-                <a:ea typeface="+mn-ea"/>
-                <a:cs typeface="+mn-cs"/>
-              </a:defRPr>
-            </a:lvl8pPr>
-            <a:lvl9pPr marL="3886200" indent="-228600" algn="l" defTabSz="914400" rtl="0" eaLnBrk="1" latinLnBrk="0" hangingPunct="1">
-              <a:lnSpc>
-                <a:spcPct val="90000"/>
-              </a:lnSpc>
-              <a:spcBef>
-                <a:spcPts val="500"/>
-              </a:spcBef>
-              <a:buFont typeface="Arial" panose="020B0604020202020204" pitchFamily="34" charset="0"/>
-              <a:buChar char="•"/>
-              <a:defRPr sz="1800" kern="1200">
-                <a:solidFill>
-                  <a:schemeClr val="tx1"/>
-                </a:solidFill>
-                <a:latin typeface="+mn-lt"/>
-                <a:ea typeface="+mn-ea"/>
-                <a:cs typeface="+mn-cs"/>
-              </a:defRPr>
-            </a:lvl9pPr>
-          </a:lstStyle>
-          <a:p>
-            <a:pPr>
-              <a:buFont typeface="Wingdings" panose="05000000000000000000" pitchFamily="2" charset="2"/>
-              <a:buChar char="Ø"/>
-            </a:pPr>
-            <a:r>
-              <a:rPr lang="en-US" dirty="0">
-                <a:latin typeface="+mj-lt"/>
-              </a:rPr>
-              <a:t> </a:t>
-            </a:r>
-            <a:r>
-              <a:rPr lang="en-US" sz="2400" dirty="0">
-                <a:latin typeface="+mj-lt"/>
-              </a:rPr>
-              <a:t>Neural networks are either fixed or adaptive</a:t>
-            </a:r>
-          </a:p>
-        </p:txBody>
-      </p:sp>
-      <p:sp>
-        <p:nvSpPr>
-          <p:cNvPr id="10" name="Content Placeholder 7">
-            <a:extLst>
-              <a:ext uri="{FF2B5EF4-FFF2-40B4-BE49-F238E27FC236}">
-                <a16:creationId xmlns:a16="http://schemas.microsoft.com/office/drawing/2014/main" id="{8196900F-A39E-4D31-9C6F-BA4CEA9FB170}"/>
-              </a:ext>
-            </a:extLst>
-          </p:cNvPr>
-          <p:cNvSpPr txBox="1">
-            <a:spLocks/>
-          </p:cNvSpPr>
-          <p:nvPr/>
-        </p:nvSpPr>
-        <p:spPr>
-          <a:xfrm>
-            <a:off x="6096000" y="2623003"/>
-            <a:ext cx="6096000" cy="1973490"/>
-          </a:xfrm>
-          <a:prstGeom prst="rect">
-            <a:avLst/>
-          </a:prstGeom>
-        </p:spPr>
-        <p:txBody>
-          <a:bodyPr vert="horz" lIns="91440" tIns="45720" rIns="91440" bIns="45720" rtlCol="0">
-            <a:normAutofit/>
-          </a:bodyPr>
-          <a:lstStyle>
-            <a:lvl1pPr marL="228600" indent="-228600" algn="l" defTabSz="914400" rtl="0" eaLnBrk="1" latinLnBrk="0" hangingPunct="1">
-              <a:lnSpc>
-                <a:spcPct val="90000"/>
-              </a:lnSpc>
-              <a:spcBef>
-                <a:spcPts val="1000"/>
-              </a:spcBef>
-              <a:buFont typeface="Arial" panose="020B0604020202020204" pitchFamily="34" charset="0"/>
-              <a:buChar char="•"/>
-              <a:defRPr sz="2800" kern="1200">
-                <a:solidFill>
-                  <a:schemeClr val="tx1"/>
-                </a:solidFill>
-                <a:latin typeface="+mn-lt"/>
-                <a:ea typeface="+mn-ea"/>
-                <a:cs typeface="+mn-cs"/>
-              </a:defRPr>
-            </a:lvl1pPr>
-            <a:lvl2pPr marL="685800" indent="-228600" algn="l" defTabSz="914400" rtl="0" eaLnBrk="1" latinLnBrk="0" hangingPunct="1">
-              <a:lnSpc>
-                <a:spcPct val="90000"/>
-              </a:lnSpc>
-              <a:spcBef>
-                <a:spcPts val="500"/>
-              </a:spcBef>
-              <a:buFont typeface="Arial" panose="020B0604020202020204" pitchFamily="34" charset="0"/>
-              <a:buChar char="•"/>
-              <a:defRPr sz="2400" kern="1200">
-                <a:solidFill>
-                  <a:schemeClr val="tx1"/>
-                </a:solidFill>
-                <a:latin typeface="+mn-lt"/>
-                <a:ea typeface="+mn-ea"/>
-                <a:cs typeface="+mn-cs"/>
-              </a:defRPr>
-            </a:lvl2pPr>
-            <a:lvl3pPr marL="1143000" indent="-228600" algn="l" defTabSz="914400" rtl="0" eaLnBrk="1" latinLnBrk="0" hangingPunct="1">
-              <a:lnSpc>
-                <a:spcPct val="90000"/>
-              </a:lnSpc>
-              <a:spcBef>
-                <a:spcPts val="500"/>
-              </a:spcBef>
-              <a:buFont typeface="Arial" panose="020B0604020202020204" pitchFamily="34" charset="0"/>
-              <a:buChar char="•"/>
-              <a:defRPr sz="2000" kern="1200">
-                <a:solidFill>
-                  <a:schemeClr val="tx1"/>
-                </a:solidFill>
-                <a:latin typeface="+mn-lt"/>
-                <a:ea typeface="+mn-ea"/>
-                <a:cs typeface="+mn-cs"/>
-              </a:defRPr>
-            </a:lvl3pPr>
-            <a:lvl4pPr marL="1600200" indent="-228600" algn="l" defTabSz="914400" rtl="0" eaLnBrk="1" latinLnBrk="0" hangingPunct="1">
-              <a:lnSpc>
-                <a:spcPct val="90000"/>
-              </a:lnSpc>
-              <a:spcBef>
-                <a:spcPts val="500"/>
-              </a:spcBef>
-              <a:buFont typeface="Arial" panose="020B0604020202020204" pitchFamily="34" charset="0"/>
-              <a:buChar char="•"/>
-              <a:defRPr sz="1800" kern="1200">
-                <a:solidFill>
-                  <a:schemeClr val="tx1"/>
-                </a:solidFill>
-                <a:latin typeface="+mn-lt"/>
-                <a:ea typeface="+mn-ea"/>
-                <a:cs typeface="+mn-cs"/>
-              </a:defRPr>
-            </a:lvl4pPr>
-            <a:lvl5pPr marL="2057400" indent="-228600" algn="l" defTabSz="914400" rtl="0" eaLnBrk="1" latinLnBrk="0" hangingPunct="1">
-              <a:lnSpc>
-                <a:spcPct val="90000"/>
-              </a:lnSpc>
-              <a:spcBef>
-                <a:spcPts val="500"/>
-              </a:spcBef>
-              <a:buFont typeface="Arial" panose="020B0604020202020204" pitchFamily="34" charset="0"/>
-              <a:buChar char="•"/>
-              <a:defRPr sz="1800" kern="1200">
-                <a:solidFill>
-                  <a:schemeClr val="tx1"/>
-                </a:solidFill>
-                <a:latin typeface="+mn-lt"/>
-                <a:ea typeface="+mn-ea"/>
-                <a:cs typeface="+mn-cs"/>
-              </a:defRPr>
-            </a:lvl5pPr>
-            <a:lvl6pPr marL="2514600" indent="-228600" algn="l" defTabSz="914400" rtl="0" eaLnBrk="1" latinLnBrk="0" hangingPunct="1">
-              <a:lnSpc>
-                <a:spcPct val="90000"/>
-              </a:lnSpc>
-              <a:spcBef>
-                <a:spcPts val="500"/>
-              </a:spcBef>
-              <a:buFont typeface="Arial" panose="020B0604020202020204" pitchFamily="34" charset="0"/>
-              <a:buChar char="•"/>
-              <a:defRPr sz="1800" kern="1200">
-                <a:solidFill>
-                  <a:schemeClr val="tx1"/>
-                </a:solidFill>
-                <a:latin typeface="+mn-lt"/>
-                <a:ea typeface="+mn-ea"/>
-                <a:cs typeface="+mn-cs"/>
-              </a:defRPr>
-            </a:lvl6pPr>
-            <a:lvl7pPr marL="2971800" indent="-228600" algn="l" defTabSz="914400" rtl="0" eaLnBrk="1" latinLnBrk="0" hangingPunct="1">
-              <a:lnSpc>
-                <a:spcPct val="90000"/>
-              </a:lnSpc>
-              <a:spcBef>
-                <a:spcPts val="500"/>
-              </a:spcBef>
-              <a:buFont typeface="Arial" panose="020B0604020202020204" pitchFamily="34" charset="0"/>
-              <a:buChar char="•"/>
-              <a:defRPr sz="1800" kern="1200">
-                <a:solidFill>
-                  <a:schemeClr val="tx1"/>
-                </a:solidFill>
-                <a:latin typeface="+mn-lt"/>
-                <a:ea typeface="+mn-ea"/>
-                <a:cs typeface="+mn-cs"/>
-              </a:defRPr>
-            </a:lvl7pPr>
-            <a:lvl8pPr marL="3429000" indent="-228600" algn="l" defTabSz="914400" rtl="0" eaLnBrk="1" latinLnBrk="0" hangingPunct="1">
-              <a:lnSpc>
-                <a:spcPct val="90000"/>
-              </a:lnSpc>
-              <a:spcBef>
-                <a:spcPts val="500"/>
-              </a:spcBef>
-              <a:buFont typeface="Arial" panose="020B0604020202020204" pitchFamily="34" charset="0"/>
-              <a:buChar char="•"/>
-              <a:defRPr sz="1800" kern="1200">
-                <a:solidFill>
-                  <a:schemeClr val="tx1"/>
-                </a:solidFill>
-                <a:latin typeface="+mn-lt"/>
-                <a:ea typeface="+mn-ea"/>
-                <a:cs typeface="+mn-cs"/>
-              </a:defRPr>
-            </a:lvl8pPr>
-            <a:lvl9pPr marL="3886200" indent="-228600" algn="l" defTabSz="914400" rtl="0" eaLnBrk="1" latinLnBrk="0" hangingPunct="1">
-              <a:lnSpc>
-                <a:spcPct val="90000"/>
-              </a:lnSpc>
-              <a:spcBef>
-                <a:spcPts val="500"/>
-              </a:spcBef>
-              <a:buFont typeface="Arial" panose="020B0604020202020204" pitchFamily="34" charset="0"/>
-              <a:buChar char="•"/>
-              <a:defRPr sz="1800" kern="1200">
-                <a:solidFill>
-                  <a:schemeClr val="tx1"/>
-                </a:solidFill>
-                <a:latin typeface="+mn-lt"/>
-                <a:ea typeface="+mn-ea"/>
-                <a:cs typeface="+mn-cs"/>
-              </a:defRPr>
-            </a:lvl9pPr>
-          </a:lstStyle>
-          <a:p>
-            <a:pPr>
-              <a:buFont typeface="Wingdings" panose="05000000000000000000" pitchFamily="2" charset="2"/>
-              <a:buChar char="Ø"/>
-            </a:pPr>
-            <a:r>
-              <a:rPr lang="en-US" dirty="0">
-                <a:latin typeface="+mj-lt"/>
-              </a:rPr>
-              <a:t> </a:t>
-            </a:r>
-            <a:r>
-              <a:rPr lang="en-US" sz="2400" dirty="0">
-                <a:latin typeface="+mj-lt"/>
-              </a:rPr>
-              <a:t>Neural networks use three types of datasets</a:t>
-            </a:r>
-          </a:p>
-          <a:p>
-            <a:pPr lvl="1">
-              <a:buFont typeface="Courier New" panose="02070309020205020404" pitchFamily="49" charset="0"/>
-              <a:buChar char="o"/>
-            </a:pPr>
-            <a:r>
-              <a:rPr lang="en-US" sz="2000" dirty="0">
-                <a:latin typeface="+mj-lt"/>
-              </a:rPr>
-              <a:t>Training</a:t>
-            </a:r>
-          </a:p>
-          <a:p>
-            <a:pPr lvl="1">
-              <a:buFont typeface="Courier New" panose="02070309020205020404" pitchFamily="49" charset="0"/>
-              <a:buChar char="o"/>
-            </a:pPr>
-            <a:r>
-              <a:rPr lang="en-US" sz="2000" dirty="0">
-                <a:latin typeface="+mj-lt"/>
-              </a:rPr>
-              <a:t>Validation</a:t>
-            </a:r>
-          </a:p>
-          <a:p>
-            <a:pPr lvl="1">
-              <a:buFont typeface="Courier New" panose="02070309020205020404" pitchFamily="49" charset="0"/>
-              <a:buChar char="o"/>
-            </a:pPr>
-            <a:r>
-              <a:rPr lang="en-US" sz="2000" dirty="0">
-                <a:latin typeface="+mj-lt"/>
-              </a:rPr>
-              <a:t>Testing</a:t>
-            </a:r>
-          </a:p>
-          <a:p>
-            <a:pPr>
-              <a:buFont typeface="Wingdings" panose="05000000000000000000" pitchFamily="2" charset="2"/>
-              <a:buChar char="Ø"/>
-            </a:pPr>
-            <a:endParaRPr lang="en-US" sz="2400" dirty="0">
-              <a:solidFill>
-                <a:srgbClr val="6666FF"/>
-              </a:solidFill>
-              <a:latin typeface="+mj-lt"/>
-            </a:endParaRPr>
-          </a:p>
-        </p:txBody>
-      </p:sp>
-    </p:spTree>
-    <p:extLst>
-      <p:ext uri="{BB962C8B-B14F-4D97-AF65-F5344CB8AC3E}">
-        <p14:creationId xmlns:p14="http://schemas.microsoft.com/office/powerpoint/2010/main" val="2741619842"/>
-      </p:ext>
-    </p:extLst>
-  </p:cSld>
-  <p:clrMapOvr>
-    <a:masterClrMapping/>
-  </p:clrMapOvr>
-  <mc:AlternateContent xmlns:mc="http://schemas.openxmlformats.org/markup-compatibility/2006" xmlns:p14="http://schemas.microsoft.com/office/powerpoint/2010/main">
-    <mc:Choice Requires="p14">
-      <p:transition spd="med" p14:dur="700">
-        <p:fade/>
-      </p:transition>
-    </mc:Choice>
-    <mc:Fallback xmlns="">
-      <p:transition spd="med">
-        <p:fade/>
-      </p:transition>
-    </mc:Fallback>
-  </mc:AlternateContent>
-  <p:timing>
-    <p:tnLst>
-      <p:par>
-        <p:cTn id="1" dur="indefinite" restart="never" nodeType="tmRoot">
-          <p:childTnLst>
-            <p:seq concurrent="1" nextAc="seek">
-              <p:cTn id="2" dur="indefinite" nodeType="mainSeq">
-                <p:childTnLst>
-                  <p:par>
-                    <p:cTn id="3" fill="hold">
-                      <p:stCondLst>
-                        <p:cond delay="indefinite"/>
-                      </p:stCondLst>
-                      <p:childTnLst>
-                        <p:par>
-                          <p:cTn id="4" fill="hold">
-                            <p:stCondLst>
-                              <p:cond delay="0"/>
-                            </p:stCondLst>
-                            <p:childTnLst>
-                              <p:par>
-                                <p:cTn id="5" presetID="10" presetClass="entr" presetSubtype="0" fill="hold" grpId="0" nodeType="clickEffect">
-                                  <p:stCondLst>
-                                    <p:cond delay="0"/>
-                                  </p:stCondLst>
-                                  <p:childTnLst>
-                                    <p:set>
-                                      <p:cBhvr>
-                                        <p:cTn id="6" dur="1" fill="hold">
-                                          <p:stCondLst>
-                                            <p:cond delay="0"/>
-                                          </p:stCondLst>
-                                        </p:cTn>
-                                        <p:tgtEl>
-                                          <p:spTgt spid="8">
-                                            <p:txEl>
-                                              <p:pRg st="0" end="0"/>
-                                            </p:txEl>
-                                          </p:spTgt>
-                                        </p:tgtEl>
-                                        <p:attrNameLst>
-                                          <p:attrName>style.visibility</p:attrName>
-                                        </p:attrNameLst>
-                                      </p:cBhvr>
-                                      <p:to>
-                                        <p:strVal val="visible"/>
-                                      </p:to>
-                                    </p:set>
-                                    <p:animEffect transition="in" filter="fade">
-                                      <p:cBhvr>
-                                        <p:cTn id="7" dur="500"/>
-                                        <p:tgtEl>
-                                          <p:spTgt spid="8">
-                                            <p:txEl>
-                                              <p:pRg st="0" end="0"/>
-                                            </p:txEl>
-                                          </p:spTgt>
-                                        </p:tgtEl>
-                                      </p:cBhvr>
-                                    </p:animEffect>
-                                  </p:childTnLst>
-                                </p:cTn>
-                              </p:par>
-                            </p:childTnLst>
-                          </p:cTn>
-                        </p:par>
-                      </p:childTnLst>
-                    </p:cTn>
-                  </p:par>
-                  <p:par>
-                    <p:cTn id="8" fill="hold">
-                      <p:stCondLst>
-                        <p:cond delay="indefinite"/>
-                      </p:stCondLst>
-                      <p:childTnLst>
-                        <p:par>
-                          <p:cTn id="9" fill="hold">
-                            <p:stCondLst>
-                              <p:cond delay="0"/>
-                            </p:stCondLst>
-                            <p:childTnLst>
-                              <p:par>
-                                <p:cTn id="10" presetID="10" presetClass="entr" presetSubtype="0" fill="hold" grpId="0" nodeType="clickEffect">
-                                  <p:stCondLst>
-                                    <p:cond delay="0"/>
-                                  </p:stCondLst>
-                                  <p:childTnLst>
-                                    <p:set>
-                                      <p:cBhvr>
-                                        <p:cTn id="11" dur="1" fill="hold">
-                                          <p:stCondLst>
-                                            <p:cond delay="0"/>
-                                          </p:stCondLst>
-                                        </p:cTn>
-                                        <p:tgtEl>
-                                          <p:spTgt spid="5"/>
-                                        </p:tgtEl>
-                                        <p:attrNameLst>
-                                          <p:attrName>style.visibility</p:attrName>
-                                        </p:attrNameLst>
-                                      </p:cBhvr>
-                                      <p:to>
-                                        <p:strVal val="visible"/>
-                                      </p:to>
-                                    </p:set>
-                                    <p:animEffect transition="in" filter="fade">
-                                      <p:cBhvr>
-                                        <p:cTn id="12" dur="500"/>
-                                        <p:tgtEl>
-                                          <p:spTgt spid="5"/>
-                                        </p:tgtEl>
-                                      </p:cBhvr>
-                                    </p:animEffect>
-                                  </p:childTnLst>
-                                </p:cTn>
-                              </p:par>
-                            </p:childTnLst>
-                          </p:cTn>
-                        </p:par>
-                      </p:childTnLst>
-                    </p:cTn>
-                  </p:par>
-                  <p:par>
-                    <p:cTn id="13" fill="hold">
-                      <p:stCondLst>
-                        <p:cond delay="indefinite"/>
-                      </p:stCondLst>
-                      <p:childTnLst>
-                        <p:par>
-                          <p:cTn id="14" fill="hold">
-                            <p:stCondLst>
-                              <p:cond delay="0"/>
-                            </p:stCondLst>
-                            <p:childTnLst>
-                              <p:par>
-                                <p:cTn id="15" presetID="10" presetClass="entr" presetSubtype="0" fill="hold" grpId="0" nodeType="clickEffect">
-                                  <p:stCondLst>
-                                    <p:cond delay="0"/>
-                                  </p:stCondLst>
-                                  <p:childTnLst>
-                                    <p:set>
-                                      <p:cBhvr>
-                                        <p:cTn id="16" dur="1" fill="hold">
-                                          <p:stCondLst>
-                                            <p:cond delay="0"/>
-                                          </p:stCondLst>
-                                        </p:cTn>
-                                        <p:tgtEl>
-                                          <p:spTgt spid="7"/>
-                                        </p:tgtEl>
-                                        <p:attrNameLst>
-                                          <p:attrName>style.visibility</p:attrName>
-                                        </p:attrNameLst>
-                                      </p:cBhvr>
-                                      <p:to>
-                                        <p:strVal val="visible"/>
-                                      </p:to>
-                                    </p:set>
-                                    <p:animEffect transition="in" filter="fade">
-                                      <p:cBhvr>
-                                        <p:cTn id="17" dur="500"/>
-                                        <p:tgtEl>
-                                          <p:spTgt spid="7"/>
-                                        </p:tgtEl>
-                                      </p:cBhvr>
-                                    </p:animEffect>
-                                  </p:childTnLst>
-                                </p:cTn>
-                              </p:par>
-                            </p:childTnLst>
-                          </p:cTn>
-                        </p:par>
-                      </p:childTnLst>
-                    </p:cTn>
-                  </p:par>
-                  <p:par>
-                    <p:cTn id="18" fill="hold">
-                      <p:stCondLst>
-                        <p:cond delay="indefinite"/>
-                      </p:stCondLst>
-                      <p:childTnLst>
-                        <p:par>
-                          <p:cTn id="19" fill="hold">
-                            <p:stCondLst>
-                              <p:cond delay="0"/>
-                            </p:stCondLst>
-                            <p:childTnLst>
-                              <p:par>
-                                <p:cTn id="20" presetID="10" presetClass="entr" presetSubtype="0" fill="hold" grpId="0" nodeType="clickEffect">
-                                  <p:stCondLst>
-                                    <p:cond delay="0"/>
-                                  </p:stCondLst>
-                                  <p:childTnLst>
-                                    <p:set>
-                                      <p:cBhvr>
-                                        <p:cTn id="21" dur="1" fill="hold">
-                                          <p:stCondLst>
-                                            <p:cond delay="0"/>
-                                          </p:stCondLst>
-                                        </p:cTn>
-                                        <p:tgtEl>
-                                          <p:spTgt spid="9"/>
-                                        </p:tgtEl>
-                                        <p:attrNameLst>
-                                          <p:attrName>style.visibility</p:attrName>
-                                        </p:attrNameLst>
-                                      </p:cBhvr>
-                                      <p:to>
-                                        <p:strVal val="visible"/>
-                                      </p:to>
-                                    </p:set>
-                                    <p:animEffect transition="in" filter="fade">
-                                      <p:cBhvr>
-                                        <p:cTn id="22" dur="500"/>
-                                        <p:tgtEl>
-                                          <p:spTgt spid="9"/>
-                                        </p:tgtEl>
-                                      </p:cBhvr>
-                                    </p:animEffect>
-                                  </p:childTnLst>
-                                </p:cTn>
-                              </p:par>
-                            </p:childTnLst>
-                          </p:cTn>
-                        </p:par>
-                      </p:childTnLst>
-                    </p:cTn>
-                  </p:par>
-                  <p:par>
-                    <p:cTn id="23" fill="hold">
-                      <p:stCondLst>
-                        <p:cond delay="indefinite"/>
-                      </p:stCondLst>
-                      <p:childTnLst>
-                        <p:par>
-                          <p:cTn id="24" fill="hold">
-                            <p:stCondLst>
-                              <p:cond delay="0"/>
-                            </p:stCondLst>
-                            <p:childTnLst>
-                              <p:par>
-                                <p:cTn id="25" presetID="10" presetClass="entr" presetSubtype="0" fill="hold" grpId="0" nodeType="clickEffect">
-                                  <p:stCondLst>
-                                    <p:cond delay="0"/>
-                                  </p:stCondLst>
-                                  <p:childTnLst>
-                                    <p:set>
-                                      <p:cBhvr>
-                                        <p:cTn id="26" dur="1" fill="hold">
-                                          <p:stCondLst>
-                                            <p:cond delay="0"/>
-                                          </p:stCondLst>
-                                        </p:cTn>
-                                        <p:tgtEl>
-                                          <p:spTgt spid="10"/>
-                                        </p:tgtEl>
-                                        <p:attrNameLst>
-                                          <p:attrName>style.visibility</p:attrName>
-                                        </p:attrNameLst>
-                                      </p:cBhvr>
-                                      <p:to>
-                                        <p:strVal val="visible"/>
-                                      </p:to>
-                                    </p:set>
-                                    <p:animEffect transition="in" filter="fade">
-                                      <p:cBhvr>
-                                        <p:cTn id="27" dur="500"/>
-                                        <p:tgtEl>
-                                          <p:spTgt spid="10"/>
-                                        </p:tgtEl>
-                                      </p:cBhvr>
-                                    </p:animEffect>
-                                  </p:childTnLst>
-                                </p:cTn>
-                              </p:par>
-                            </p:childTnLst>
-                          </p:cTn>
-                        </p:par>
-                      </p:childTnLst>
-                    </p:cTn>
-                  </p:par>
-                </p:childTnLst>
-              </p:cTn>
-              <p:prevCondLst>
-                <p:cond evt="onPrev" delay="0">
-                  <p:tgtEl>
-                    <p:sldTgt/>
-                  </p:tgtEl>
-                </p:cond>
-              </p:prevCondLst>
-              <p:nextCondLst>
-                <p:cond evt="onNext" delay="0">
-                  <p:tgtEl>
-                    <p:sldTgt/>
-                  </p:tgtEl>
-                </p:cond>
-              </p:nextCondLst>
-            </p:seq>
-          </p:childTnLst>
-        </p:cTn>
-      </p:par>
-    </p:tnLst>
-    <p:bldLst>
-      <p:bldP spid="8" grpId="0" build="p"/>
-      <p:bldP spid="5" grpId="0"/>
-      <p:bldP spid="7" grpId="0"/>
-      <p:bldP spid="9" grpId="0"/>
-      <p:bldP spid="10" grpId="0"/>
-    </p:bldLst>
-  </p:timing>
-</p:sld>
-</file>
-
-<file path=ppt/slides/slide2.xml><?xml version="1.0" encoding="utf-8"?>
-<p:sld xmlns:a="http://schemas.openxmlformats.org/drawingml/2006/main" xmlns:r="http://schemas.openxmlformats.org/officeDocument/2006/relationships" xmlns:p="http://schemas.openxmlformats.org/presentationml/2006/main">
-  <p:cSld>
-    <p:spTree>
-      <p:nvGrpSpPr>
-        <p:cNvPr id="1" name=""/>
-        <p:cNvGrpSpPr/>
-        <p:nvPr/>
-      </p:nvGrpSpPr>
-      <p:grpSpPr>
-        <a:xfrm>
-          <a:off x="0" y="0"/>
-          <a:ext cx="0" cy="0"/>
-          <a:chOff x="0" y="0"/>
-          <a:chExt cx="0" cy="0"/>
-        </a:xfrm>
-      </p:grpSpPr>
-      <p:sp>
-        <p:nvSpPr>
-          <p:cNvPr id="3" name="TextBox 2">
-            <a:extLst>
-              <a:ext uri="{FF2B5EF4-FFF2-40B4-BE49-F238E27FC236}">
-                <a16:creationId xmlns:a16="http://schemas.microsoft.com/office/drawing/2014/main" id="{9CC8C406-77D9-4A84-8100-B8D7E3E70E49}"/>
-              </a:ext>
-            </a:extLst>
-          </p:cNvPr>
-          <p:cNvSpPr txBox="1"/>
-          <p:nvPr/>
-        </p:nvSpPr>
-        <p:spPr>
-          <a:xfrm>
-            <a:off x="0" y="6550223"/>
-            <a:ext cx="12192000" cy="307777"/>
-          </a:xfrm>
-          <a:prstGeom prst="rect">
-            <a:avLst/>
-          </a:prstGeom>
-          <a:noFill/>
-        </p:spPr>
-        <p:txBody>
-          <a:bodyPr wrap="square" rtlCol="0">
-            <a:spAutoFit/>
-          </a:bodyPr>
-          <a:lstStyle/>
-          <a:p>
-            <a:r>
-              <a:rPr lang="en-US" sz="1400" dirty="0">
-                <a:solidFill>
-                  <a:schemeClr val="tx1">
-                    <a:lumMod val="65000"/>
-                    <a:lumOff val="35000"/>
-                  </a:schemeClr>
-                </a:solidFill>
-                <a:latin typeface="+mj-lt"/>
-                <a:ea typeface="Verdana" panose="020B0604030504040204" pitchFamily="34" charset="0"/>
-              </a:rPr>
-              <a:t>Image Credit: </a:t>
-            </a:r>
-            <a:r>
-              <a:rPr lang="en-US" sz="1400" b="0" i="0" dirty="0">
-                <a:solidFill>
-                  <a:schemeClr val="tx1">
-                    <a:lumMod val="65000"/>
-                    <a:lumOff val="35000"/>
-                  </a:schemeClr>
-                </a:solidFill>
-                <a:effectLst/>
-                <a:latin typeface="+mj-lt"/>
-                <a:ea typeface="Verdana" panose="020B0604030504040204" pitchFamily="34" charset="0"/>
-              </a:rPr>
-              <a:t> </a:t>
-            </a:r>
-            <a:r>
-              <a:rPr lang="en-US" sz="1400" b="0" i="0" kern="1200" dirty="0">
-                <a:solidFill>
-                  <a:schemeClr val="tx1">
-                    <a:lumMod val="65000"/>
-                    <a:lumOff val="35000"/>
-                  </a:schemeClr>
-                </a:solidFill>
-                <a:effectLst/>
-                <a:latin typeface="+mn-lt"/>
-                <a:ea typeface="+mn-ea"/>
-                <a:cs typeface="+mn-cs"/>
-              </a:rPr>
-              <a:t>https://americanhistory.si.edu/collections/search/object/nmah_334414</a:t>
-            </a:r>
-            <a:endParaRPr lang="en-US" sz="1400" dirty="0">
-              <a:solidFill>
-                <a:schemeClr val="tx1">
-                  <a:lumMod val="65000"/>
-                  <a:lumOff val="35000"/>
-                </a:schemeClr>
-              </a:solidFill>
-              <a:latin typeface="+mj-lt"/>
-              <a:ea typeface="Verdana" panose="020B0604030504040204" pitchFamily="34" charset="0"/>
-            </a:endParaRPr>
-          </a:p>
-        </p:txBody>
-      </p:sp>
-      <p:pic>
-        <p:nvPicPr>
-          <p:cNvPr id="1026" name="Picture 2">
-            <a:extLst>
-              <a:ext uri="{FF2B5EF4-FFF2-40B4-BE49-F238E27FC236}">
-                <a16:creationId xmlns:a16="http://schemas.microsoft.com/office/drawing/2014/main" id="{7B77E1C0-02E2-445F-8DCE-C367708AA394}"/>
-              </a:ext>
-            </a:extLst>
-          </p:cNvPr>
-          <p:cNvPicPr>
-            <a:picLocks noChangeAspect="1" noChangeArrowheads="1"/>
-          </p:cNvPicPr>
-          <p:nvPr/>
-        </p:nvPicPr>
-        <p:blipFill>
-          <a:blip r:embed="rId3">
-            <a:extLst>
-              <a:ext uri="{28A0092B-C50C-407E-A947-70E740481C1C}">
-                <a14:useLocalDpi xmlns:a14="http://schemas.microsoft.com/office/drawing/2010/main" val="0"/>
-              </a:ext>
-            </a:extLst>
-          </a:blip>
-          <a:srcRect/>
-          <a:stretch>
-            <a:fillRect/>
-          </a:stretch>
-        </p:blipFill>
-        <p:spPr bwMode="auto">
-          <a:xfrm>
-            <a:off x="3115051" y="1082908"/>
-            <a:ext cx="5961897" cy="4692184"/>
-          </a:xfrm>
-          <a:prstGeom prst="rect">
-            <a:avLst/>
-          </a:prstGeom>
-          <a:noFill/>
-          <a:ln w="6350">
-            <a:solidFill>
-              <a:schemeClr val="tx1">
-                <a:lumMod val="75000"/>
-                <a:lumOff val="25000"/>
-              </a:schemeClr>
-            </a:solidFill>
-          </a:ln>
-          <a:effectLst>
-            <a:outerShdw blurRad="50800" dist="38100" dir="2700000" algn="tl" rotWithShape="0">
-              <a:prstClr val="black">
-                <a:alpha val="40000"/>
-              </a:prstClr>
-            </a:outerShdw>
-          </a:effectLst>
-          <a:extLst>
-            <a:ext uri="{909E8E84-426E-40DD-AFC4-6F175D3DCCD1}">
-              <a14:hiddenFill xmlns:a14="http://schemas.microsoft.com/office/drawing/2010/main">
-                <a:solidFill>
-                  <a:srgbClr val="FFFFFF"/>
-                </a:solidFill>
-              </a14:hiddenFill>
-            </a:ext>
-          </a:extLst>
-        </p:spPr>
-      </p:pic>
-    </p:spTree>
-    <p:extLst>
-      <p:ext uri="{BB962C8B-B14F-4D97-AF65-F5344CB8AC3E}">
-        <p14:creationId xmlns:p14="http://schemas.microsoft.com/office/powerpoint/2010/main" val="2478560572"/>
-      </p:ext>
-    </p:extLst>
-  </p:cSld>
-  <p:clrMapOvr>
-    <a:masterClrMapping/>
-  </p:clrMapOvr>
-  <mc:AlternateContent xmlns:mc="http://schemas.openxmlformats.org/markup-compatibility/2006" xmlns:p14="http://schemas.microsoft.com/office/powerpoint/2010/main">
-    <mc:Choice Requires="p14">
-      <p:transition spd="med" p14:dur="700">
-        <p:fade/>
-      </p:transition>
-    </mc:Choice>
-    <mc:Fallback xmlns="">
-      <p:transition spd="med">
-        <p:fade/>
-      </p:transition>
-    </mc:Fallback>
-  </mc:AlternateContent>
-</p:sld>
-</file>
-
-<file path=ppt/slides/slide3.xml><?xml version="1.0" encoding="utf-8"?>
-<p:sld xmlns:a="http://schemas.openxmlformats.org/drawingml/2006/main" xmlns:r="http://schemas.openxmlformats.org/officeDocument/2006/relationships" xmlns:p="http://schemas.openxmlformats.org/presentationml/2006/main">
-  <p:cSld>
-    <p:spTree>
-      <p:nvGrpSpPr>
-        <p:cNvPr id="1" name=""/>
-        <p:cNvGrpSpPr/>
-        <p:nvPr/>
-      </p:nvGrpSpPr>
-      <p:grpSpPr>
-        <a:xfrm>
-          <a:off x="0" y="0"/>
-          <a:ext cx="0" cy="0"/>
-          <a:chOff x="0" y="0"/>
-          <a:chExt cx="0" cy="0"/>
-        </a:xfrm>
-      </p:grpSpPr>
-      <p:pic>
-        <p:nvPicPr>
-          <p:cNvPr id="16" name="Picture 15">
-            <a:extLst>
-              <a:ext uri="{FF2B5EF4-FFF2-40B4-BE49-F238E27FC236}">
-                <a16:creationId xmlns:a16="http://schemas.microsoft.com/office/drawing/2014/main" id="{1C211793-AA11-42EF-96E3-54EA14B8497F}"/>
-              </a:ext>
-            </a:extLst>
-          </p:cNvPr>
-          <p:cNvPicPr>
-            <a:picLocks noChangeAspect="1"/>
-          </p:cNvPicPr>
-          <p:nvPr/>
-        </p:nvPicPr>
-        <p:blipFill>
-          <a:blip r:embed="rId3"/>
-          <a:stretch>
-            <a:fillRect/>
-          </a:stretch>
-        </p:blipFill>
-        <p:spPr>
-          <a:xfrm>
-            <a:off x="699832" y="1374177"/>
-            <a:ext cx="11039475" cy="4381500"/>
-          </a:xfrm>
-          <a:prstGeom prst="rect">
-            <a:avLst/>
-          </a:prstGeom>
-        </p:spPr>
-      </p:pic>
-      <p:sp>
-        <p:nvSpPr>
-          <p:cNvPr id="3" name="TextBox 2">
-            <a:extLst>
-              <a:ext uri="{FF2B5EF4-FFF2-40B4-BE49-F238E27FC236}">
-                <a16:creationId xmlns:a16="http://schemas.microsoft.com/office/drawing/2014/main" id="{9CC8C406-77D9-4A84-8100-B8D7E3E70E49}"/>
-              </a:ext>
-            </a:extLst>
-          </p:cNvPr>
-          <p:cNvSpPr txBox="1"/>
-          <p:nvPr/>
-        </p:nvSpPr>
-        <p:spPr>
-          <a:xfrm>
-            <a:off x="0" y="6550223"/>
-            <a:ext cx="12192000" cy="307777"/>
-          </a:xfrm>
-          <a:prstGeom prst="rect">
-            <a:avLst/>
-          </a:prstGeom>
-          <a:noFill/>
-        </p:spPr>
-        <p:txBody>
-          <a:bodyPr wrap="square" rtlCol="0">
-            <a:spAutoFit/>
-          </a:bodyPr>
-          <a:lstStyle/>
-          <a:p>
-            <a:r>
-              <a:rPr lang="en-US" sz="1400" dirty="0">
-                <a:solidFill>
-                  <a:schemeClr val="tx1">
-                    <a:lumMod val="65000"/>
-                    <a:lumOff val="35000"/>
-                  </a:schemeClr>
-                </a:solidFill>
-                <a:latin typeface="+mj-lt"/>
-                <a:ea typeface="Verdana" panose="020B0604030504040204" pitchFamily="34" charset="0"/>
-              </a:rPr>
-              <a:t>Image Credit: </a:t>
-            </a:r>
-            <a:r>
-              <a:rPr lang="en-US" sz="1400" b="0" i="0" dirty="0">
-                <a:solidFill>
-                  <a:schemeClr val="tx1">
-                    <a:lumMod val="65000"/>
-                    <a:lumOff val="35000"/>
-                  </a:schemeClr>
-                </a:solidFill>
-                <a:effectLst/>
-                <a:latin typeface="+mj-lt"/>
-                <a:ea typeface="Verdana" panose="020B0604030504040204" pitchFamily="34" charset="0"/>
-              </a:rPr>
-              <a:t> </a:t>
-            </a:r>
-            <a:r>
-              <a:rPr lang="en-US" sz="1400" b="0" i="0" kern="1200" dirty="0">
-                <a:solidFill>
-                  <a:schemeClr val="tx1">
-                    <a:lumMod val="65000"/>
-                    <a:lumOff val="35000"/>
-                  </a:schemeClr>
-                </a:solidFill>
-                <a:effectLst/>
-                <a:latin typeface="+mn-lt"/>
-                <a:ea typeface="+mn-ea"/>
-                <a:cs typeface="+mn-cs"/>
-              </a:rPr>
-              <a:t>https://ucsdnews.ucsd.edu/pressrelease/why_are_neuron_axons_long_and_spindly</a:t>
-            </a:r>
-            <a:endParaRPr lang="en-US" sz="1400" dirty="0">
-              <a:solidFill>
-                <a:schemeClr val="tx1">
-                  <a:lumMod val="65000"/>
-                  <a:lumOff val="35000"/>
-                </a:schemeClr>
-              </a:solidFill>
-              <a:latin typeface="+mj-lt"/>
-              <a:ea typeface="Verdana" panose="020B0604030504040204" pitchFamily="34" charset="0"/>
-            </a:endParaRPr>
-          </a:p>
-        </p:txBody>
-      </p:sp>
-    </p:spTree>
-    <p:extLst>
-      <p:ext uri="{BB962C8B-B14F-4D97-AF65-F5344CB8AC3E}">
-        <p14:creationId xmlns:p14="http://schemas.microsoft.com/office/powerpoint/2010/main" val="20922449"/>
-      </p:ext>
-    </p:extLst>
-  </p:cSld>
-  <p:clrMapOvr>
-    <a:masterClrMapping/>
-  </p:clrMapOvr>
-  <mc:AlternateContent xmlns:mc="http://schemas.openxmlformats.org/markup-compatibility/2006" xmlns:p14="http://schemas.microsoft.com/office/powerpoint/2010/main">
-    <mc:Choice Requires="p14">
-      <p:transition spd="med" p14:dur="700">
-        <p:fade/>
-      </p:transition>
-    </mc:Choice>
-    <mc:Fallback xmlns="">
-      <p:transition spd="med">
-        <p:fade/>
-      </p:transition>
-    </mc:Fallback>
-  </mc:AlternateContent>
-</p:sld>
-</file>
-
-<file path=ppt/slides/slide4.xml><?xml version="1.0" encoding="utf-8"?>
-<p:sld xmlns:a="http://schemas.openxmlformats.org/drawingml/2006/main" xmlns:r="http://schemas.openxmlformats.org/officeDocument/2006/relationships" xmlns:p="http://schemas.openxmlformats.org/presentationml/2006/main">
-  <p:cSld>
-    <p:spTree>
-      <p:nvGrpSpPr>
-        <p:cNvPr id="1" name=""/>
-        <p:cNvGrpSpPr/>
-        <p:nvPr/>
-      </p:nvGrpSpPr>
-      <p:grpSpPr>
-        <a:xfrm>
-          <a:off x="0" y="0"/>
-          <a:ext cx="0" cy="0"/>
-          <a:chOff x="0" y="0"/>
-          <a:chExt cx="0" cy="0"/>
-        </a:xfrm>
-      </p:grpSpPr>
-      <p:pic>
-        <p:nvPicPr>
-          <p:cNvPr id="8" name="Picture 7">
-            <a:extLst>
-              <a:ext uri="{FF2B5EF4-FFF2-40B4-BE49-F238E27FC236}">
-                <a16:creationId xmlns:a16="http://schemas.microsoft.com/office/drawing/2014/main" id="{9EDF32F1-536D-46BE-B8E0-48FB1944E3C3}"/>
-              </a:ext>
-            </a:extLst>
-          </p:cNvPr>
-          <p:cNvPicPr>
-            <a:picLocks noChangeAspect="1"/>
-          </p:cNvPicPr>
-          <p:nvPr/>
-        </p:nvPicPr>
-        <p:blipFill>
-          <a:blip r:embed="rId3"/>
-          <a:stretch>
-            <a:fillRect/>
-          </a:stretch>
-        </p:blipFill>
-        <p:spPr>
-          <a:xfrm>
-            <a:off x="744082" y="1372732"/>
-            <a:ext cx="10848975" cy="4257675"/>
-          </a:xfrm>
-          <a:prstGeom prst="rect">
-            <a:avLst/>
-          </a:prstGeom>
-        </p:spPr>
-      </p:pic>
-      <p:sp>
-        <p:nvSpPr>
-          <p:cNvPr id="3" name="TextBox 2">
-            <a:extLst>
-              <a:ext uri="{FF2B5EF4-FFF2-40B4-BE49-F238E27FC236}">
-                <a16:creationId xmlns:a16="http://schemas.microsoft.com/office/drawing/2014/main" id="{EB8807C2-3424-438C-827C-31D49092F46C}"/>
-              </a:ext>
-            </a:extLst>
-          </p:cNvPr>
-          <p:cNvSpPr txBox="1"/>
-          <p:nvPr/>
-        </p:nvSpPr>
-        <p:spPr>
-          <a:xfrm>
-            <a:off x="0" y="6550223"/>
-            <a:ext cx="12192000" cy="307777"/>
-          </a:xfrm>
-          <a:prstGeom prst="rect">
-            <a:avLst/>
-          </a:prstGeom>
-          <a:noFill/>
-        </p:spPr>
-        <p:txBody>
-          <a:bodyPr wrap="square" rtlCol="0">
-            <a:spAutoFit/>
-          </a:bodyPr>
-          <a:lstStyle/>
-          <a:p>
-            <a:r>
-              <a:rPr lang="en-US" sz="1400" dirty="0">
-                <a:solidFill>
-                  <a:schemeClr val="tx1">
-                    <a:lumMod val="65000"/>
-                    <a:lumOff val="35000"/>
-                  </a:schemeClr>
-                </a:solidFill>
-                <a:latin typeface="+mj-lt"/>
-                <a:ea typeface="Verdana" panose="020B0604030504040204" pitchFamily="34" charset="0"/>
-              </a:rPr>
-              <a:t>Image Credit: </a:t>
-            </a:r>
-            <a:r>
-              <a:rPr lang="en-US" sz="1400" b="0" i="0" dirty="0">
-                <a:solidFill>
-                  <a:schemeClr val="tx1">
-                    <a:lumMod val="65000"/>
-                    <a:lumOff val="35000"/>
-                  </a:schemeClr>
-                </a:solidFill>
-                <a:effectLst/>
-                <a:latin typeface="+mj-lt"/>
-                <a:ea typeface="Verdana" panose="020B0604030504040204" pitchFamily="34" charset="0"/>
-              </a:rPr>
-              <a:t> </a:t>
-            </a:r>
-            <a:r>
-              <a:rPr lang="en-US" sz="1400" b="0" i="0" kern="1200" dirty="0">
-                <a:solidFill>
-                  <a:schemeClr val="tx1">
-                    <a:lumMod val="65000"/>
-                    <a:lumOff val="35000"/>
-                  </a:schemeClr>
-                </a:solidFill>
-                <a:effectLst/>
-                <a:latin typeface="+mn-lt"/>
-                <a:ea typeface="+mn-ea"/>
-                <a:cs typeface="+mn-cs"/>
-              </a:rPr>
-              <a:t>https://ucsdnews.ucsd.edu/pressrelease/why_are_neuron_axons_long_and_spindly</a:t>
-            </a:r>
-            <a:endParaRPr lang="en-US" sz="1400" dirty="0">
-              <a:solidFill>
-                <a:schemeClr val="tx1">
-                  <a:lumMod val="65000"/>
-                  <a:lumOff val="35000"/>
-                </a:schemeClr>
-              </a:solidFill>
-              <a:latin typeface="+mj-lt"/>
-              <a:ea typeface="Verdana" panose="020B0604030504040204" pitchFamily="34" charset="0"/>
-            </a:endParaRPr>
-          </a:p>
-        </p:txBody>
-      </p:sp>
-    </p:spTree>
-    <p:extLst>
-      <p:ext uri="{BB962C8B-B14F-4D97-AF65-F5344CB8AC3E}">
-        <p14:creationId xmlns:p14="http://schemas.microsoft.com/office/powerpoint/2010/main" val="571104442"/>
-      </p:ext>
-    </p:extLst>
-  </p:cSld>
-  <p:clrMapOvr>
-    <a:masterClrMapping/>
-  </p:clrMapOvr>
-  <mc:AlternateContent xmlns:mc="http://schemas.openxmlformats.org/markup-compatibility/2006" xmlns:p14="http://schemas.microsoft.com/office/powerpoint/2010/main">
-    <mc:Choice Requires="p14">
-      <p:transition spd="med" p14:dur="700">
-        <p:fade/>
-      </p:transition>
-    </mc:Choice>
-    <mc:Fallback xmlns="">
-      <p:transition spd="med">
-        <p:fade/>
-      </p:transition>
-    </mc:Fallback>
-  </mc:AlternateContent>
-</p:sld>
-</file>
-
-<file path=ppt/slides/slide5.xml><?xml version="1.0" encoding="utf-8"?>
-<p:sld xmlns:a="http://schemas.openxmlformats.org/drawingml/2006/main" xmlns:r="http://schemas.openxmlformats.org/officeDocument/2006/relationships" xmlns:p="http://schemas.openxmlformats.org/presentationml/2006/main">
-  <p:cSld>
-    <p:spTree>
-      <p:nvGrpSpPr>
-        <p:cNvPr id="1" name=""/>
-        <p:cNvGrpSpPr/>
-        <p:nvPr/>
-      </p:nvGrpSpPr>
-      <p:grpSpPr>
-        <a:xfrm>
-          <a:off x="0" y="0"/>
-          <a:ext cx="0" cy="0"/>
-          <a:chOff x="0" y="0"/>
-          <a:chExt cx="0" cy="0"/>
-        </a:xfrm>
-      </p:grpSpPr>
-      <p:pic>
-        <p:nvPicPr>
-          <p:cNvPr id="4" name="Picture 3">
-            <a:extLst>
-              <a:ext uri="{FF2B5EF4-FFF2-40B4-BE49-F238E27FC236}">
-                <a16:creationId xmlns:a16="http://schemas.microsoft.com/office/drawing/2014/main" id="{0B09226A-D8A1-4986-AFCA-DD1F14A02CF2}"/>
-              </a:ext>
-            </a:extLst>
-          </p:cNvPr>
-          <p:cNvPicPr>
-            <a:picLocks noChangeAspect="1"/>
-          </p:cNvPicPr>
-          <p:nvPr/>
-        </p:nvPicPr>
-        <p:blipFill>
-          <a:blip r:embed="rId3"/>
-          <a:stretch>
-            <a:fillRect/>
-          </a:stretch>
-        </p:blipFill>
-        <p:spPr>
-          <a:xfrm>
-            <a:off x="2695575" y="890587"/>
-            <a:ext cx="6800850" cy="5076825"/>
-          </a:xfrm>
-          <a:prstGeom prst="rect">
-            <a:avLst/>
-          </a:prstGeom>
-        </p:spPr>
-      </p:pic>
-    </p:spTree>
-    <p:extLst>
-      <p:ext uri="{BB962C8B-B14F-4D97-AF65-F5344CB8AC3E}">
-        <p14:creationId xmlns:p14="http://schemas.microsoft.com/office/powerpoint/2010/main" val="2329276547"/>
-      </p:ext>
-    </p:extLst>
-  </p:cSld>
-  <p:clrMapOvr>
-    <a:masterClrMapping/>
-  </p:clrMapOvr>
-  <mc:AlternateContent xmlns:mc="http://schemas.openxmlformats.org/markup-compatibility/2006" xmlns:p14="http://schemas.microsoft.com/office/powerpoint/2010/main">
-    <mc:Choice Requires="p14">
-      <p:transition spd="med" p14:dur="700">
-        <p:fade/>
-      </p:transition>
-    </mc:Choice>
-    <mc:Fallback xmlns="">
-      <p:transition spd="med">
-        <p:fade/>
-      </p:transition>
-    </mc:Fallback>
-  </mc:AlternateContent>
-</p:sld>
-</file>
-
-<file path=ppt/slides/slide6.xml><?xml version="1.0" encoding="utf-8"?>
-<p:sld xmlns:a="http://schemas.openxmlformats.org/drawingml/2006/main" xmlns:r="http://schemas.openxmlformats.org/officeDocument/2006/relationships" xmlns:p="http://schemas.openxmlformats.org/presentationml/2006/main">
-  <p:cSld>
-    <p:spTree>
-      <p:nvGrpSpPr>
-        <p:cNvPr id="1" name=""/>
-        <p:cNvGrpSpPr/>
-        <p:nvPr/>
-      </p:nvGrpSpPr>
-      <p:grpSpPr>
-        <a:xfrm>
-          <a:off x="0" y="0"/>
-          <a:ext cx="0" cy="0"/>
-          <a:chOff x="0" y="0"/>
-          <a:chExt cx="0" cy="0"/>
-        </a:xfrm>
-      </p:grpSpPr>
-      <p:pic>
-        <p:nvPicPr>
-          <p:cNvPr id="6" name="Picture 5">
-            <a:extLst>
-              <a:ext uri="{FF2B5EF4-FFF2-40B4-BE49-F238E27FC236}">
-                <a16:creationId xmlns:a16="http://schemas.microsoft.com/office/drawing/2014/main" id="{3640E961-A4DD-4245-81E0-EA5B8EB46FB4}"/>
-              </a:ext>
-            </a:extLst>
-          </p:cNvPr>
-          <p:cNvPicPr>
-            <a:picLocks noChangeAspect="1"/>
-          </p:cNvPicPr>
-          <p:nvPr/>
-        </p:nvPicPr>
-        <p:blipFill>
-          <a:blip r:embed="rId3"/>
-          <a:stretch>
-            <a:fillRect/>
-          </a:stretch>
-        </p:blipFill>
-        <p:spPr>
-          <a:xfrm>
-            <a:off x="1619250" y="1741914"/>
-            <a:ext cx="8953500" cy="1743075"/>
-          </a:xfrm>
-          <a:prstGeom prst="rect">
-            <a:avLst/>
-          </a:prstGeom>
-        </p:spPr>
-      </p:pic>
-      <p:sp>
-        <p:nvSpPr>
-          <p:cNvPr id="7" name="Title 1">
-            <a:extLst>
-              <a:ext uri="{FF2B5EF4-FFF2-40B4-BE49-F238E27FC236}">
-                <a16:creationId xmlns:a16="http://schemas.microsoft.com/office/drawing/2014/main" id="{BCE40D6D-FBBE-4C53-A9BB-EA12C9C8F46E}"/>
-              </a:ext>
-            </a:extLst>
-          </p:cNvPr>
-          <p:cNvSpPr>
-            <a:spLocks noGrp="1"/>
-          </p:cNvSpPr>
-          <p:nvPr>
-            <p:ph type="title"/>
-          </p:nvPr>
-        </p:nvSpPr>
-        <p:spPr>
-          <a:xfrm>
-            <a:off x="1619251" y="983891"/>
-            <a:ext cx="2829181" cy="815404"/>
-          </a:xfrm>
-        </p:spPr>
-        <p:txBody>
-          <a:bodyPr>
-            <a:normAutofit/>
-          </a:bodyPr>
-          <a:lstStyle/>
-          <a:p>
-            <a:pPr algn="ctr"/>
-            <a:r>
-              <a:rPr lang="en-US" sz="2000" dirty="0">
-                <a:latin typeface="Segoe UI Light" panose="020B0502040204020203" pitchFamily="34" charset="0"/>
-                <a:cs typeface="Segoe UI Light" panose="020B0502040204020203" pitchFamily="34" charset="0"/>
-              </a:rPr>
-              <a:t>Linear</a:t>
-            </a:r>
-          </a:p>
-        </p:txBody>
-      </p:sp>
-      <p:sp>
-        <p:nvSpPr>
-          <p:cNvPr id="8" name="Title 1">
-            <a:extLst>
-              <a:ext uri="{FF2B5EF4-FFF2-40B4-BE49-F238E27FC236}">
-                <a16:creationId xmlns:a16="http://schemas.microsoft.com/office/drawing/2014/main" id="{8A8FCEB5-14B3-477A-B602-D602E3C64CC8}"/>
-              </a:ext>
-            </a:extLst>
-          </p:cNvPr>
-          <p:cNvSpPr txBox="1">
-            <a:spLocks/>
-          </p:cNvSpPr>
-          <p:nvPr/>
-        </p:nvSpPr>
-        <p:spPr>
-          <a:xfrm>
-            <a:off x="4681409" y="983891"/>
-            <a:ext cx="2829181" cy="815404"/>
-          </a:xfrm>
-          <a:prstGeom prst="rect">
-            <a:avLst/>
-          </a:prstGeom>
-        </p:spPr>
-        <p:txBody>
-          <a:bodyPr vert="horz" lIns="91440" tIns="45720" rIns="91440" bIns="45720" rtlCol="0" anchor="ctr">
-            <a:normAutofit/>
-          </a:bodyPr>
-          <a:lstStyle>
-            <a:lvl1pPr algn="l" defTabSz="914400" rtl="0" eaLnBrk="1" latinLnBrk="0" hangingPunct="1">
-              <a:lnSpc>
-                <a:spcPct val="90000"/>
-              </a:lnSpc>
-              <a:spcBef>
-                <a:spcPct val="0"/>
-              </a:spcBef>
-              <a:buNone/>
-              <a:defRPr sz="4400" kern="1200">
-                <a:solidFill>
-                  <a:schemeClr val="tx1"/>
-                </a:solidFill>
-                <a:latin typeface="+mj-lt"/>
-                <a:ea typeface="+mj-ea"/>
-                <a:cs typeface="+mj-cs"/>
-              </a:defRPr>
-            </a:lvl1pPr>
-          </a:lstStyle>
-          <a:p>
-            <a:pPr algn="ctr"/>
-            <a:r>
-              <a:rPr lang="en-US" sz="2000" dirty="0">
-                <a:latin typeface="Segoe UI Light" panose="020B0502040204020203" pitchFamily="34" charset="0"/>
-                <a:cs typeface="Segoe UI Light" panose="020B0502040204020203" pitchFamily="34" charset="0"/>
-              </a:rPr>
-              <a:t>ReLU</a:t>
-            </a:r>
-          </a:p>
-        </p:txBody>
-      </p:sp>
-      <p:sp>
-        <p:nvSpPr>
-          <p:cNvPr id="9" name="Title 1">
-            <a:extLst>
-              <a:ext uri="{FF2B5EF4-FFF2-40B4-BE49-F238E27FC236}">
-                <a16:creationId xmlns:a16="http://schemas.microsoft.com/office/drawing/2014/main" id="{F1D165D6-22BB-4493-AADE-73D541257CD9}"/>
-              </a:ext>
-            </a:extLst>
-          </p:cNvPr>
-          <p:cNvSpPr txBox="1">
-            <a:spLocks/>
-          </p:cNvSpPr>
-          <p:nvPr/>
-        </p:nvSpPr>
-        <p:spPr>
-          <a:xfrm>
-            <a:off x="7743567" y="983891"/>
-            <a:ext cx="2829181" cy="815404"/>
-          </a:xfrm>
-          <a:prstGeom prst="rect">
-            <a:avLst/>
-          </a:prstGeom>
-        </p:spPr>
-        <p:txBody>
-          <a:bodyPr vert="horz" lIns="91440" tIns="45720" rIns="91440" bIns="45720" rtlCol="0" anchor="ctr">
-            <a:normAutofit/>
-          </a:bodyPr>
-          <a:lstStyle>
-            <a:lvl1pPr algn="l" defTabSz="914400" rtl="0" eaLnBrk="1" latinLnBrk="0" hangingPunct="1">
-              <a:lnSpc>
-                <a:spcPct val="90000"/>
-              </a:lnSpc>
-              <a:spcBef>
-                <a:spcPct val="0"/>
-              </a:spcBef>
-              <a:buNone/>
-              <a:defRPr sz="4400" kern="1200">
-                <a:solidFill>
-                  <a:schemeClr val="tx1"/>
-                </a:solidFill>
-                <a:latin typeface="+mj-lt"/>
-                <a:ea typeface="+mj-ea"/>
-                <a:cs typeface="+mj-cs"/>
-              </a:defRPr>
-            </a:lvl1pPr>
-          </a:lstStyle>
-          <a:p>
-            <a:pPr algn="ctr"/>
-            <a:r>
-              <a:rPr lang="en-US" sz="2000" dirty="0">
-                <a:latin typeface="Segoe UI Light" panose="020B0502040204020203" pitchFamily="34" charset="0"/>
-                <a:cs typeface="Segoe UI Light" panose="020B0502040204020203" pitchFamily="34" charset="0"/>
-              </a:rPr>
-              <a:t>Sigmoid</a:t>
-            </a:r>
-          </a:p>
-        </p:txBody>
-      </p:sp>
-      <p:pic>
-        <p:nvPicPr>
-          <p:cNvPr id="18" name="Picture 17">
-            <a:extLst>
-              <a:ext uri="{FF2B5EF4-FFF2-40B4-BE49-F238E27FC236}">
-                <a16:creationId xmlns:a16="http://schemas.microsoft.com/office/drawing/2014/main" id="{7E6C49B6-0281-4A6C-B29A-996DB9E1CC1C}"/>
-              </a:ext>
-            </a:extLst>
-          </p:cNvPr>
-          <p:cNvPicPr>
-            <a:picLocks noChangeAspect="1"/>
-          </p:cNvPicPr>
-          <p:nvPr/>
-        </p:nvPicPr>
-        <p:blipFill rotWithShape="1">
-          <a:blip r:embed="rId4"/>
-          <a:srcRect l="31692" t="37963" r="44075" b="29948"/>
-          <a:stretch/>
-        </p:blipFill>
-        <p:spPr>
-          <a:xfrm>
-            <a:off x="1704356" y="3899617"/>
-            <a:ext cx="2658970" cy="1980619"/>
-          </a:xfrm>
-          <a:prstGeom prst="rect">
-            <a:avLst/>
-          </a:prstGeom>
-        </p:spPr>
-      </p:pic>
-      <p:pic>
-        <p:nvPicPr>
-          <p:cNvPr id="19" name="Picture 18">
-            <a:extLst>
-              <a:ext uri="{FF2B5EF4-FFF2-40B4-BE49-F238E27FC236}">
-                <a16:creationId xmlns:a16="http://schemas.microsoft.com/office/drawing/2014/main" id="{476F1E7F-582D-444C-A73A-0A3391E1B8B8}"/>
-              </a:ext>
-            </a:extLst>
-          </p:cNvPr>
-          <p:cNvPicPr>
-            <a:picLocks noChangeAspect="1"/>
-          </p:cNvPicPr>
-          <p:nvPr/>
-        </p:nvPicPr>
-        <p:blipFill rotWithShape="1">
-          <a:blip r:embed="rId5"/>
-          <a:srcRect l="32235" t="33928" r="44980" b="34540"/>
-          <a:stretch/>
-        </p:blipFill>
-        <p:spPr>
-          <a:xfrm>
-            <a:off x="5010377" y="3885329"/>
-            <a:ext cx="2500213" cy="1946155"/>
-          </a:xfrm>
-          <a:prstGeom prst="rect">
-            <a:avLst/>
-          </a:prstGeom>
-        </p:spPr>
-      </p:pic>
-      <p:pic>
-        <p:nvPicPr>
-          <p:cNvPr id="20" name="Picture 19">
-            <a:extLst>
-              <a:ext uri="{FF2B5EF4-FFF2-40B4-BE49-F238E27FC236}">
-                <a16:creationId xmlns:a16="http://schemas.microsoft.com/office/drawing/2014/main" id="{EA31B4E6-AC2D-4EB1-80E4-86860D026274}"/>
-              </a:ext>
-            </a:extLst>
-          </p:cNvPr>
-          <p:cNvPicPr>
-            <a:picLocks noChangeAspect="1"/>
-          </p:cNvPicPr>
-          <p:nvPr/>
-        </p:nvPicPr>
-        <p:blipFill rotWithShape="1">
-          <a:blip r:embed="rId6"/>
-          <a:srcRect l="32552" t="37037" r="44011" b="29629"/>
-          <a:stretch/>
-        </p:blipFill>
-        <p:spPr>
-          <a:xfrm>
-            <a:off x="8157641" y="3899617"/>
-            <a:ext cx="2571751" cy="2057398"/>
-          </a:xfrm>
-          <a:prstGeom prst="rect">
-            <a:avLst/>
-          </a:prstGeom>
-        </p:spPr>
-      </p:pic>
-      <p:pic>
-        <p:nvPicPr>
-          <p:cNvPr id="3" name="Picture 2" descr="Chart, line chart&#10;&#10;Description automatically generated">
-            <a:extLst>
-              <a:ext uri="{FF2B5EF4-FFF2-40B4-BE49-F238E27FC236}">
-                <a16:creationId xmlns:a16="http://schemas.microsoft.com/office/drawing/2014/main" id="{59462F15-50B4-476C-B748-2B921B1A4914}"/>
-              </a:ext>
-            </a:extLst>
-          </p:cNvPr>
-          <p:cNvPicPr>
-            <a:picLocks noChangeAspect="1"/>
-          </p:cNvPicPr>
-          <p:nvPr/>
-        </p:nvPicPr>
-        <p:blipFill>
-          <a:blip r:embed="rId7">
-            <a:extLst>
-              <a:ext uri="{28A0092B-C50C-407E-A947-70E740481C1C}">
-                <a14:useLocalDpi xmlns:a14="http://schemas.microsoft.com/office/drawing/2010/main" val="0"/>
-              </a:ext>
-            </a:extLst>
-          </a:blip>
-          <a:stretch>
-            <a:fillRect/>
-          </a:stretch>
-        </p:blipFill>
-        <p:spPr>
-          <a:xfrm>
-            <a:off x="12573000" y="1799295"/>
-            <a:ext cx="2677432" cy="2011449"/>
-          </a:xfrm>
-          <a:prstGeom prst="rect">
-            <a:avLst/>
-          </a:prstGeom>
-        </p:spPr>
-      </p:pic>
-    </p:spTree>
-    <p:extLst>
-      <p:ext uri="{BB962C8B-B14F-4D97-AF65-F5344CB8AC3E}">
-        <p14:creationId xmlns:p14="http://schemas.microsoft.com/office/powerpoint/2010/main" val="221275194"/>
-      </p:ext>
-    </p:extLst>
-  </p:cSld>
-  <p:clrMapOvr>
-    <a:masterClrMapping/>
-  </p:clrMapOvr>
-  <mc:AlternateContent xmlns:mc="http://schemas.openxmlformats.org/markup-compatibility/2006" xmlns:p14="http://schemas.microsoft.com/office/powerpoint/2010/main">
-    <mc:Choice Requires="p14">
-      <p:transition spd="med" p14:dur="700">
-        <p:fade/>
-      </p:transition>
-    </mc:Choice>
-    <mc:Fallback xmlns="">
-      <p:transition spd="med">
-        <p:fade/>
-      </p:transition>
-    </mc:Fallback>
-  </mc:AlternateContent>
-</p:sld>
-</file>
-
-<file path=ppt/slides/slide7.xml><?xml version="1.0" encoding="utf-8"?>
-<p:sld xmlns:a="http://schemas.openxmlformats.org/drawingml/2006/main" xmlns:r="http://schemas.openxmlformats.org/officeDocument/2006/relationships" xmlns:p="http://schemas.openxmlformats.org/presentationml/2006/main">
-  <p:cSld>
-    <p:spTree>
-      <p:nvGrpSpPr>
-        <p:cNvPr id="1" name=""/>
-        <p:cNvGrpSpPr/>
-        <p:nvPr/>
-      </p:nvGrpSpPr>
-      <p:grpSpPr>
-        <a:xfrm>
-          <a:off x="0" y="0"/>
-          <a:ext cx="0" cy="0"/>
-          <a:chOff x="0" y="0"/>
-          <a:chExt cx="0" cy="0"/>
-        </a:xfrm>
-      </p:grpSpPr>
-      <p:pic>
-        <p:nvPicPr>
-          <p:cNvPr id="22" name="Picture 21">
-            <a:extLst>
-              <a:ext uri="{FF2B5EF4-FFF2-40B4-BE49-F238E27FC236}">
-                <a16:creationId xmlns:a16="http://schemas.microsoft.com/office/drawing/2014/main" id="{41F357F2-B52E-488D-B6C4-6C89B613C085}"/>
-              </a:ext>
-            </a:extLst>
-          </p:cNvPr>
-          <p:cNvPicPr>
-            <a:picLocks noChangeAspect="1"/>
-          </p:cNvPicPr>
-          <p:nvPr/>
-        </p:nvPicPr>
-        <p:blipFill>
-          <a:blip r:embed="rId3"/>
-          <a:stretch>
-            <a:fillRect/>
-          </a:stretch>
-        </p:blipFill>
-        <p:spPr>
-          <a:xfrm>
-            <a:off x="427985" y="3181352"/>
-            <a:ext cx="1931640" cy="1441523"/>
-          </a:xfrm>
-          <a:prstGeom prst="rect">
-            <a:avLst/>
-          </a:prstGeom>
-        </p:spPr>
-      </p:pic>
-      <p:pic>
-        <p:nvPicPr>
-          <p:cNvPr id="4" name="Picture 3">
-            <a:extLst>
-              <a:ext uri="{FF2B5EF4-FFF2-40B4-BE49-F238E27FC236}">
-                <a16:creationId xmlns:a16="http://schemas.microsoft.com/office/drawing/2014/main" id="{4E49D684-014C-406A-A0F6-6318FBC996E2}"/>
-              </a:ext>
-            </a:extLst>
-          </p:cNvPr>
-          <p:cNvPicPr>
-            <a:picLocks noChangeAspect="1"/>
-          </p:cNvPicPr>
-          <p:nvPr/>
-        </p:nvPicPr>
-        <p:blipFill>
-          <a:blip r:embed="rId4"/>
-          <a:stretch>
-            <a:fillRect/>
-          </a:stretch>
-        </p:blipFill>
-        <p:spPr>
-          <a:xfrm>
-            <a:off x="2522166" y="673405"/>
-            <a:ext cx="8801100" cy="5010150"/>
-          </a:xfrm>
-          <a:prstGeom prst="rect">
-            <a:avLst/>
-          </a:prstGeom>
-        </p:spPr>
-      </p:pic>
-      <p:sp>
-        <p:nvSpPr>
-          <p:cNvPr id="5" name="TextBox 4">
-            <a:extLst>
-              <a:ext uri="{FF2B5EF4-FFF2-40B4-BE49-F238E27FC236}">
-                <a16:creationId xmlns:a16="http://schemas.microsoft.com/office/drawing/2014/main" id="{86AFA5E5-2C43-44A4-95DB-2A0A6476895C}"/>
-              </a:ext>
-            </a:extLst>
-          </p:cNvPr>
-          <p:cNvSpPr txBox="1"/>
-          <p:nvPr/>
-        </p:nvSpPr>
-        <p:spPr>
-          <a:xfrm>
-            <a:off x="0" y="6550223"/>
-            <a:ext cx="12192000" cy="307777"/>
-          </a:xfrm>
-          <a:prstGeom prst="rect">
-            <a:avLst/>
-          </a:prstGeom>
-          <a:noFill/>
-        </p:spPr>
-        <p:txBody>
-          <a:bodyPr wrap="square" rtlCol="0">
-            <a:spAutoFit/>
-          </a:bodyPr>
-          <a:lstStyle/>
-          <a:p>
-            <a:r>
-              <a:rPr lang="en-US" sz="1400" dirty="0">
-                <a:solidFill>
-                  <a:schemeClr val="tx1">
-                    <a:lumMod val="65000"/>
-                    <a:lumOff val="35000"/>
-                  </a:schemeClr>
-                </a:solidFill>
-                <a:latin typeface="+mj-lt"/>
-                <a:ea typeface="Verdana" panose="020B0604030504040204" pitchFamily="34" charset="0"/>
-              </a:rPr>
-              <a:t>Source: Taylor, M. (2017). </a:t>
-            </a:r>
-            <a:r>
-              <a:rPr lang="en-US" sz="1400" i="1" dirty="0">
-                <a:solidFill>
-                  <a:schemeClr val="tx1">
-                    <a:lumMod val="65000"/>
-                    <a:lumOff val="35000"/>
-                  </a:schemeClr>
-                </a:solidFill>
-                <a:latin typeface="+mj-lt"/>
-                <a:ea typeface="Verdana" panose="020B0604030504040204" pitchFamily="34" charset="0"/>
-              </a:rPr>
-              <a:t>Neural networks: A visual introduction for beginners</a:t>
-            </a:r>
-            <a:r>
-              <a:rPr lang="en-US" sz="1400" dirty="0">
-                <a:solidFill>
-                  <a:schemeClr val="tx1">
-                    <a:lumMod val="65000"/>
-                    <a:lumOff val="35000"/>
-                  </a:schemeClr>
-                </a:solidFill>
-                <a:latin typeface="+mj-lt"/>
-                <a:ea typeface="Verdana" panose="020B0604030504040204" pitchFamily="34" charset="0"/>
-              </a:rPr>
-              <a:t>. Vancouver, Canada</a:t>
-            </a:r>
-            <a:r>
-              <a:rPr lang="en-US" sz="1400" b="0" i="0" dirty="0">
-                <a:solidFill>
-                  <a:schemeClr val="tx1">
-                    <a:lumMod val="65000"/>
-                    <a:lumOff val="35000"/>
-                  </a:schemeClr>
-                </a:solidFill>
-                <a:effectLst/>
-                <a:latin typeface="+mj-lt"/>
-                <a:ea typeface="Verdana" panose="020B0604030504040204" pitchFamily="34" charset="0"/>
-              </a:rPr>
-              <a:t>: Blue Windmill Media</a:t>
-            </a:r>
-            <a:r>
-              <a:rPr lang="en-US" sz="1400" dirty="0">
-                <a:solidFill>
-                  <a:schemeClr val="tx1">
-                    <a:lumMod val="65000"/>
-                    <a:lumOff val="35000"/>
-                  </a:schemeClr>
-                </a:solidFill>
-                <a:latin typeface="+mj-lt"/>
-                <a:ea typeface="Verdana" panose="020B0604030504040204" pitchFamily="34" charset="0"/>
-              </a:rPr>
-              <a:t>.</a:t>
-            </a:r>
-          </a:p>
-        </p:txBody>
-      </p:sp>
-    </p:spTree>
-    <p:extLst>
-      <p:ext uri="{BB962C8B-B14F-4D97-AF65-F5344CB8AC3E}">
-        <p14:creationId xmlns:p14="http://schemas.microsoft.com/office/powerpoint/2010/main" val="2164698082"/>
-      </p:ext>
-    </p:extLst>
-  </p:cSld>
-  <p:clrMapOvr>
-    <a:masterClrMapping/>
-  </p:clrMapOvr>
-  <mc:AlternateContent xmlns:mc="http://schemas.openxmlformats.org/markup-compatibility/2006" xmlns:p14="http://schemas.microsoft.com/office/powerpoint/2010/main">
-    <mc:Choice Requires="p14">
-      <p:transition spd="med" p14:dur="700">
-        <p:fade/>
-      </p:transition>
-    </mc:Choice>
-    <mc:Fallback xmlns="">
-      <p:transition spd="med">
-        <p:fade/>
-      </p:transition>
-    </mc:Fallback>
-  </mc:AlternateContent>
-</p:sld>
-</file>
-
-<file path=ppt/slides/slide8.xml><?xml version="1.0" encoding="utf-8"?>
-<p:sld xmlns:a="http://schemas.openxmlformats.org/drawingml/2006/main" xmlns:r="http://schemas.openxmlformats.org/officeDocument/2006/relationships" xmlns:p="http://schemas.openxmlformats.org/presentationml/2006/main">
-  <p:cSld>
-    <p:spTree>
-      <p:nvGrpSpPr>
-        <p:cNvPr id="1" name=""/>
-        <p:cNvGrpSpPr/>
-        <p:nvPr/>
-      </p:nvGrpSpPr>
-      <p:grpSpPr>
-        <a:xfrm>
-          <a:off x="0" y="0"/>
-          <a:ext cx="0" cy="0"/>
-          <a:chOff x="0" y="0"/>
-          <a:chExt cx="0" cy="0"/>
-        </a:xfrm>
-      </p:grpSpPr>
-      <p:pic>
-        <p:nvPicPr>
-          <p:cNvPr id="5" name="Picture 4">
-            <a:extLst>
-              <a:ext uri="{FF2B5EF4-FFF2-40B4-BE49-F238E27FC236}">
-                <a16:creationId xmlns:a16="http://schemas.microsoft.com/office/drawing/2014/main" id="{1F381526-6DCC-4187-B9E9-38AC6554128C}"/>
-              </a:ext>
-            </a:extLst>
-          </p:cNvPr>
-          <p:cNvPicPr>
-            <a:picLocks noChangeAspect="1"/>
-          </p:cNvPicPr>
-          <p:nvPr/>
-        </p:nvPicPr>
-        <p:blipFill>
-          <a:blip r:embed="rId3">
-            <a:extLst>
-              <a:ext uri="{28A0092B-C50C-407E-A947-70E740481C1C}">
-                <a14:useLocalDpi xmlns:a14="http://schemas.microsoft.com/office/drawing/2010/main" val="0"/>
-              </a:ext>
-            </a:extLst>
-          </a:blip>
-          <a:stretch>
-            <a:fillRect/>
-          </a:stretch>
-        </p:blipFill>
-        <p:spPr>
-          <a:xfrm>
-            <a:off x="3458977" y="1545412"/>
-            <a:ext cx="5274046" cy="3767175"/>
-          </a:xfrm>
-          <a:prstGeom prst="rect">
-            <a:avLst/>
-          </a:prstGeom>
-        </p:spPr>
-      </p:pic>
-      <p:sp>
-        <p:nvSpPr>
-          <p:cNvPr id="4" name="TextBox 3">
-            <a:extLst>
-              <a:ext uri="{FF2B5EF4-FFF2-40B4-BE49-F238E27FC236}">
-                <a16:creationId xmlns:a16="http://schemas.microsoft.com/office/drawing/2014/main" id="{647972E1-975F-411E-8E9F-384E2E0D1FF7}"/>
-              </a:ext>
-            </a:extLst>
-          </p:cNvPr>
-          <p:cNvSpPr txBox="1"/>
-          <p:nvPr/>
-        </p:nvSpPr>
-        <p:spPr>
-          <a:xfrm>
-            <a:off x="0" y="6550223"/>
-            <a:ext cx="12192000" cy="307777"/>
-          </a:xfrm>
-          <a:prstGeom prst="rect">
-            <a:avLst/>
-          </a:prstGeom>
-          <a:noFill/>
-        </p:spPr>
-        <p:txBody>
-          <a:bodyPr wrap="square" rtlCol="0">
-            <a:spAutoFit/>
-          </a:bodyPr>
-          <a:lstStyle/>
-          <a:p>
-            <a:r>
-              <a:rPr lang="en-US" sz="1400" dirty="0">
-                <a:solidFill>
-                  <a:schemeClr val="tx1">
-                    <a:lumMod val="65000"/>
-                    <a:lumOff val="35000"/>
-                  </a:schemeClr>
-                </a:solidFill>
-                <a:latin typeface="+mj-lt"/>
-                <a:ea typeface="Verdana" panose="020B0604030504040204" pitchFamily="34" charset="0"/>
-              </a:rPr>
-              <a:t>Source: Taylor, M. (2017). </a:t>
-            </a:r>
-            <a:r>
-              <a:rPr lang="en-US" sz="1400" i="1" dirty="0">
-                <a:solidFill>
-                  <a:schemeClr val="tx1">
-                    <a:lumMod val="65000"/>
-                    <a:lumOff val="35000"/>
-                  </a:schemeClr>
-                </a:solidFill>
-                <a:latin typeface="+mj-lt"/>
-                <a:ea typeface="Verdana" panose="020B0604030504040204" pitchFamily="34" charset="0"/>
-              </a:rPr>
-              <a:t>Neural networks: A visual introduction for beginners</a:t>
-            </a:r>
-            <a:r>
-              <a:rPr lang="en-US" sz="1400" dirty="0">
-                <a:solidFill>
-                  <a:schemeClr val="tx1">
-                    <a:lumMod val="65000"/>
-                    <a:lumOff val="35000"/>
-                  </a:schemeClr>
-                </a:solidFill>
-                <a:latin typeface="+mj-lt"/>
-                <a:ea typeface="Verdana" panose="020B0604030504040204" pitchFamily="34" charset="0"/>
-              </a:rPr>
-              <a:t>. Vancouver, Canada</a:t>
-            </a:r>
-            <a:r>
-              <a:rPr lang="en-US" sz="1400" b="0" i="0" dirty="0">
-                <a:solidFill>
-                  <a:schemeClr val="tx1">
-                    <a:lumMod val="65000"/>
-                    <a:lumOff val="35000"/>
-                  </a:schemeClr>
-                </a:solidFill>
-                <a:effectLst/>
-                <a:latin typeface="+mj-lt"/>
-                <a:ea typeface="Verdana" panose="020B0604030504040204" pitchFamily="34" charset="0"/>
-              </a:rPr>
-              <a:t>: Blue Windmill Media</a:t>
-            </a:r>
-            <a:r>
-              <a:rPr lang="en-US" sz="1400" dirty="0">
-                <a:solidFill>
-                  <a:schemeClr val="tx1">
-                    <a:lumMod val="65000"/>
-                    <a:lumOff val="35000"/>
-                  </a:schemeClr>
-                </a:solidFill>
-                <a:latin typeface="+mj-lt"/>
-                <a:ea typeface="Verdana" panose="020B0604030504040204" pitchFamily="34" charset="0"/>
-              </a:rPr>
-              <a:t>.</a:t>
-            </a:r>
-          </a:p>
-        </p:txBody>
-      </p:sp>
-    </p:spTree>
-    <p:extLst>
-      <p:ext uri="{BB962C8B-B14F-4D97-AF65-F5344CB8AC3E}">
-        <p14:creationId xmlns:p14="http://schemas.microsoft.com/office/powerpoint/2010/main" val="2077674142"/>
-      </p:ext>
-    </p:extLst>
-  </p:cSld>
-  <p:clrMapOvr>
-    <a:masterClrMapping/>
-  </p:clrMapOvr>
-  <mc:AlternateContent xmlns:mc="http://schemas.openxmlformats.org/markup-compatibility/2006" xmlns:p14="http://schemas.microsoft.com/office/powerpoint/2010/main">
-    <mc:Choice Requires="p14">
-      <p:transition spd="med" p14:dur="700">
-        <p:fade/>
-      </p:transition>
-    </mc:Choice>
-    <mc:Fallback xmlns="">
-      <p:transition spd="med">
-        <p:fade/>
-      </p:transition>
-    </mc:Fallback>
-  </mc:AlternateContent>
-</p:sld>
-</file>
-
-<file path=ppt/slides/slide9.xml><?xml version="1.0" encoding="utf-8"?>
-<p:sld xmlns:a="http://schemas.openxmlformats.org/drawingml/2006/main" xmlns:r="http://schemas.openxmlformats.org/officeDocument/2006/relationships" xmlns:p="http://schemas.openxmlformats.org/presentationml/2006/main">
-  <p:cSld>
     <p:bg>
       <p:bgPr>
         <a:solidFill>
-          <a:schemeClr val="bg1"/>
+          <a:srgbClr val="DBEEF4"/>
         </a:solidFill>
         <a:effectLst/>
       </p:bgPr>
@@ -10070,68 +8779,32 @@
           <a:chExt cx="0" cy="0"/>
         </a:xfrm>
       </p:grpSpPr>
-      <p:sp>
-        <p:nvSpPr>
-          <p:cNvPr id="2" name="Title 1">
-            <a:extLst>
-              <a:ext uri="{FF2B5EF4-FFF2-40B4-BE49-F238E27FC236}">
-                <a16:creationId xmlns:a16="http://schemas.microsoft.com/office/drawing/2014/main" id="{28FF21C3-8FBB-4756-BF7C-FFD2E5CC2B06}"/>
-              </a:ext>
-            </a:extLst>
-          </p:cNvPr>
-          <p:cNvSpPr>
-            <a:spLocks noGrp="1"/>
-          </p:cNvSpPr>
-          <p:nvPr>
-            <p:ph type="title"/>
-          </p:nvPr>
-        </p:nvSpPr>
-        <p:spPr>
-          <a:xfrm>
-            <a:off x="511791" y="440190"/>
-            <a:ext cx="11061510" cy="815404"/>
-          </a:xfrm>
-        </p:spPr>
-        <p:txBody>
-          <a:bodyPr>
-            <a:normAutofit/>
-          </a:bodyPr>
-          <a:lstStyle/>
-          <a:p>
-            <a:pPr algn="ctr"/>
-            <a:r>
-              <a:rPr lang="en-US" dirty="0">
-                <a:latin typeface="Palatino Linotype" panose="02040502050505030304" pitchFamily="18" charset="0"/>
-                <a:cs typeface="Segoe UI Light" panose="020B0502040204020203" pitchFamily="34" charset="0"/>
-              </a:rPr>
-              <a:t>Five Step Process</a:t>
-            </a:r>
-          </a:p>
-        </p:txBody>
-      </p:sp>
       <p:pic>
         <p:nvPicPr>
-          <p:cNvPr id="8" name="Content Placeholder 7">
+          <p:cNvPr id="3" name="Picture 2">
             <a:extLst>
               <a:ext uri="{FF2B5EF4-FFF2-40B4-BE49-F238E27FC236}">
-                <a16:creationId xmlns:a16="http://schemas.microsoft.com/office/drawing/2014/main" id="{A2E146A3-CBE2-4911-97B6-EA9B7C2AEB13}"/>
+                <a16:creationId xmlns:a16="http://schemas.microsoft.com/office/drawing/2014/main" id="{C60D28C6-ACB9-4427-A0D9-F2741734A081}"/>
               </a:ext>
             </a:extLst>
           </p:cNvPr>
           <p:cNvPicPr>
-            <a:picLocks noGrp="1" noChangeAspect="1"/>
+            <a:picLocks noChangeAspect="1"/>
           </p:cNvPicPr>
-          <p:nvPr>
-            <p:ph idx="1"/>
-          </p:nvPr>
+          <p:nvPr/>
         </p:nvPicPr>
         <p:blipFill>
           <a:blip r:embed="rId3">
-            <a:extLst>
-              <a:ext uri="{28A0092B-C50C-407E-A947-70E740481C1C}">
-                <a14:useLocalDpi xmlns:a14="http://schemas.microsoft.com/office/drawing/2010/main" val="0"/>
-              </a:ext>
-            </a:extLst>
+            <a:clrChange>
+              <a:clrFrom>
+                <a:srgbClr val="FFFFFF"/>
+              </a:clrFrom>
+              <a:clrTo>
+                <a:srgbClr val="FFFFFF">
+                  <a:alpha val="0"/>
+                </a:srgbClr>
+              </a:clrTo>
+            </a:clrChange>
           </a:blip>
           <a:stretch>
             <a:fillRect/>
@@ -10139,390 +8812,48 @@
         </p:blipFill>
         <p:spPr>
           <a:xfrm>
-            <a:off x="983949" y="2876522"/>
-            <a:ext cx="10224101" cy="1230107"/>
-          </a:xfrm>
-        </p:spPr>
-      </p:pic>
-      <p:grpSp>
-        <p:nvGrpSpPr>
-          <p:cNvPr id="4" name="Group 3">
-            <a:extLst>
-              <a:ext uri="{FF2B5EF4-FFF2-40B4-BE49-F238E27FC236}">
-                <a16:creationId xmlns:a16="http://schemas.microsoft.com/office/drawing/2014/main" id="{22990F1D-FD3B-4582-A586-3207B7D3354C}"/>
-              </a:ext>
-            </a:extLst>
-          </p:cNvPr>
-          <p:cNvGrpSpPr/>
-          <p:nvPr/>
-        </p:nvGrpSpPr>
-        <p:grpSpPr>
-          <a:xfrm>
-            <a:off x="829733" y="4732867"/>
-            <a:ext cx="11040525" cy="830997"/>
-            <a:chOff x="829733" y="4732867"/>
-            <a:chExt cx="11040525" cy="830997"/>
-          </a:xfrm>
-        </p:grpSpPr>
-        <p:sp>
-          <p:nvSpPr>
-            <p:cNvPr id="3" name="TextBox 2">
-              <a:extLst>
-                <a:ext uri="{FF2B5EF4-FFF2-40B4-BE49-F238E27FC236}">
-                  <a16:creationId xmlns:a16="http://schemas.microsoft.com/office/drawing/2014/main" id="{21B99638-6B3A-408A-817E-61C600353B7A}"/>
-                </a:ext>
-              </a:extLst>
-            </p:cNvPr>
-            <p:cNvSpPr txBox="1"/>
-            <p:nvPr/>
-          </p:nvSpPr>
-          <p:spPr>
-            <a:xfrm>
-              <a:off x="829733" y="4732867"/>
-              <a:ext cx="2252135" cy="584775"/>
-            </a:xfrm>
-            <a:prstGeom prst="rect">
-              <a:avLst/>
-            </a:prstGeom>
-            <a:noFill/>
-          </p:spPr>
-          <p:txBody>
-            <a:bodyPr wrap="square" rtlCol="0">
-              <a:spAutoFit/>
-            </a:bodyPr>
-            <a:lstStyle/>
-            <a:p>
-              <a:r>
-                <a:rPr lang="en-US" sz="1600" dirty="0">
-                  <a:solidFill>
-                    <a:srgbClr val="6C9AC3"/>
-                  </a:solidFill>
-                  <a:latin typeface="Palatino Linotype" panose="02040502050505030304" pitchFamily="18" charset="0"/>
-                </a:rPr>
-                <a:t>Summation Operator Activation Function</a:t>
-              </a:r>
-              <a:endParaRPr lang="en-US" sz="1600" dirty="0">
-                <a:solidFill>
-                  <a:srgbClr val="80BE63"/>
-                </a:solidFill>
-                <a:latin typeface="+mj-lt"/>
-              </a:endParaRPr>
-            </a:p>
-          </p:txBody>
-        </p:sp>
-        <p:sp>
-          <p:nvSpPr>
-            <p:cNvPr id="7" name="TextBox 6">
-              <a:extLst>
-                <a:ext uri="{FF2B5EF4-FFF2-40B4-BE49-F238E27FC236}">
-                  <a16:creationId xmlns:a16="http://schemas.microsoft.com/office/drawing/2014/main" id="{9E8B1B43-B2EE-4F43-A861-148E207EC0C9}"/>
-                </a:ext>
-              </a:extLst>
-            </p:cNvPr>
-            <p:cNvSpPr txBox="1"/>
-            <p:nvPr/>
-          </p:nvSpPr>
-          <p:spPr>
-            <a:xfrm>
-              <a:off x="3318933" y="4732867"/>
-              <a:ext cx="1557868" cy="338554"/>
-            </a:xfrm>
-            <a:prstGeom prst="rect">
-              <a:avLst/>
-            </a:prstGeom>
-            <a:noFill/>
-          </p:spPr>
-          <p:txBody>
-            <a:bodyPr wrap="square" rtlCol="0">
-              <a:spAutoFit/>
-            </a:bodyPr>
-            <a:lstStyle/>
-            <a:p>
-              <a:r>
-                <a:rPr lang="en-US" sz="1600" dirty="0">
-                  <a:solidFill>
-                    <a:srgbClr val="6C9AC3"/>
-                  </a:solidFill>
-                  <a:latin typeface="Palatino Linotype" panose="02040502050505030304" pitchFamily="18" charset="0"/>
-                </a:rPr>
-                <a:t>Cost Function</a:t>
-              </a:r>
-              <a:endParaRPr lang="en-US" sz="1600" dirty="0">
-                <a:solidFill>
-                  <a:srgbClr val="80BE63"/>
-                </a:solidFill>
-                <a:latin typeface="+mj-lt"/>
-              </a:endParaRPr>
-            </a:p>
-          </p:txBody>
-        </p:sp>
-        <p:sp>
-          <p:nvSpPr>
-            <p:cNvPr id="10" name="TextBox 9">
-              <a:extLst>
-                <a:ext uri="{FF2B5EF4-FFF2-40B4-BE49-F238E27FC236}">
-                  <a16:creationId xmlns:a16="http://schemas.microsoft.com/office/drawing/2014/main" id="{BAB174EE-E4FB-4A69-ADF7-3D63E1CD0FEB}"/>
-                </a:ext>
-              </a:extLst>
-            </p:cNvPr>
-            <p:cNvSpPr txBox="1"/>
-            <p:nvPr/>
-          </p:nvSpPr>
-          <p:spPr>
-            <a:xfrm>
-              <a:off x="5376331" y="4732867"/>
-              <a:ext cx="1794933" cy="830997"/>
-            </a:xfrm>
-            <a:prstGeom prst="rect">
-              <a:avLst/>
-            </a:prstGeom>
-            <a:noFill/>
-          </p:spPr>
-          <p:txBody>
-            <a:bodyPr wrap="square" rtlCol="0">
-              <a:spAutoFit/>
-            </a:bodyPr>
-            <a:lstStyle/>
-            <a:p>
-              <a:r>
-                <a:rPr lang="en-US" sz="1600" dirty="0">
-                  <a:solidFill>
-                    <a:srgbClr val="6C9AC3"/>
-                  </a:solidFill>
-                  <a:latin typeface="Palatino Linotype" panose="02040502050505030304" pitchFamily="18" charset="0"/>
-                </a:rPr>
-                <a:t>Partial Derivative</a:t>
-              </a:r>
-            </a:p>
-            <a:p>
-              <a:r>
-                <a:rPr lang="en-US" sz="1600" dirty="0">
-                  <a:solidFill>
-                    <a:srgbClr val="6C9AC3"/>
-                  </a:solidFill>
-                  <a:latin typeface="Palatino Linotype" panose="02040502050505030304" pitchFamily="18" charset="0"/>
-                </a:rPr>
-                <a:t>Chain Rule</a:t>
-              </a:r>
-              <a:endParaRPr lang="en-US" sz="1600" dirty="0">
-                <a:solidFill>
-                  <a:srgbClr val="80BE63"/>
-                </a:solidFill>
-                <a:latin typeface="+mj-lt"/>
-              </a:endParaRPr>
-            </a:p>
-            <a:p>
-              <a:endParaRPr lang="en-US" sz="1600" dirty="0">
-                <a:solidFill>
-                  <a:srgbClr val="80BE63"/>
-                </a:solidFill>
-                <a:latin typeface="+mj-lt"/>
-              </a:endParaRPr>
-            </a:p>
-          </p:txBody>
-        </p:sp>
-        <p:sp>
-          <p:nvSpPr>
-            <p:cNvPr id="11" name="TextBox 10">
-              <a:extLst>
-                <a:ext uri="{FF2B5EF4-FFF2-40B4-BE49-F238E27FC236}">
-                  <a16:creationId xmlns:a16="http://schemas.microsoft.com/office/drawing/2014/main" id="{1BEFC0DD-924E-4CCE-A85F-89231F6BC931}"/>
-                </a:ext>
-              </a:extLst>
-            </p:cNvPr>
-            <p:cNvSpPr txBox="1"/>
-            <p:nvPr/>
-          </p:nvSpPr>
-          <p:spPr>
-            <a:xfrm>
-              <a:off x="7412182" y="4732867"/>
-              <a:ext cx="2163613" cy="338554"/>
-            </a:xfrm>
-            <a:prstGeom prst="rect">
-              <a:avLst/>
-            </a:prstGeom>
-            <a:noFill/>
-          </p:spPr>
-          <p:txBody>
-            <a:bodyPr wrap="square" rtlCol="0">
-              <a:spAutoFit/>
-            </a:bodyPr>
-            <a:lstStyle/>
-            <a:p>
-              <a:r>
-                <a:rPr lang="en-US" sz="1600" dirty="0">
-                  <a:solidFill>
-                    <a:srgbClr val="6C9AC3"/>
-                  </a:solidFill>
-                  <a:latin typeface="Palatino Linotype" panose="02040502050505030304" pitchFamily="18" charset="0"/>
-                </a:rPr>
-                <a:t>  Gradient Check</a:t>
-              </a:r>
-              <a:endParaRPr lang="en-US" sz="1600" dirty="0">
-                <a:solidFill>
-                  <a:srgbClr val="80BE63"/>
-                </a:solidFill>
-                <a:latin typeface="+mj-lt"/>
-              </a:endParaRPr>
-            </a:p>
-          </p:txBody>
-        </p:sp>
-        <p:sp>
-          <p:nvSpPr>
-            <p:cNvPr id="12" name="TextBox 11">
-              <a:extLst>
-                <a:ext uri="{FF2B5EF4-FFF2-40B4-BE49-F238E27FC236}">
-                  <a16:creationId xmlns:a16="http://schemas.microsoft.com/office/drawing/2014/main" id="{D807CC5F-2C3B-40B2-99AF-E1542F019735}"/>
-                </a:ext>
-              </a:extLst>
-            </p:cNvPr>
-            <p:cNvSpPr txBox="1"/>
-            <p:nvPr/>
-          </p:nvSpPr>
-          <p:spPr>
-            <a:xfrm>
-              <a:off x="9558861" y="4732867"/>
-              <a:ext cx="2311397" cy="584775"/>
-            </a:xfrm>
-            <a:prstGeom prst="rect">
-              <a:avLst/>
-            </a:prstGeom>
-            <a:noFill/>
-          </p:spPr>
-          <p:txBody>
-            <a:bodyPr wrap="square" rtlCol="0">
-              <a:spAutoFit/>
-            </a:bodyPr>
-            <a:lstStyle/>
-            <a:p>
-              <a:r>
-                <a:rPr lang="en-US" sz="1600" dirty="0">
-                  <a:solidFill>
-                    <a:srgbClr val="6C9AC3"/>
-                  </a:solidFill>
-                  <a:latin typeface="Palatino Linotype" panose="02040502050505030304" pitchFamily="18" charset="0"/>
-                </a:rPr>
-                <a:t>Weight Update</a:t>
-              </a:r>
-              <a:endParaRPr lang="en-US" sz="1600" dirty="0">
-                <a:solidFill>
-                  <a:srgbClr val="80BE63"/>
-                </a:solidFill>
-                <a:latin typeface="+mj-lt"/>
-              </a:endParaRPr>
-            </a:p>
-            <a:p>
-              <a:endParaRPr lang="en-US" sz="1600" dirty="0">
-                <a:solidFill>
-                  <a:srgbClr val="80BE63"/>
-                </a:solidFill>
-                <a:latin typeface="+mj-lt"/>
-              </a:endParaRPr>
-            </a:p>
-          </p:txBody>
-        </p:sp>
-      </p:grpSp>
-      <p:sp>
-        <p:nvSpPr>
-          <p:cNvPr id="14" name="TextBox 13">
-            <a:extLst>
-              <a:ext uri="{FF2B5EF4-FFF2-40B4-BE49-F238E27FC236}">
-                <a16:creationId xmlns:a16="http://schemas.microsoft.com/office/drawing/2014/main" id="{F4B60FB3-1A88-4533-90E0-0661C14E9B91}"/>
-              </a:ext>
-            </a:extLst>
-          </p:cNvPr>
-          <p:cNvSpPr txBox="1"/>
-          <p:nvPr/>
-        </p:nvSpPr>
-        <p:spPr>
-          <a:xfrm>
-            <a:off x="0" y="6550223"/>
-            <a:ext cx="12192000" cy="307777"/>
+            <a:off x="3241413" y="1349984"/>
+            <a:ext cx="5709173" cy="4158032"/>
           </a:xfrm>
           <a:prstGeom prst="rect">
             <a:avLst/>
           </a:prstGeom>
-          <a:noFill/>
         </p:spPr>
-        <p:txBody>
-          <a:bodyPr wrap="square" rtlCol="0">
-            <a:spAutoFit/>
-          </a:bodyPr>
-          <a:lstStyle/>
-          <a:p>
-            <a:r>
-              <a:rPr lang="en-US" sz="1400" dirty="0">
-                <a:solidFill>
-                  <a:schemeClr val="tx1">
-                    <a:lumMod val="65000"/>
-                    <a:lumOff val="35000"/>
-                  </a:schemeClr>
-                </a:solidFill>
-                <a:latin typeface="+mj-lt"/>
-                <a:ea typeface="Verdana" panose="020B0604030504040204" pitchFamily="34" charset="0"/>
-              </a:rPr>
-              <a:t>Source: Taylor, M. (2017). </a:t>
-            </a:r>
-            <a:r>
-              <a:rPr lang="en-US" sz="1400" i="1" dirty="0">
-                <a:solidFill>
-                  <a:schemeClr val="tx1">
-                    <a:lumMod val="65000"/>
-                    <a:lumOff val="35000"/>
-                  </a:schemeClr>
-                </a:solidFill>
-                <a:latin typeface="+mj-lt"/>
-                <a:ea typeface="Verdana" panose="020B0604030504040204" pitchFamily="34" charset="0"/>
-              </a:rPr>
-              <a:t>Neural networks: A visual introduction for beginners</a:t>
-            </a:r>
-            <a:r>
-              <a:rPr lang="en-US" sz="1400" dirty="0">
-                <a:solidFill>
-                  <a:schemeClr val="tx1">
-                    <a:lumMod val="65000"/>
-                    <a:lumOff val="35000"/>
-                  </a:schemeClr>
-                </a:solidFill>
-                <a:latin typeface="+mj-lt"/>
-                <a:ea typeface="Verdana" panose="020B0604030504040204" pitchFamily="34" charset="0"/>
-              </a:rPr>
-              <a:t>. Vancouver, Canada</a:t>
-            </a:r>
-            <a:r>
-              <a:rPr lang="en-US" sz="1400" b="0" i="0" dirty="0">
-                <a:solidFill>
-                  <a:schemeClr val="tx1">
-                    <a:lumMod val="65000"/>
-                    <a:lumOff val="35000"/>
-                  </a:schemeClr>
-                </a:solidFill>
-                <a:effectLst/>
-                <a:latin typeface="+mj-lt"/>
-                <a:ea typeface="Verdana" panose="020B0604030504040204" pitchFamily="34" charset="0"/>
-              </a:rPr>
-              <a:t>: Blue Windmill Media</a:t>
-            </a:r>
-            <a:r>
-              <a:rPr lang="en-US" sz="1400" dirty="0">
-                <a:solidFill>
-                  <a:schemeClr val="tx1">
-                    <a:lumMod val="65000"/>
-                    <a:lumOff val="35000"/>
-                  </a:schemeClr>
-                </a:solidFill>
-                <a:latin typeface="+mj-lt"/>
-                <a:ea typeface="Verdana" panose="020B0604030504040204" pitchFamily="34" charset="0"/>
-              </a:rPr>
-              <a:t>.</a:t>
-            </a:r>
-          </a:p>
-        </p:txBody>
-      </p:sp>
+      </p:pic>
+      <p:pic>
+        <p:nvPicPr>
+          <p:cNvPr id="7" name="Picture 6">
+            <a:extLst>
+              <a:ext uri="{FF2B5EF4-FFF2-40B4-BE49-F238E27FC236}">
+                <a16:creationId xmlns:a16="http://schemas.microsoft.com/office/drawing/2014/main" id="{515F07E5-A3CC-408B-AEC7-5352D05F4A1D}"/>
+              </a:ext>
+            </a:extLst>
+          </p:cNvPr>
+          <p:cNvPicPr>
+            <a:picLocks noChangeAspect="1"/>
+          </p:cNvPicPr>
+          <p:nvPr/>
+        </p:nvPicPr>
+        <p:blipFill>
+          <a:blip r:embed="rId4"/>
+          <a:stretch>
+            <a:fillRect/>
+          </a:stretch>
+        </p:blipFill>
+        <p:spPr>
+          <a:xfrm>
+            <a:off x="3400682" y="897451"/>
+            <a:ext cx="5390634" cy="4610565"/>
+          </a:xfrm>
+          <a:prstGeom prst="rect">
+            <a:avLst/>
+          </a:prstGeom>
+        </p:spPr>
+      </p:pic>
     </p:spTree>
     <p:extLst>
       <p:ext uri="{BB962C8B-B14F-4D97-AF65-F5344CB8AC3E}">
-        <p14:creationId xmlns:p14="http://schemas.microsoft.com/office/powerpoint/2010/main" val="4288198765"/>
+        <p14:creationId xmlns:p14="http://schemas.microsoft.com/office/powerpoint/2010/main" val="393684128"/>
       </p:ext>
     </p:extLst>
   </p:cSld>
@@ -10575,7 +8906,7 @@
                                           </p:stCondLst>
                                         </p:cTn>
                                         <p:tgtEl>
-                                          <p:spTgt spid="4"/>
+                                          <p:spTgt spid="7"/>
                                         </p:tgtEl>
                                         <p:attrNameLst>
                                           <p:attrName>style.visibility</p:attrName>
@@ -10589,11 +8920,27 @@
                                       <p:cBhvr>
                                         <p:cTn id="7" dur="500"/>
                                         <p:tgtEl>
-                                          <p:spTgt spid="4"/>
+                                          <p:spTgt spid="7"/>
                                         </p:tgtEl>
                                       </p:cBhvr>
                                     </p:animEffect>
                                   </p:childTnLst>
+                                  <p:subTnLst>
+                                    <p:set>
+                                      <p:cBhvr override="childStyle">
+                                        <p:cTn dur="1" fill="hold" display="0" masterRel="nextClick" afterEffect="1"/>
+                                        <p:tgtEl>
+                                          <p:spTgt spid="7"/>
+                                        </p:tgtEl>
+                                        <p:attrNameLst>
+                                          <p:attrName>style.visibility</p:attrName>
+                                        </p:attrNameLst>
+                                      </p:cBhvr>
+                                      <p:to>
+                                        <p:strVal val="hidden"/>
+                                      </p:to>
+                                    </p:set>
+                                  </p:subTnLst>
                                 </p:cTn>
                               </p:par>
                             </p:childTnLst>
@@ -10624,6 +8971,1666 @@
       </p:par>
     </p:tnLst>
   </p:timing>
+</p:sld>
+</file>
+
+<file path=ppt/slides/slide16.xml><?xml version="1.0" encoding="utf-8"?>
+<p:sld xmlns:a="http://schemas.openxmlformats.org/drawingml/2006/main" xmlns:r="http://schemas.openxmlformats.org/officeDocument/2006/relationships" xmlns:p="http://schemas.openxmlformats.org/presentationml/2006/main">
+  <p:cSld>
+    <p:spTree>
+      <p:nvGrpSpPr>
+        <p:cNvPr id="1" name=""/>
+        <p:cNvGrpSpPr/>
+        <p:nvPr/>
+      </p:nvGrpSpPr>
+      <p:grpSpPr>
+        <a:xfrm>
+          <a:off x="0" y="0"/>
+          <a:ext cx="0" cy="0"/>
+          <a:chOff x="0" y="0"/>
+          <a:chExt cx="0" cy="0"/>
+        </a:xfrm>
+      </p:grpSpPr>
+      <p:pic>
+        <p:nvPicPr>
+          <p:cNvPr id="22" name="Picture 21">
+            <a:extLst>
+              <a:ext uri="{FF2B5EF4-FFF2-40B4-BE49-F238E27FC236}">
+                <a16:creationId xmlns:a16="http://schemas.microsoft.com/office/drawing/2014/main" id="{41F357F2-B52E-488D-B6C4-6C89B613C085}"/>
+              </a:ext>
+            </a:extLst>
+          </p:cNvPr>
+          <p:cNvPicPr>
+            <a:picLocks noChangeAspect="1"/>
+          </p:cNvPicPr>
+          <p:nvPr/>
+        </p:nvPicPr>
+        <p:blipFill>
+          <a:blip r:embed="rId3"/>
+          <a:stretch>
+            <a:fillRect/>
+          </a:stretch>
+        </p:blipFill>
+        <p:spPr>
+          <a:xfrm>
+            <a:off x="427985" y="3181352"/>
+            <a:ext cx="1931640" cy="1441523"/>
+          </a:xfrm>
+          <a:prstGeom prst="rect">
+            <a:avLst/>
+          </a:prstGeom>
+        </p:spPr>
+      </p:pic>
+      <p:sp>
+        <p:nvSpPr>
+          <p:cNvPr id="5" name="TextBox 4">
+            <a:extLst>
+              <a:ext uri="{FF2B5EF4-FFF2-40B4-BE49-F238E27FC236}">
+                <a16:creationId xmlns:a16="http://schemas.microsoft.com/office/drawing/2014/main" id="{86AFA5E5-2C43-44A4-95DB-2A0A6476895C}"/>
+              </a:ext>
+            </a:extLst>
+          </p:cNvPr>
+          <p:cNvSpPr txBox="1"/>
+          <p:nvPr/>
+        </p:nvSpPr>
+        <p:spPr>
+          <a:xfrm>
+            <a:off x="0" y="6550223"/>
+            <a:ext cx="12192000" cy="307777"/>
+          </a:xfrm>
+          <a:prstGeom prst="rect">
+            <a:avLst/>
+          </a:prstGeom>
+          <a:noFill/>
+        </p:spPr>
+        <p:txBody>
+          <a:bodyPr wrap="square" rtlCol="0">
+            <a:spAutoFit/>
+          </a:bodyPr>
+          <a:lstStyle/>
+          <a:p>
+            <a:r>
+              <a:rPr lang="en-US" sz="1400" dirty="0">
+                <a:solidFill>
+                  <a:schemeClr val="tx1">
+                    <a:lumMod val="65000"/>
+                    <a:lumOff val="35000"/>
+                  </a:schemeClr>
+                </a:solidFill>
+                <a:latin typeface="+mj-lt"/>
+                <a:ea typeface="Verdana" panose="020B0604030504040204" pitchFamily="34" charset="0"/>
+              </a:rPr>
+              <a:t>Source: Taylor, M. (2017). </a:t>
+            </a:r>
+            <a:r>
+              <a:rPr lang="en-US" sz="1400" i="1" dirty="0">
+                <a:solidFill>
+                  <a:schemeClr val="tx1">
+                    <a:lumMod val="65000"/>
+                    <a:lumOff val="35000"/>
+                  </a:schemeClr>
+                </a:solidFill>
+                <a:latin typeface="+mj-lt"/>
+                <a:ea typeface="Verdana" panose="020B0604030504040204" pitchFamily="34" charset="0"/>
+              </a:rPr>
+              <a:t>Neural networks: A visual introduction for beginners</a:t>
+            </a:r>
+            <a:r>
+              <a:rPr lang="en-US" sz="1400" dirty="0">
+                <a:solidFill>
+                  <a:schemeClr val="tx1">
+                    <a:lumMod val="65000"/>
+                    <a:lumOff val="35000"/>
+                  </a:schemeClr>
+                </a:solidFill>
+                <a:latin typeface="+mj-lt"/>
+                <a:ea typeface="Verdana" panose="020B0604030504040204" pitchFamily="34" charset="0"/>
+              </a:rPr>
+              <a:t>. Vancouver, Canada</a:t>
+            </a:r>
+            <a:r>
+              <a:rPr lang="en-US" sz="1400" b="0" i="0" dirty="0">
+                <a:solidFill>
+                  <a:schemeClr val="tx1">
+                    <a:lumMod val="65000"/>
+                    <a:lumOff val="35000"/>
+                  </a:schemeClr>
+                </a:solidFill>
+                <a:effectLst/>
+                <a:latin typeface="+mj-lt"/>
+                <a:ea typeface="Verdana" panose="020B0604030504040204" pitchFamily="34" charset="0"/>
+              </a:rPr>
+              <a:t>: Blue Windmill Media</a:t>
+            </a:r>
+            <a:r>
+              <a:rPr lang="en-US" sz="1400" dirty="0">
+                <a:solidFill>
+                  <a:schemeClr val="tx1">
+                    <a:lumMod val="65000"/>
+                    <a:lumOff val="35000"/>
+                  </a:schemeClr>
+                </a:solidFill>
+                <a:latin typeface="+mj-lt"/>
+                <a:ea typeface="Verdana" panose="020B0604030504040204" pitchFamily="34" charset="0"/>
+              </a:rPr>
+              <a:t>.</a:t>
+            </a:r>
+          </a:p>
+        </p:txBody>
+      </p:sp>
+      <p:pic>
+        <p:nvPicPr>
+          <p:cNvPr id="7" name="Picture 6">
+            <a:extLst>
+              <a:ext uri="{FF2B5EF4-FFF2-40B4-BE49-F238E27FC236}">
+                <a16:creationId xmlns:a16="http://schemas.microsoft.com/office/drawing/2014/main" id="{40A80263-667F-4A46-90DC-4B62AC3AC0E8}"/>
+              </a:ext>
+            </a:extLst>
+          </p:cNvPr>
+          <p:cNvPicPr>
+            <a:picLocks noChangeAspect="1"/>
+          </p:cNvPicPr>
+          <p:nvPr/>
+        </p:nvPicPr>
+        <p:blipFill>
+          <a:blip r:embed="rId4"/>
+          <a:stretch>
+            <a:fillRect/>
+          </a:stretch>
+        </p:blipFill>
+        <p:spPr>
+          <a:xfrm>
+            <a:off x="2359625" y="266837"/>
+            <a:ext cx="8804054" cy="5829030"/>
+          </a:xfrm>
+          <a:prstGeom prst="rect">
+            <a:avLst/>
+          </a:prstGeom>
+        </p:spPr>
+      </p:pic>
+    </p:spTree>
+    <p:extLst>
+      <p:ext uri="{BB962C8B-B14F-4D97-AF65-F5344CB8AC3E}">
+        <p14:creationId xmlns:p14="http://schemas.microsoft.com/office/powerpoint/2010/main" val="2164698082"/>
+      </p:ext>
+    </p:extLst>
+  </p:cSld>
+  <p:clrMapOvr>
+    <a:masterClrMapping/>
+  </p:clrMapOvr>
+  <mc:AlternateContent xmlns:mc="http://schemas.openxmlformats.org/markup-compatibility/2006" xmlns:p14="http://schemas.microsoft.com/office/powerpoint/2010/main">
+    <mc:Choice Requires="p14">
+      <p:transition spd="med" p14:dur="700">
+        <p:fade/>
+      </p:transition>
+    </mc:Choice>
+    <mc:Fallback xmlns="">
+      <p:transition spd="med">
+        <p:fade/>
+      </p:transition>
+    </mc:Fallback>
+  </mc:AlternateContent>
+</p:sld>
+</file>
+
+<file path=ppt/slides/slide2.xml><?xml version="1.0" encoding="utf-8"?>
+<p:sld xmlns:a="http://schemas.openxmlformats.org/drawingml/2006/main" xmlns:r="http://schemas.openxmlformats.org/officeDocument/2006/relationships" xmlns:p="http://schemas.openxmlformats.org/presentationml/2006/main">
+  <p:cSld>
+    <p:spTree>
+      <p:nvGrpSpPr>
+        <p:cNvPr id="1" name=""/>
+        <p:cNvGrpSpPr/>
+        <p:nvPr/>
+      </p:nvGrpSpPr>
+      <p:grpSpPr>
+        <a:xfrm>
+          <a:off x="0" y="0"/>
+          <a:ext cx="0" cy="0"/>
+          <a:chOff x="0" y="0"/>
+          <a:chExt cx="0" cy="0"/>
+        </a:xfrm>
+      </p:grpSpPr>
+      <p:sp>
+        <p:nvSpPr>
+          <p:cNvPr id="3" name="TextBox 2">
+            <a:extLst>
+              <a:ext uri="{FF2B5EF4-FFF2-40B4-BE49-F238E27FC236}">
+                <a16:creationId xmlns:a16="http://schemas.microsoft.com/office/drawing/2014/main" id="{9CC8C406-77D9-4A84-8100-B8D7E3E70E49}"/>
+              </a:ext>
+            </a:extLst>
+          </p:cNvPr>
+          <p:cNvSpPr txBox="1"/>
+          <p:nvPr/>
+        </p:nvSpPr>
+        <p:spPr>
+          <a:xfrm>
+            <a:off x="0" y="6550223"/>
+            <a:ext cx="12192000" cy="307777"/>
+          </a:xfrm>
+          <a:prstGeom prst="rect">
+            <a:avLst/>
+          </a:prstGeom>
+          <a:noFill/>
+        </p:spPr>
+        <p:txBody>
+          <a:bodyPr wrap="square" rtlCol="0">
+            <a:spAutoFit/>
+          </a:bodyPr>
+          <a:lstStyle/>
+          <a:p>
+            <a:r>
+              <a:rPr lang="en-US" sz="1400" dirty="0">
+                <a:solidFill>
+                  <a:schemeClr val="tx1">
+                    <a:lumMod val="65000"/>
+                    <a:lumOff val="35000"/>
+                  </a:schemeClr>
+                </a:solidFill>
+                <a:latin typeface="+mj-lt"/>
+                <a:ea typeface="Verdana" panose="020B0604030504040204" pitchFamily="34" charset="0"/>
+              </a:rPr>
+              <a:t>Image Credit: </a:t>
+            </a:r>
+            <a:r>
+              <a:rPr lang="en-US" sz="1400" b="0" i="0" dirty="0">
+                <a:solidFill>
+                  <a:schemeClr val="tx1">
+                    <a:lumMod val="65000"/>
+                    <a:lumOff val="35000"/>
+                  </a:schemeClr>
+                </a:solidFill>
+                <a:effectLst/>
+                <a:latin typeface="+mj-lt"/>
+                <a:ea typeface="Verdana" panose="020B0604030504040204" pitchFamily="34" charset="0"/>
+              </a:rPr>
+              <a:t> </a:t>
+            </a:r>
+            <a:r>
+              <a:rPr lang="en-US" sz="1400" b="0" i="0" kern="1200" dirty="0">
+                <a:solidFill>
+                  <a:schemeClr val="tx1">
+                    <a:lumMod val="65000"/>
+                    <a:lumOff val="35000"/>
+                  </a:schemeClr>
+                </a:solidFill>
+                <a:effectLst/>
+                <a:latin typeface="+mn-lt"/>
+                <a:ea typeface="+mn-ea"/>
+                <a:cs typeface="+mn-cs"/>
+              </a:rPr>
+              <a:t>https://americanhistory.si.edu/collections/search/object/nmah_334414</a:t>
+            </a:r>
+            <a:endParaRPr lang="en-US" sz="1400" dirty="0">
+              <a:solidFill>
+                <a:schemeClr val="tx1">
+                  <a:lumMod val="65000"/>
+                  <a:lumOff val="35000"/>
+                </a:schemeClr>
+              </a:solidFill>
+              <a:latin typeface="+mj-lt"/>
+              <a:ea typeface="Verdana" panose="020B0604030504040204" pitchFamily="34" charset="0"/>
+            </a:endParaRPr>
+          </a:p>
+        </p:txBody>
+      </p:sp>
+      <p:pic>
+        <p:nvPicPr>
+          <p:cNvPr id="1026" name="Picture 2">
+            <a:extLst>
+              <a:ext uri="{FF2B5EF4-FFF2-40B4-BE49-F238E27FC236}">
+                <a16:creationId xmlns:a16="http://schemas.microsoft.com/office/drawing/2014/main" id="{7B77E1C0-02E2-445F-8DCE-C367708AA394}"/>
+              </a:ext>
+            </a:extLst>
+          </p:cNvPr>
+          <p:cNvPicPr>
+            <a:picLocks noChangeAspect="1" noChangeArrowheads="1"/>
+          </p:cNvPicPr>
+          <p:nvPr/>
+        </p:nvPicPr>
+        <p:blipFill>
+          <a:blip r:embed="rId3">
+            <a:extLst>
+              <a:ext uri="{28A0092B-C50C-407E-A947-70E740481C1C}">
+                <a14:useLocalDpi xmlns:a14="http://schemas.microsoft.com/office/drawing/2010/main" val="0"/>
+              </a:ext>
+            </a:extLst>
+          </a:blip>
+          <a:srcRect/>
+          <a:stretch>
+            <a:fillRect/>
+          </a:stretch>
+        </p:blipFill>
+        <p:spPr bwMode="auto">
+          <a:xfrm>
+            <a:off x="3115051" y="1082908"/>
+            <a:ext cx="5961897" cy="4692184"/>
+          </a:xfrm>
+          <a:prstGeom prst="rect">
+            <a:avLst/>
+          </a:prstGeom>
+          <a:noFill/>
+          <a:ln w="6350">
+            <a:solidFill>
+              <a:schemeClr val="tx1">
+                <a:lumMod val="75000"/>
+                <a:lumOff val="25000"/>
+              </a:schemeClr>
+            </a:solidFill>
+          </a:ln>
+          <a:effectLst>
+            <a:outerShdw blurRad="50800" dist="38100" dir="2700000" algn="tl" rotWithShape="0">
+              <a:prstClr val="black">
+                <a:alpha val="40000"/>
+              </a:prstClr>
+            </a:outerShdw>
+          </a:effectLst>
+          <a:extLst>
+            <a:ext uri="{909E8E84-426E-40DD-AFC4-6F175D3DCCD1}">
+              <a14:hiddenFill xmlns:a14="http://schemas.microsoft.com/office/drawing/2010/main">
+                <a:solidFill>
+                  <a:srgbClr val="FFFFFF"/>
+                </a:solidFill>
+              </a14:hiddenFill>
+            </a:ext>
+          </a:extLst>
+        </p:spPr>
+      </p:pic>
+    </p:spTree>
+    <p:extLst>
+      <p:ext uri="{BB962C8B-B14F-4D97-AF65-F5344CB8AC3E}">
+        <p14:creationId xmlns:p14="http://schemas.microsoft.com/office/powerpoint/2010/main" val="2478560572"/>
+      </p:ext>
+    </p:extLst>
+  </p:cSld>
+  <p:clrMapOvr>
+    <a:masterClrMapping/>
+  </p:clrMapOvr>
+  <mc:AlternateContent xmlns:mc="http://schemas.openxmlformats.org/markup-compatibility/2006" xmlns:p14="http://schemas.microsoft.com/office/powerpoint/2010/main">
+    <mc:Choice Requires="p14">
+      <p:transition spd="med" p14:dur="700">
+        <p:fade/>
+      </p:transition>
+    </mc:Choice>
+    <mc:Fallback xmlns="">
+      <p:transition spd="med">
+        <p:fade/>
+      </p:transition>
+    </mc:Fallback>
+  </mc:AlternateContent>
+</p:sld>
+</file>
+
+<file path=ppt/slides/slide3.xml><?xml version="1.0" encoding="utf-8"?>
+<p:sld xmlns:a="http://schemas.openxmlformats.org/drawingml/2006/main" xmlns:r="http://schemas.openxmlformats.org/officeDocument/2006/relationships" xmlns:p="http://schemas.openxmlformats.org/presentationml/2006/main">
+  <p:cSld>
+    <p:spTree>
+      <p:nvGrpSpPr>
+        <p:cNvPr id="1" name=""/>
+        <p:cNvGrpSpPr/>
+        <p:nvPr/>
+      </p:nvGrpSpPr>
+      <p:grpSpPr>
+        <a:xfrm>
+          <a:off x="0" y="0"/>
+          <a:ext cx="0" cy="0"/>
+          <a:chOff x="0" y="0"/>
+          <a:chExt cx="0" cy="0"/>
+        </a:xfrm>
+      </p:grpSpPr>
+      <p:pic>
+        <p:nvPicPr>
+          <p:cNvPr id="16" name="Picture 15">
+            <a:extLst>
+              <a:ext uri="{FF2B5EF4-FFF2-40B4-BE49-F238E27FC236}">
+                <a16:creationId xmlns:a16="http://schemas.microsoft.com/office/drawing/2014/main" id="{1C211793-AA11-42EF-96E3-54EA14B8497F}"/>
+              </a:ext>
+            </a:extLst>
+          </p:cNvPr>
+          <p:cNvPicPr>
+            <a:picLocks noChangeAspect="1"/>
+          </p:cNvPicPr>
+          <p:nvPr/>
+        </p:nvPicPr>
+        <p:blipFill>
+          <a:blip r:embed="rId3"/>
+          <a:stretch>
+            <a:fillRect/>
+          </a:stretch>
+        </p:blipFill>
+        <p:spPr>
+          <a:xfrm>
+            <a:off x="699832" y="1374177"/>
+            <a:ext cx="11039475" cy="4381500"/>
+          </a:xfrm>
+          <a:prstGeom prst="rect">
+            <a:avLst/>
+          </a:prstGeom>
+        </p:spPr>
+      </p:pic>
+      <p:sp>
+        <p:nvSpPr>
+          <p:cNvPr id="3" name="TextBox 2">
+            <a:extLst>
+              <a:ext uri="{FF2B5EF4-FFF2-40B4-BE49-F238E27FC236}">
+                <a16:creationId xmlns:a16="http://schemas.microsoft.com/office/drawing/2014/main" id="{9CC8C406-77D9-4A84-8100-B8D7E3E70E49}"/>
+              </a:ext>
+            </a:extLst>
+          </p:cNvPr>
+          <p:cNvSpPr txBox="1"/>
+          <p:nvPr/>
+        </p:nvSpPr>
+        <p:spPr>
+          <a:xfrm>
+            <a:off x="0" y="6550223"/>
+            <a:ext cx="12192000" cy="307777"/>
+          </a:xfrm>
+          <a:prstGeom prst="rect">
+            <a:avLst/>
+          </a:prstGeom>
+          <a:noFill/>
+        </p:spPr>
+        <p:txBody>
+          <a:bodyPr wrap="square" rtlCol="0">
+            <a:spAutoFit/>
+          </a:bodyPr>
+          <a:lstStyle/>
+          <a:p>
+            <a:r>
+              <a:rPr lang="en-US" sz="1400" dirty="0">
+                <a:solidFill>
+                  <a:schemeClr val="tx1">
+                    <a:lumMod val="65000"/>
+                    <a:lumOff val="35000"/>
+                  </a:schemeClr>
+                </a:solidFill>
+                <a:latin typeface="+mj-lt"/>
+                <a:ea typeface="Verdana" panose="020B0604030504040204" pitchFamily="34" charset="0"/>
+              </a:rPr>
+              <a:t>Image Credit: </a:t>
+            </a:r>
+            <a:r>
+              <a:rPr lang="en-US" sz="1400" b="0" i="0" dirty="0">
+                <a:solidFill>
+                  <a:schemeClr val="tx1">
+                    <a:lumMod val="65000"/>
+                    <a:lumOff val="35000"/>
+                  </a:schemeClr>
+                </a:solidFill>
+                <a:effectLst/>
+                <a:latin typeface="+mj-lt"/>
+                <a:ea typeface="Verdana" panose="020B0604030504040204" pitchFamily="34" charset="0"/>
+              </a:rPr>
+              <a:t> </a:t>
+            </a:r>
+            <a:r>
+              <a:rPr lang="en-US" sz="1400" b="0" i="0" kern="1200" dirty="0">
+                <a:solidFill>
+                  <a:schemeClr val="tx1">
+                    <a:lumMod val="65000"/>
+                    <a:lumOff val="35000"/>
+                  </a:schemeClr>
+                </a:solidFill>
+                <a:effectLst/>
+                <a:latin typeface="+mn-lt"/>
+                <a:ea typeface="+mn-ea"/>
+                <a:cs typeface="+mn-cs"/>
+              </a:rPr>
+              <a:t>https://ucsdnews.ucsd.edu/pressrelease/why_are_neuron_axons_long_and_spindly</a:t>
+            </a:r>
+            <a:endParaRPr lang="en-US" sz="1400" dirty="0">
+              <a:solidFill>
+                <a:schemeClr val="tx1">
+                  <a:lumMod val="65000"/>
+                  <a:lumOff val="35000"/>
+                </a:schemeClr>
+              </a:solidFill>
+              <a:latin typeface="+mj-lt"/>
+              <a:ea typeface="Verdana" panose="020B0604030504040204" pitchFamily="34" charset="0"/>
+            </a:endParaRPr>
+          </a:p>
+        </p:txBody>
+      </p:sp>
+    </p:spTree>
+    <p:extLst>
+      <p:ext uri="{BB962C8B-B14F-4D97-AF65-F5344CB8AC3E}">
+        <p14:creationId xmlns:p14="http://schemas.microsoft.com/office/powerpoint/2010/main" val="20922449"/>
+      </p:ext>
+    </p:extLst>
+  </p:cSld>
+  <p:clrMapOvr>
+    <a:masterClrMapping/>
+  </p:clrMapOvr>
+  <mc:AlternateContent xmlns:mc="http://schemas.openxmlformats.org/markup-compatibility/2006" xmlns:p14="http://schemas.microsoft.com/office/powerpoint/2010/main">
+    <mc:Choice Requires="p14">
+      <p:transition spd="med" p14:dur="700">
+        <p:fade/>
+      </p:transition>
+    </mc:Choice>
+    <mc:Fallback xmlns="">
+      <p:transition spd="med">
+        <p:fade/>
+      </p:transition>
+    </mc:Fallback>
+  </mc:AlternateContent>
+</p:sld>
+</file>
+
+<file path=ppt/slides/slide4.xml><?xml version="1.0" encoding="utf-8"?>
+<p:sld xmlns:a="http://schemas.openxmlformats.org/drawingml/2006/main" xmlns:r="http://schemas.openxmlformats.org/officeDocument/2006/relationships" xmlns:p="http://schemas.openxmlformats.org/presentationml/2006/main">
+  <p:cSld>
+    <p:spTree>
+      <p:nvGrpSpPr>
+        <p:cNvPr id="1" name=""/>
+        <p:cNvGrpSpPr/>
+        <p:nvPr/>
+      </p:nvGrpSpPr>
+      <p:grpSpPr>
+        <a:xfrm>
+          <a:off x="0" y="0"/>
+          <a:ext cx="0" cy="0"/>
+          <a:chOff x="0" y="0"/>
+          <a:chExt cx="0" cy="0"/>
+        </a:xfrm>
+      </p:grpSpPr>
+      <p:sp>
+        <p:nvSpPr>
+          <p:cNvPr id="3" name="TextBox 2">
+            <a:extLst>
+              <a:ext uri="{FF2B5EF4-FFF2-40B4-BE49-F238E27FC236}">
+                <a16:creationId xmlns:a16="http://schemas.microsoft.com/office/drawing/2014/main" id="{EB8807C2-3424-438C-827C-31D49092F46C}"/>
+              </a:ext>
+            </a:extLst>
+          </p:cNvPr>
+          <p:cNvSpPr txBox="1"/>
+          <p:nvPr/>
+        </p:nvSpPr>
+        <p:spPr>
+          <a:xfrm>
+            <a:off x="0" y="6550223"/>
+            <a:ext cx="12192000" cy="307777"/>
+          </a:xfrm>
+          <a:prstGeom prst="rect">
+            <a:avLst/>
+          </a:prstGeom>
+          <a:noFill/>
+        </p:spPr>
+        <p:txBody>
+          <a:bodyPr wrap="square" rtlCol="0">
+            <a:spAutoFit/>
+          </a:bodyPr>
+          <a:lstStyle/>
+          <a:p>
+            <a:r>
+              <a:rPr lang="en-US" sz="1400" dirty="0">
+                <a:solidFill>
+                  <a:schemeClr val="tx1">
+                    <a:lumMod val="65000"/>
+                    <a:lumOff val="35000"/>
+                  </a:schemeClr>
+                </a:solidFill>
+                <a:latin typeface="+mj-lt"/>
+                <a:ea typeface="Verdana" panose="020B0604030504040204" pitchFamily="34" charset="0"/>
+              </a:rPr>
+              <a:t>Image Credit: </a:t>
+            </a:r>
+            <a:r>
+              <a:rPr lang="en-US" sz="1400" b="0" i="0" dirty="0">
+                <a:solidFill>
+                  <a:schemeClr val="tx1">
+                    <a:lumMod val="65000"/>
+                    <a:lumOff val="35000"/>
+                  </a:schemeClr>
+                </a:solidFill>
+                <a:effectLst/>
+                <a:latin typeface="+mj-lt"/>
+                <a:ea typeface="Verdana" panose="020B0604030504040204" pitchFamily="34" charset="0"/>
+              </a:rPr>
+              <a:t> </a:t>
+            </a:r>
+            <a:r>
+              <a:rPr lang="en-US" sz="1400" b="0" i="0" kern="1200" dirty="0">
+                <a:solidFill>
+                  <a:schemeClr val="tx1">
+                    <a:lumMod val="65000"/>
+                    <a:lumOff val="35000"/>
+                  </a:schemeClr>
+                </a:solidFill>
+                <a:effectLst/>
+                <a:latin typeface="+mn-lt"/>
+                <a:ea typeface="+mn-ea"/>
+                <a:cs typeface="+mn-cs"/>
+              </a:rPr>
+              <a:t>https://ucsdnews.ucsd.edu/pressrelease/why_are_neuron_axons_long_and_spindly</a:t>
+            </a:r>
+            <a:endParaRPr lang="en-US" sz="1400" dirty="0">
+              <a:solidFill>
+                <a:schemeClr val="tx1">
+                  <a:lumMod val="65000"/>
+                  <a:lumOff val="35000"/>
+                </a:schemeClr>
+              </a:solidFill>
+              <a:latin typeface="+mj-lt"/>
+              <a:ea typeface="Verdana" panose="020B0604030504040204" pitchFamily="34" charset="0"/>
+            </a:endParaRPr>
+          </a:p>
+        </p:txBody>
+      </p:sp>
+      <p:pic>
+        <p:nvPicPr>
+          <p:cNvPr id="6" name="Picture 5">
+            <a:extLst>
+              <a:ext uri="{FF2B5EF4-FFF2-40B4-BE49-F238E27FC236}">
+                <a16:creationId xmlns:a16="http://schemas.microsoft.com/office/drawing/2014/main" id="{77510460-D19A-48DF-BE07-43B407BFF389}"/>
+              </a:ext>
+            </a:extLst>
+          </p:cNvPr>
+          <p:cNvPicPr>
+            <a:picLocks noChangeAspect="1"/>
+          </p:cNvPicPr>
+          <p:nvPr/>
+        </p:nvPicPr>
+        <p:blipFill>
+          <a:blip r:embed="rId3"/>
+          <a:stretch>
+            <a:fillRect/>
+          </a:stretch>
+        </p:blipFill>
+        <p:spPr>
+          <a:xfrm>
+            <a:off x="641444" y="1188720"/>
+            <a:ext cx="11041040" cy="4601299"/>
+          </a:xfrm>
+          <a:prstGeom prst="rect">
+            <a:avLst/>
+          </a:prstGeom>
+        </p:spPr>
+      </p:pic>
+    </p:spTree>
+    <p:extLst>
+      <p:ext uri="{BB962C8B-B14F-4D97-AF65-F5344CB8AC3E}">
+        <p14:creationId xmlns:p14="http://schemas.microsoft.com/office/powerpoint/2010/main" val="571104442"/>
+      </p:ext>
+    </p:extLst>
+  </p:cSld>
+  <p:clrMapOvr>
+    <a:masterClrMapping/>
+  </p:clrMapOvr>
+  <mc:AlternateContent xmlns:mc="http://schemas.openxmlformats.org/markup-compatibility/2006" xmlns:p14="http://schemas.microsoft.com/office/powerpoint/2010/main">
+    <mc:Choice Requires="p14">
+      <p:transition spd="med" p14:dur="700">
+        <p:fade/>
+      </p:transition>
+    </mc:Choice>
+    <mc:Fallback xmlns="">
+      <p:transition spd="med">
+        <p:fade/>
+      </p:transition>
+    </mc:Fallback>
+  </mc:AlternateContent>
+</p:sld>
+</file>
+
+<file path=ppt/slides/slide5.xml><?xml version="1.0" encoding="utf-8"?>
+<p:sld xmlns:a="http://schemas.openxmlformats.org/drawingml/2006/main" xmlns:r="http://schemas.openxmlformats.org/officeDocument/2006/relationships" xmlns:p="http://schemas.openxmlformats.org/presentationml/2006/main">
+  <p:cSld>
+    <p:spTree>
+      <p:nvGrpSpPr>
+        <p:cNvPr id="1" name=""/>
+        <p:cNvGrpSpPr/>
+        <p:nvPr/>
+      </p:nvGrpSpPr>
+      <p:grpSpPr>
+        <a:xfrm>
+          <a:off x="0" y="0"/>
+          <a:ext cx="0" cy="0"/>
+          <a:chOff x="0" y="0"/>
+          <a:chExt cx="0" cy="0"/>
+        </a:xfrm>
+      </p:grpSpPr>
+      <p:pic>
+        <p:nvPicPr>
+          <p:cNvPr id="1026" name="Picture 2" descr="F13005">
+            <a:extLst>
+              <a:ext uri="{FF2B5EF4-FFF2-40B4-BE49-F238E27FC236}">
+                <a16:creationId xmlns:a16="http://schemas.microsoft.com/office/drawing/2014/main" id="{C96502CA-A68E-4ACD-9B1A-A47EA9C12D54}"/>
+              </a:ext>
+            </a:extLst>
+          </p:cNvPr>
+          <p:cNvPicPr>
+            <a:picLocks noChangeAspect="1" noChangeArrowheads="1"/>
+          </p:cNvPicPr>
+          <p:nvPr/>
+        </p:nvPicPr>
+        <p:blipFill>
+          <a:blip r:embed="rId3">
+            <a:extLst>
+              <a:ext uri="{28A0092B-C50C-407E-A947-70E740481C1C}">
+                <a14:useLocalDpi xmlns:a14="http://schemas.microsoft.com/office/drawing/2010/main" val="0"/>
+              </a:ext>
+            </a:extLst>
+          </a:blip>
+          <a:srcRect/>
+          <a:stretch>
+            <a:fillRect/>
+          </a:stretch>
+        </p:blipFill>
+        <p:spPr bwMode="auto">
+          <a:xfrm>
+            <a:off x="3357563" y="738188"/>
+            <a:ext cx="5476875" cy="5381625"/>
+          </a:xfrm>
+          <a:prstGeom prst="rect">
+            <a:avLst/>
+          </a:prstGeom>
+          <a:noFill/>
+          <a:extLst>
+            <a:ext uri="{909E8E84-426E-40DD-AFC4-6F175D3DCCD1}">
+              <a14:hiddenFill xmlns:a14="http://schemas.microsoft.com/office/drawing/2010/main">
+                <a:solidFill>
+                  <a:srgbClr val="FFFFFF"/>
+                </a:solidFill>
+              </a14:hiddenFill>
+            </a:ext>
+          </a:extLst>
+        </p:spPr>
+      </p:pic>
+      <p:sp>
+        <p:nvSpPr>
+          <p:cNvPr id="26" name="TextBox 25">
+            <a:extLst>
+              <a:ext uri="{FF2B5EF4-FFF2-40B4-BE49-F238E27FC236}">
+                <a16:creationId xmlns:a16="http://schemas.microsoft.com/office/drawing/2014/main" id="{C53A25A6-F70B-4315-9230-0220EC84A470}"/>
+              </a:ext>
+            </a:extLst>
+          </p:cNvPr>
+          <p:cNvSpPr txBox="1"/>
+          <p:nvPr/>
+        </p:nvSpPr>
+        <p:spPr>
+          <a:xfrm>
+            <a:off x="0" y="6550223"/>
+            <a:ext cx="12192000" cy="307777"/>
+          </a:xfrm>
+          <a:prstGeom prst="rect">
+            <a:avLst/>
+          </a:prstGeom>
+          <a:noFill/>
+        </p:spPr>
+        <p:txBody>
+          <a:bodyPr wrap="square" rtlCol="0">
+            <a:spAutoFit/>
+          </a:bodyPr>
+          <a:lstStyle/>
+          <a:p>
+            <a:r>
+              <a:rPr lang="en-US" sz="1400" dirty="0">
+                <a:solidFill>
+                  <a:schemeClr val="tx1">
+                    <a:lumMod val="65000"/>
+                    <a:lumOff val="35000"/>
+                  </a:schemeClr>
+                </a:solidFill>
+                <a:latin typeface="+mj-lt"/>
+                <a:ea typeface="Verdana" panose="020B0604030504040204" pitchFamily="34" charset="0"/>
+              </a:rPr>
+              <a:t>Source: Glassner, A. (2021). </a:t>
+            </a:r>
+            <a:r>
+              <a:rPr lang="en-US" sz="1400" i="1" dirty="0">
+                <a:solidFill>
+                  <a:schemeClr val="tx1">
+                    <a:lumMod val="65000"/>
+                    <a:lumOff val="35000"/>
+                  </a:schemeClr>
+                </a:solidFill>
+                <a:latin typeface="+mj-lt"/>
+                <a:ea typeface="Verdana" panose="020B0604030504040204" pitchFamily="34" charset="0"/>
+              </a:rPr>
+              <a:t>Deep learning: A visual approach</a:t>
+            </a:r>
+            <a:r>
+              <a:rPr lang="en-US" sz="1400" dirty="0">
+                <a:solidFill>
+                  <a:schemeClr val="tx1">
+                    <a:lumMod val="65000"/>
+                    <a:lumOff val="35000"/>
+                  </a:schemeClr>
+                </a:solidFill>
+                <a:latin typeface="+mj-lt"/>
+                <a:ea typeface="Verdana" panose="020B0604030504040204" pitchFamily="34" charset="0"/>
+              </a:rPr>
+              <a:t>. </a:t>
+            </a:r>
+            <a:r>
+              <a:rPr lang="en-US" sz="1400" b="0" i="0" dirty="0">
+                <a:solidFill>
+                  <a:schemeClr val="tx1">
+                    <a:lumMod val="65000"/>
+                    <a:lumOff val="35000"/>
+                  </a:schemeClr>
+                </a:solidFill>
+                <a:effectLst/>
+                <a:latin typeface="+mj-lt"/>
+                <a:ea typeface="Verdana" panose="020B0604030504040204" pitchFamily="34" charset="0"/>
+              </a:rPr>
+              <a:t>San Francisco, CA: No Starch Press. (Chapter 13)</a:t>
+            </a:r>
+            <a:endParaRPr lang="en-US" sz="1400" dirty="0">
+              <a:solidFill>
+                <a:schemeClr val="tx1">
+                  <a:lumMod val="65000"/>
+                  <a:lumOff val="35000"/>
+                </a:schemeClr>
+              </a:solidFill>
+              <a:latin typeface="+mj-lt"/>
+              <a:ea typeface="Verdana" panose="020B0604030504040204" pitchFamily="34" charset="0"/>
+            </a:endParaRPr>
+          </a:p>
+        </p:txBody>
+      </p:sp>
+      <p:pic>
+        <p:nvPicPr>
+          <p:cNvPr id="27" name="Picture 26">
+            <a:extLst>
+              <a:ext uri="{FF2B5EF4-FFF2-40B4-BE49-F238E27FC236}">
+                <a16:creationId xmlns:a16="http://schemas.microsoft.com/office/drawing/2014/main" id="{C567A29A-EB71-43AB-8547-CCBEEA9094B9}"/>
+              </a:ext>
+            </a:extLst>
+          </p:cNvPr>
+          <p:cNvPicPr>
+            <a:picLocks noChangeAspect="1"/>
+          </p:cNvPicPr>
+          <p:nvPr/>
+        </p:nvPicPr>
+        <p:blipFill>
+          <a:blip r:embed="rId4"/>
+          <a:stretch>
+            <a:fillRect/>
+          </a:stretch>
+        </p:blipFill>
+        <p:spPr>
+          <a:xfrm>
+            <a:off x="7751119" y="3801873"/>
+            <a:ext cx="1319664" cy="1493304"/>
+          </a:xfrm>
+          <a:prstGeom prst="rect">
+            <a:avLst/>
+          </a:prstGeom>
+        </p:spPr>
+      </p:pic>
+      <p:pic>
+        <p:nvPicPr>
+          <p:cNvPr id="29" name="Picture 28">
+            <a:extLst>
+              <a:ext uri="{FF2B5EF4-FFF2-40B4-BE49-F238E27FC236}">
+                <a16:creationId xmlns:a16="http://schemas.microsoft.com/office/drawing/2014/main" id="{15CF3381-AE79-4E55-BDD9-20034692FAE5}"/>
+              </a:ext>
+            </a:extLst>
+          </p:cNvPr>
+          <p:cNvPicPr>
+            <a:picLocks noChangeAspect="1"/>
+          </p:cNvPicPr>
+          <p:nvPr/>
+        </p:nvPicPr>
+        <p:blipFill>
+          <a:blip r:embed="rId5"/>
+          <a:stretch>
+            <a:fillRect/>
+          </a:stretch>
+        </p:blipFill>
+        <p:spPr>
+          <a:xfrm>
+            <a:off x="6195109" y="3913086"/>
+            <a:ext cx="1297823" cy="1468590"/>
+          </a:xfrm>
+          <a:prstGeom prst="rect">
+            <a:avLst/>
+          </a:prstGeom>
+        </p:spPr>
+      </p:pic>
+    </p:spTree>
+    <p:extLst>
+      <p:ext uri="{BB962C8B-B14F-4D97-AF65-F5344CB8AC3E}">
+        <p14:creationId xmlns:p14="http://schemas.microsoft.com/office/powerpoint/2010/main" val="2329276547"/>
+      </p:ext>
+    </p:extLst>
+  </p:cSld>
+  <p:clrMapOvr>
+    <a:masterClrMapping/>
+  </p:clrMapOvr>
+  <mc:AlternateContent xmlns:mc="http://schemas.openxmlformats.org/markup-compatibility/2006" xmlns:p14="http://schemas.microsoft.com/office/powerpoint/2010/main">
+    <mc:Choice Requires="p14">
+      <p:transition spd="med" p14:dur="700">
+        <p:fade/>
+      </p:transition>
+    </mc:Choice>
+    <mc:Fallback xmlns="">
+      <p:transition spd="med">
+        <p:fade/>
+      </p:transition>
+    </mc:Fallback>
+  </mc:AlternateContent>
+</p:sld>
+</file>
+
+<file path=ppt/slides/slide6.xml><?xml version="1.0" encoding="utf-8"?>
+<p:sld xmlns:a="http://schemas.openxmlformats.org/drawingml/2006/main" xmlns:r="http://schemas.openxmlformats.org/officeDocument/2006/relationships" xmlns:p="http://schemas.openxmlformats.org/presentationml/2006/main">
+  <p:cSld>
+    <p:spTree>
+      <p:nvGrpSpPr>
+        <p:cNvPr id="1" name=""/>
+        <p:cNvGrpSpPr/>
+        <p:nvPr/>
+      </p:nvGrpSpPr>
+      <p:grpSpPr>
+        <a:xfrm>
+          <a:off x="0" y="0"/>
+          <a:ext cx="0" cy="0"/>
+          <a:chOff x="0" y="0"/>
+          <a:chExt cx="0" cy="0"/>
+        </a:xfrm>
+      </p:grpSpPr>
+      <p:sp>
+        <p:nvSpPr>
+          <p:cNvPr id="26" name="TextBox 25">
+            <a:extLst>
+              <a:ext uri="{FF2B5EF4-FFF2-40B4-BE49-F238E27FC236}">
+                <a16:creationId xmlns:a16="http://schemas.microsoft.com/office/drawing/2014/main" id="{C53A25A6-F70B-4315-9230-0220EC84A470}"/>
+              </a:ext>
+            </a:extLst>
+          </p:cNvPr>
+          <p:cNvSpPr txBox="1"/>
+          <p:nvPr/>
+        </p:nvSpPr>
+        <p:spPr>
+          <a:xfrm>
+            <a:off x="0" y="6550223"/>
+            <a:ext cx="12192000" cy="307777"/>
+          </a:xfrm>
+          <a:prstGeom prst="rect">
+            <a:avLst/>
+          </a:prstGeom>
+          <a:noFill/>
+        </p:spPr>
+        <p:txBody>
+          <a:bodyPr wrap="square" rtlCol="0">
+            <a:spAutoFit/>
+          </a:bodyPr>
+          <a:lstStyle/>
+          <a:p>
+            <a:r>
+              <a:rPr lang="en-US" sz="1400" dirty="0">
+                <a:solidFill>
+                  <a:schemeClr val="tx1">
+                    <a:lumMod val="65000"/>
+                    <a:lumOff val="35000"/>
+                  </a:schemeClr>
+                </a:solidFill>
+                <a:latin typeface="+mj-lt"/>
+                <a:ea typeface="Verdana" panose="020B0604030504040204" pitchFamily="34" charset="0"/>
+              </a:rPr>
+              <a:t>Source: Glassner, A. (2021). </a:t>
+            </a:r>
+            <a:r>
+              <a:rPr lang="en-US" sz="1400" i="1" dirty="0">
+                <a:solidFill>
+                  <a:schemeClr val="tx1">
+                    <a:lumMod val="65000"/>
+                    <a:lumOff val="35000"/>
+                  </a:schemeClr>
+                </a:solidFill>
+                <a:latin typeface="+mj-lt"/>
+                <a:ea typeface="Verdana" panose="020B0604030504040204" pitchFamily="34" charset="0"/>
+              </a:rPr>
+              <a:t>Deep learning: A visual approach</a:t>
+            </a:r>
+            <a:r>
+              <a:rPr lang="en-US" sz="1400" dirty="0">
+                <a:solidFill>
+                  <a:schemeClr val="tx1">
+                    <a:lumMod val="65000"/>
+                    <a:lumOff val="35000"/>
+                  </a:schemeClr>
+                </a:solidFill>
+                <a:latin typeface="+mj-lt"/>
+                <a:ea typeface="Verdana" panose="020B0604030504040204" pitchFamily="34" charset="0"/>
+              </a:rPr>
+              <a:t>. </a:t>
+            </a:r>
+            <a:r>
+              <a:rPr lang="en-US" sz="1400" b="0" i="0" dirty="0">
+                <a:solidFill>
+                  <a:schemeClr val="tx1">
+                    <a:lumMod val="65000"/>
+                    <a:lumOff val="35000"/>
+                  </a:schemeClr>
+                </a:solidFill>
+                <a:effectLst/>
+                <a:latin typeface="+mj-lt"/>
+                <a:ea typeface="Verdana" panose="020B0604030504040204" pitchFamily="34" charset="0"/>
+              </a:rPr>
+              <a:t>San Francisco, CA: No Starch Press. (Chapter 13)</a:t>
+            </a:r>
+            <a:endParaRPr lang="en-US" sz="1400" dirty="0">
+              <a:solidFill>
+                <a:schemeClr val="tx1">
+                  <a:lumMod val="65000"/>
+                  <a:lumOff val="35000"/>
+                </a:schemeClr>
+              </a:solidFill>
+              <a:latin typeface="+mj-lt"/>
+              <a:ea typeface="Verdana" panose="020B0604030504040204" pitchFamily="34" charset="0"/>
+            </a:endParaRPr>
+          </a:p>
+        </p:txBody>
+      </p:sp>
+      <p:pic>
+        <p:nvPicPr>
+          <p:cNvPr id="2050" name="Picture 2" descr="F13007">
+            <a:extLst>
+              <a:ext uri="{FF2B5EF4-FFF2-40B4-BE49-F238E27FC236}">
+                <a16:creationId xmlns:a16="http://schemas.microsoft.com/office/drawing/2014/main" id="{49998C89-C1F9-4D24-9BE4-E1FA2D6BCDEC}"/>
+              </a:ext>
+            </a:extLst>
+          </p:cNvPr>
+          <p:cNvPicPr>
+            <a:picLocks noChangeAspect="1" noChangeArrowheads="1"/>
+          </p:cNvPicPr>
+          <p:nvPr/>
+        </p:nvPicPr>
+        <p:blipFill>
+          <a:blip r:embed="rId3">
+            <a:extLst>
+              <a:ext uri="{28A0092B-C50C-407E-A947-70E740481C1C}">
+                <a14:useLocalDpi xmlns:a14="http://schemas.microsoft.com/office/drawing/2010/main" val="0"/>
+              </a:ext>
+            </a:extLst>
+          </a:blip>
+          <a:srcRect/>
+          <a:stretch>
+            <a:fillRect/>
+          </a:stretch>
+        </p:blipFill>
+        <p:spPr bwMode="auto">
+          <a:xfrm>
+            <a:off x="2076450" y="1585913"/>
+            <a:ext cx="8039100" cy="3686175"/>
+          </a:xfrm>
+          <a:prstGeom prst="rect">
+            <a:avLst/>
+          </a:prstGeom>
+          <a:noFill/>
+          <a:extLst>
+            <a:ext uri="{909E8E84-426E-40DD-AFC4-6F175D3DCCD1}">
+              <a14:hiddenFill xmlns:a14="http://schemas.microsoft.com/office/drawing/2010/main">
+                <a:solidFill>
+                  <a:srgbClr val="FFFFFF"/>
+                </a:solidFill>
+              </a14:hiddenFill>
+            </a:ext>
+          </a:extLst>
+        </p:spPr>
+      </p:pic>
+    </p:spTree>
+    <p:extLst>
+      <p:ext uri="{BB962C8B-B14F-4D97-AF65-F5344CB8AC3E}">
+        <p14:creationId xmlns:p14="http://schemas.microsoft.com/office/powerpoint/2010/main" val="3585885207"/>
+      </p:ext>
+    </p:extLst>
+  </p:cSld>
+  <p:clrMapOvr>
+    <a:masterClrMapping/>
+  </p:clrMapOvr>
+  <mc:AlternateContent xmlns:mc="http://schemas.openxmlformats.org/markup-compatibility/2006" xmlns:p14="http://schemas.microsoft.com/office/powerpoint/2010/main">
+    <mc:Choice Requires="p14">
+      <p:transition spd="med" p14:dur="700">
+        <p:fade/>
+      </p:transition>
+    </mc:Choice>
+    <mc:Fallback xmlns="">
+      <p:transition spd="med">
+        <p:fade/>
+      </p:transition>
+    </mc:Fallback>
+  </mc:AlternateContent>
+</p:sld>
+</file>
+
+<file path=ppt/slides/slide7.xml><?xml version="1.0" encoding="utf-8"?>
+<p:sld xmlns:a="http://schemas.openxmlformats.org/drawingml/2006/main" xmlns:r="http://schemas.openxmlformats.org/officeDocument/2006/relationships" xmlns:p="http://schemas.openxmlformats.org/presentationml/2006/main">
+  <p:cSld>
+    <p:spTree>
+      <p:nvGrpSpPr>
+        <p:cNvPr id="1" name=""/>
+        <p:cNvGrpSpPr/>
+        <p:nvPr/>
+      </p:nvGrpSpPr>
+      <p:grpSpPr>
+        <a:xfrm>
+          <a:off x="0" y="0"/>
+          <a:ext cx="0" cy="0"/>
+          <a:chOff x="0" y="0"/>
+          <a:chExt cx="0" cy="0"/>
+        </a:xfrm>
+      </p:grpSpPr>
+      <p:sp>
+        <p:nvSpPr>
+          <p:cNvPr id="26" name="TextBox 25">
+            <a:extLst>
+              <a:ext uri="{FF2B5EF4-FFF2-40B4-BE49-F238E27FC236}">
+                <a16:creationId xmlns:a16="http://schemas.microsoft.com/office/drawing/2014/main" id="{C53A25A6-F70B-4315-9230-0220EC84A470}"/>
+              </a:ext>
+            </a:extLst>
+          </p:cNvPr>
+          <p:cNvSpPr txBox="1"/>
+          <p:nvPr/>
+        </p:nvSpPr>
+        <p:spPr>
+          <a:xfrm>
+            <a:off x="0" y="6550223"/>
+            <a:ext cx="12192000" cy="307777"/>
+          </a:xfrm>
+          <a:prstGeom prst="rect">
+            <a:avLst/>
+          </a:prstGeom>
+          <a:noFill/>
+        </p:spPr>
+        <p:txBody>
+          <a:bodyPr wrap="square" rtlCol="0">
+            <a:spAutoFit/>
+          </a:bodyPr>
+          <a:lstStyle/>
+          <a:p>
+            <a:r>
+              <a:rPr lang="en-US" sz="1400" dirty="0">
+                <a:solidFill>
+                  <a:schemeClr val="tx1">
+                    <a:lumMod val="65000"/>
+                    <a:lumOff val="35000"/>
+                  </a:schemeClr>
+                </a:solidFill>
+                <a:latin typeface="+mj-lt"/>
+                <a:ea typeface="Verdana" panose="020B0604030504040204" pitchFamily="34" charset="0"/>
+              </a:rPr>
+              <a:t>Source: Glassner, A. (2021). </a:t>
+            </a:r>
+            <a:r>
+              <a:rPr lang="en-US" sz="1400" i="1" dirty="0">
+                <a:solidFill>
+                  <a:schemeClr val="tx1">
+                    <a:lumMod val="65000"/>
+                    <a:lumOff val="35000"/>
+                  </a:schemeClr>
+                </a:solidFill>
+                <a:latin typeface="+mj-lt"/>
+                <a:ea typeface="Verdana" panose="020B0604030504040204" pitchFamily="34" charset="0"/>
+              </a:rPr>
+              <a:t>Deep learning: A visual approach</a:t>
+            </a:r>
+            <a:r>
+              <a:rPr lang="en-US" sz="1400" dirty="0">
+                <a:solidFill>
+                  <a:schemeClr val="tx1">
+                    <a:lumMod val="65000"/>
+                    <a:lumOff val="35000"/>
+                  </a:schemeClr>
+                </a:solidFill>
+                <a:latin typeface="+mj-lt"/>
+                <a:ea typeface="Verdana" panose="020B0604030504040204" pitchFamily="34" charset="0"/>
+              </a:rPr>
+              <a:t>. </a:t>
+            </a:r>
+            <a:r>
+              <a:rPr lang="en-US" sz="1400" b="0" i="0" dirty="0">
+                <a:solidFill>
+                  <a:schemeClr val="tx1">
+                    <a:lumMod val="65000"/>
+                    <a:lumOff val="35000"/>
+                  </a:schemeClr>
+                </a:solidFill>
+                <a:effectLst/>
+                <a:latin typeface="+mj-lt"/>
+                <a:ea typeface="Verdana" panose="020B0604030504040204" pitchFamily="34" charset="0"/>
+              </a:rPr>
+              <a:t>San Francisco, CA: No Starch Press. (Chapter 13)</a:t>
+            </a:r>
+            <a:endParaRPr lang="en-US" sz="1400" dirty="0">
+              <a:solidFill>
+                <a:schemeClr val="tx1">
+                  <a:lumMod val="65000"/>
+                  <a:lumOff val="35000"/>
+                </a:schemeClr>
+              </a:solidFill>
+              <a:latin typeface="+mj-lt"/>
+              <a:ea typeface="Verdana" panose="020B0604030504040204" pitchFamily="34" charset="0"/>
+            </a:endParaRPr>
+          </a:p>
+        </p:txBody>
+      </p:sp>
+      <p:pic>
+        <p:nvPicPr>
+          <p:cNvPr id="3074" name="Picture 2" descr="F13008">
+            <a:extLst>
+              <a:ext uri="{FF2B5EF4-FFF2-40B4-BE49-F238E27FC236}">
+                <a16:creationId xmlns:a16="http://schemas.microsoft.com/office/drawing/2014/main" id="{AB45381E-7E07-433B-9E26-E0F7C8B0430C}"/>
+              </a:ext>
+            </a:extLst>
+          </p:cNvPr>
+          <p:cNvPicPr>
+            <a:picLocks noChangeAspect="1" noChangeArrowheads="1"/>
+          </p:cNvPicPr>
+          <p:nvPr/>
+        </p:nvPicPr>
+        <p:blipFill>
+          <a:blip r:embed="rId3">
+            <a:extLst>
+              <a:ext uri="{28A0092B-C50C-407E-A947-70E740481C1C}">
+                <a14:useLocalDpi xmlns:a14="http://schemas.microsoft.com/office/drawing/2010/main" val="0"/>
+              </a:ext>
+            </a:extLst>
+          </a:blip>
+          <a:srcRect/>
+          <a:stretch>
+            <a:fillRect/>
+          </a:stretch>
+        </p:blipFill>
+        <p:spPr bwMode="auto">
+          <a:xfrm>
+            <a:off x="4000500" y="1857375"/>
+            <a:ext cx="4191000" cy="3143250"/>
+          </a:xfrm>
+          <a:prstGeom prst="rect">
+            <a:avLst/>
+          </a:prstGeom>
+          <a:noFill/>
+          <a:extLst>
+            <a:ext uri="{909E8E84-426E-40DD-AFC4-6F175D3DCCD1}">
+              <a14:hiddenFill xmlns:a14="http://schemas.microsoft.com/office/drawing/2010/main">
+                <a:solidFill>
+                  <a:srgbClr val="FFFFFF"/>
+                </a:solidFill>
+              </a14:hiddenFill>
+            </a:ext>
+          </a:extLst>
+        </p:spPr>
+      </p:pic>
+    </p:spTree>
+    <p:extLst>
+      <p:ext uri="{BB962C8B-B14F-4D97-AF65-F5344CB8AC3E}">
+        <p14:creationId xmlns:p14="http://schemas.microsoft.com/office/powerpoint/2010/main" val="3017571832"/>
+      </p:ext>
+    </p:extLst>
+  </p:cSld>
+  <p:clrMapOvr>
+    <a:masterClrMapping/>
+  </p:clrMapOvr>
+  <mc:AlternateContent xmlns:mc="http://schemas.openxmlformats.org/markup-compatibility/2006" xmlns:p14="http://schemas.microsoft.com/office/powerpoint/2010/main">
+    <mc:Choice Requires="p14">
+      <p:transition spd="med" p14:dur="700">
+        <p:fade/>
+      </p:transition>
+    </mc:Choice>
+    <mc:Fallback xmlns="">
+      <p:transition spd="med">
+        <p:fade/>
+      </p:transition>
+    </mc:Fallback>
+  </mc:AlternateContent>
+</p:sld>
+</file>
+
+<file path=ppt/slides/slide8.xml><?xml version="1.0" encoding="utf-8"?>
+<p:sld xmlns:a="http://schemas.openxmlformats.org/drawingml/2006/main" xmlns:r="http://schemas.openxmlformats.org/officeDocument/2006/relationships" xmlns:p="http://schemas.openxmlformats.org/presentationml/2006/main">
+  <p:cSld>
+    <p:spTree>
+      <p:nvGrpSpPr>
+        <p:cNvPr id="1" name=""/>
+        <p:cNvGrpSpPr/>
+        <p:nvPr/>
+      </p:nvGrpSpPr>
+      <p:grpSpPr>
+        <a:xfrm>
+          <a:off x="0" y="0"/>
+          <a:ext cx="0" cy="0"/>
+          <a:chOff x="0" y="0"/>
+          <a:chExt cx="0" cy="0"/>
+        </a:xfrm>
+      </p:grpSpPr>
+      <p:sp>
+        <p:nvSpPr>
+          <p:cNvPr id="26" name="TextBox 25">
+            <a:extLst>
+              <a:ext uri="{FF2B5EF4-FFF2-40B4-BE49-F238E27FC236}">
+                <a16:creationId xmlns:a16="http://schemas.microsoft.com/office/drawing/2014/main" id="{C53A25A6-F70B-4315-9230-0220EC84A470}"/>
+              </a:ext>
+            </a:extLst>
+          </p:cNvPr>
+          <p:cNvSpPr txBox="1"/>
+          <p:nvPr/>
+        </p:nvSpPr>
+        <p:spPr>
+          <a:xfrm>
+            <a:off x="0" y="6550223"/>
+            <a:ext cx="12192000" cy="307777"/>
+          </a:xfrm>
+          <a:prstGeom prst="rect">
+            <a:avLst/>
+          </a:prstGeom>
+          <a:noFill/>
+        </p:spPr>
+        <p:txBody>
+          <a:bodyPr wrap="square" rtlCol="0">
+            <a:spAutoFit/>
+          </a:bodyPr>
+          <a:lstStyle/>
+          <a:p>
+            <a:r>
+              <a:rPr lang="en-US" sz="1400" dirty="0">
+                <a:solidFill>
+                  <a:schemeClr val="tx1">
+                    <a:lumMod val="65000"/>
+                    <a:lumOff val="35000"/>
+                  </a:schemeClr>
+                </a:solidFill>
+                <a:latin typeface="+mj-lt"/>
+                <a:ea typeface="Verdana" panose="020B0604030504040204" pitchFamily="34" charset="0"/>
+              </a:rPr>
+              <a:t>Source: Glassner, A. (2021). </a:t>
+            </a:r>
+            <a:r>
+              <a:rPr lang="en-US" sz="1400" i="1" dirty="0">
+                <a:solidFill>
+                  <a:schemeClr val="tx1">
+                    <a:lumMod val="65000"/>
+                    <a:lumOff val="35000"/>
+                  </a:schemeClr>
+                </a:solidFill>
+                <a:latin typeface="+mj-lt"/>
+                <a:ea typeface="Verdana" panose="020B0604030504040204" pitchFamily="34" charset="0"/>
+              </a:rPr>
+              <a:t>Deep learning: A visual approach</a:t>
+            </a:r>
+            <a:r>
+              <a:rPr lang="en-US" sz="1400" dirty="0">
+                <a:solidFill>
+                  <a:schemeClr val="tx1">
+                    <a:lumMod val="65000"/>
+                    <a:lumOff val="35000"/>
+                  </a:schemeClr>
+                </a:solidFill>
+                <a:latin typeface="+mj-lt"/>
+                <a:ea typeface="Verdana" panose="020B0604030504040204" pitchFamily="34" charset="0"/>
+              </a:rPr>
+              <a:t>. </a:t>
+            </a:r>
+            <a:r>
+              <a:rPr lang="en-US" sz="1400" b="0" i="0" dirty="0">
+                <a:solidFill>
+                  <a:schemeClr val="tx1">
+                    <a:lumMod val="65000"/>
+                    <a:lumOff val="35000"/>
+                  </a:schemeClr>
+                </a:solidFill>
+                <a:effectLst/>
+                <a:latin typeface="+mj-lt"/>
+                <a:ea typeface="Verdana" panose="020B0604030504040204" pitchFamily="34" charset="0"/>
+              </a:rPr>
+              <a:t>San Francisco, CA: No Starch Press. (Chapter 13)</a:t>
+            </a:r>
+            <a:endParaRPr lang="en-US" sz="1400" dirty="0">
+              <a:solidFill>
+                <a:schemeClr val="tx1">
+                  <a:lumMod val="65000"/>
+                  <a:lumOff val="35000"/>
+                </a:schemeClr>
+              </a:solidFill>
+              <a:latin typeface="+mj-lt"/>
+              <a:ea typeface="Verdana" panose="020B0604030504040204" pitchFamily="34" charset="0"/>
+            </a:endParaRPr>
+          </a:p>
+        </p:txBody>
+      </p:sp>
+      <p:pic>
+        <p:nvPicPr>
+          <p:cNvPr id="4098" name="Picture 2" descr="F13011">
+            <a:extLst>
+              <a:ext uri="{FF2B5EF4-FFF2-40B4-BE49-F238E27FC236}">
+                <a16:creationId xmlns:a16="http://schemas.microsoft.com/office/drawing/2014/main" id="{5CFC9A01-5410-4C01-89C7-73E09C09A788}"/>
+              </a:ext>
+            </a:extLst>
+          </p:cNvPr>
+          <p:cNvPicPr>
+            <a:picLocks noChangeAspect="1" noChangeArrowheads="1"/>
+          </p:cNvPicPr>
+          <p:nvPr/>
+        </p:nvPicPr>
+        <p:blipFill>
+          <a:blip r:embed="rId3">
+            <a:extLst>
+              <a:ext uri="{28A0092B-C50C-407E-A947-70E740481C1C}">
+                <a14:useLocalDpi xmlns:a14="http://schemas.microsoft.com/office/drawing/2010/main" val="0"/>
+              </a:ext>
+            </a:extLst>
+          </a:blip>
+          <a:srcRect/>
+          <a:stretch>
+            <a:fillRect/>
+          </a:stretch>
+        </p:blipFill>
+        <p:spPr bwMode="auto">
+          <a:xfrm>
+            <a:off x="2162175" y="1366838"/>
+            <a:ext cx="7867650" cy="4124325"/>
+          </a:xfrm>
+          <a:prstGeom prst="rect">
+            <a:avLst/>
+          </a:prstGeom>
+          <a:noFill/>
+          <a:extLst>
+            <a:ext uri="{909E8E84-426E-40DD-AFC4-6F175D3DCCD1}">
+              <a14:hiddenFill xmlns:a14="http://schemas.microsoft.com/office/drawing/2010/main">
+                <a:solidFill>
+                  <a:srgbClr val="FFFFFF"/>
+                </a:solidFill>
+              </a14:hiddenFill>
+            </a:ext>
+          </a:extLst>
+        </p:spPr>
+      </p:pic>
+    </p:spTree>
+    <p:extLst>
+      <p:ext uri="{BB962C8B-B14F-4D97-AF65-F5344CB8AC3E}">
+        <p14:creationId xmlns:p14="http://schemas.microsoft.com/office/powerpoint/2010/main" val="334253045"/>
+      </p:ext>
+    </p:extLst>
+  </p:cSld>
+  <p:clrMapOvr>
+    <a:masterClrMapping/>
+  </p:clrMapOvr>
+  <mc:AlternateContent xmlns:mc="http://schemas.openxmlformats.org/markup-compatibility/2006" xmlns:p14="http://schemas.microsoft.com/office/powerpoint/2010/main">
+    <mc:Choice Requires="p14">
+      <p:transition spd="med" p14:dur="700">
+        <p:fade/>
+      </p:transition>
+    </mc:Choice>
+    <mc:Fallback xmlns="">
+      <p:transition spd="med">
+        <p:fade/>
+      </p:transition>
+    </mc:Fallback>
+  </mc:AlternateContent>
+</p:sld>
+</file>
+
+<file path=ppt/slides/slide9.xml><?xml version="1.0" encoding="utf-8"?>
+<p:sld xmlns:a="http://schemas.openxmlformats.org/drawingml/2006/main" xmlns:r="http://schemas.openxmlformats.org/officeDocument/2006/relationships" xmlns:p="http://schemas.openxmlformats.org/presentationml/2006/main">
+  <p:cSld>
+    <p:spTree>
+      <p:nvGrpSpPr>
+        <p:cNvPr id="1" name=""/>
+        <p:cNvGrpSpPr/>
+        <p:nvPr/>
+      </p:nvGrpSpPr>
+      <p:grpSpPr>
+        <a:xfrm>
+          <a:off x="0" y="0"/>
+          <a:ext cx="0" cy="0"/>
+          <a:chOff x="0" y="0"/>
+          <a:chExt cx="0" cy="0"/>
+        </a:xfrm>
+      </p:grpSpPr>
+      <p:sp>
+        <p:nvSpPr>
+          <p:cNvPr id="26" name="TextBox 25">
+            <a:extLst>
+              <a:ext uri="{FF2B5EF4-FFF2-40B4-BE49-F238E27FC236}">
+                <a16:creationId xmlns:a16="http://schemas.microsoft.com/office/drawing/2014/main" id="{C53A25A6-F70B-4315-9230-0220EC84A470}"/>
+              </a:ext>
+            </a:extLst>
+          </p:cNvPr>
+          <p:cNvSpPr txBox="1"/>
+          <p:nvPr/>
+        </p:nvSpPr>
+        <p:spPr>
+          <a:xfrm>
+            <a:off x="0" y="6550223"/>
+            <a:ext cx="12192000" cy="307777"/>
+          </a:xfrm>
+          <a:prstGeom prst="rect">
+            <a:avLst/>
+          </a:prstGeom>
+          <a:noFill/>
+        </p:spPr>
+        <p:txBody>
+          <a:bodyPr wrap="square" rtlCol="0">
+            <a:spAutoFit/>
+          </a:bodyPr>
+          <a:lstStyle/>
+          <a:p>
+            <a:r>
+              <a:rPr lang="en-US" sz="1400" dirty="0">
+                <a:solidFill>
+                  <a:schemeClr val="tx1">
+                    <a:lumMod val="65000"/>
+                    <a:lumOff val="35000"/>
+                  </a:schemeClr>
+                </a:solidFill>
+                <a:latin typeface="+mj-lt"/>
+                <a:ea typeface="Verdana" panose="020B0604030504040204" pitchFamily="34" charset="0"/>
+              </a:rPr>
+              <a:t>Source: Glassner, A. (2021). </a:t>
+            </a:r>
+            <a:r>
+              <a:rPr lang="en-US" sz="1400" i="1" dirty="0">
+                <a:solidFill>
+                  <a:schemeClr val="tx1">
+                    <a:lumMod val="65000"/>
+                    <a:lumOff val="35000"/>
+                  </a:schemeClr>
+                </a:solidFill>
+                <a:latin typeface="+mj-lt"/>
+                <a:ea typeface="Verdana" panose="020B0604030504040204" pitchFamily="34" charset="0"/>
+              </a:rPr>
+              <a:t>Deep learning: A visual approach</a:t>
+            </a:r>
+            <a:r>
+              <a:rPr lang="en-US" sz="1400" dirty="0">
+                <a:solidFill>
+                  <a:schemeClr val="tx1">
+                    <a:lumMod val="65000"/>
+                    <a:lumOff val="35000"/>
+                  </a:schemeClr>
+                </a:solidFill>
+                <a:latin typeface="+mj-lt"/>
+                <a:ea typeface="Verdana" panose="020B0604030504040204" pitchFamily="34" charset="0"/>
+              </a:rPr>
+              <a:t>. </a:t>
+            </a:r>
+            <a:r>
+              <a:rPr lang="en-US" sz="1400" b="0" i="0" dirty="0">
+                <a:solidFill>
+                  <a:schemeClr val="tx1">
+                    <a:lumMod val="65000"/>
+                    <a:lumOff val="35000"/>
+                  </a:schemeClr>
+                </a:solidFill>
+                <a:effectLst/>
+                <a:latin typeface="+mj-lt"/>
+                <a:ea typeface="Verdana" panose="020B0604030504040204" pitchFamily="34" charset="0"/>
+              </a:rPr>
+              <a:t>San Francisco, CA: No Starch Press. (Chapter 13)</a:t>
+            </a:r>
+            <a:endParaRPr lang="en-US" sz="1400" dirty="0">
+              <a:solidFill>
+                <a:schemeClr val="tx1">
+                  <a:lumMod val="65000"/>
+                  <a:lumOff val="35000"/>
+                </a:schemeClr>
+              </a:solidFill>
+              <a:latin typeface="+mj-lt"/>
+              <a:ea typeface="Verdana" panose="020B0604030504040204" pitchFamily="34" charset="0"/>
+            </a:endParaRPr>
+          </a:p>
+        </p:txBody>
+      </p:sp>
+      <p:pic>
+        <p:nvPicPr>
+          <p:cNvPr id="3" name="Picture 2" descr="A picture containing diagram&#10;&#10;Description automatically generated">
+            <a:extLst>
+              <a:ext uri="{FF2B5EF4-FFF2-40B4-BE49-F238E27FC236}">
+                <a16:creationId xmlns:a16="http://schemas.microsoft.com/office/drawing/2014/main" id="{0FC5C259-97A3-4400-A831-7D1728FF5396}"/>
+              </a:ext>
+            </a:extLst>
+          </p:cNvPr>
+          <p:cNvPicPr>
+            <a:picLocks noChangeAspect="1"/>
+          </p:cNvPicPr>
+          <p:nvPr/>
+        </p:nvPicPr>
+        <p:blipFill>
+          <a:blip r:embed="rId3">
+            <a:extLst>
+              <a:ext uri="{28A0092B-C50C-407E-A947-70E740481C1C}">
+                <a14:useLocalDpi xmlns:a14="http://schemas.microsoft.com/office/drawing/2010/main" val="0"/>
+              </a:ext>
+            </a:extLst>
+          </a:blip>
+          <a:stretch>
+            <a:fillRect/>
+          </a:stretch>
+        </p:blipFill>
+        <p:spPr>
+          <a:xfrm>
+            <a:off x="3987126" y="1969953"/>
+            <a:ext cx="4217748" cy="2918094"/>
+          </a:xfrm>
+          <a:prstGeom prst="rect">
+            <a:avLst/>
+          </a:prstGeom>
+        </p:spPr>
+      </p:pic>
+    </p:spTree>
+    <p:extLst>
+      <p:ext uri="{BB962C8B-B14F-4D97-AF65-F5344CB8AC3E}">
+        <p14:creationId xmlns:p14="http://schemas.microsoft.com/office/powerpoint/2010/main" val="2014009550"/>
+      </p:ext>
+    </p:extLst>
+  </p:cSld>
+  <p:clrMapOvr>
+    <a:masterClrMapping/>
+  </p:clrMapOvr>
+  <mc:AlternateContent xmlns:mc="http://schemas.openxmlformats.org/markup-compatibility/2006" xmlns:p14="http://schemas.microsoft.com/office/powerpoint/2010/main">
+    <mc:Choice Requires="p14">
+      <p:transition spd="med" p14:dur="700">
+        <p:fade/>
+      </p:transition>
+    </mc:Choice>
+    <mc:Fallback xmlns="">
+      <p:transition spd="med">
+        <p:fade/>
+      </p:transition>
+    </mc:Fallback>
+  </mc:AlternateContent>
 </p:sld>
 </file>
 
